--- a/assorted/evolution_of_js.pptx
+++ b/assorted/evolution_of_js.pptx
@@ -7,10 +7,10 @@
     <p:sldMasterId id="2147483800" r:id="rId3"/>
   </p:sldMasterIdLst>
   <p:notesMasterIdLst>
-    <p:notesMasterId r:id="rId55"/>
+    <p:notesMasterId r:id="rId53"/>
   </p:notesMasterIdLst>
   <p:handoutMasterIdLst>
-    <p:handoutMasterId r:id="rId56"/>
+    <p:handoutMasterId r:id="rId54"/>
   </p:handoutMasterIdLst>
   <p:sldIdLst>
     <p:sldId id="327" r:id="rId4"/>
@@ -20,50 +20,48 @@
     <p:sldId id="426" r:id="rId8"/>
     <p:sldId id="427" r:id="rId9"/>
     <p:sldId id="387" r:id="rId10"/>
-    <p:sldId id="384" r:id="rId11"/>
-    <p:sldId id="385" r:id="rId12"/>
-    <p:sldId id="350" r:id="rId13"/>
-    <p:sldId id="386" r:id="rId14"/>
-    <p:sldId id="351" r:id="rId15"/>
-    <p:sldId id="352" r:id="rId16"/>
-    <p:sldId id="388" r:id="rId17"/>
-    <p:sldId id="389" r:id="rId18"/>
-    <p:sldId id="390" r:id="rId19"/>
-    <p:sldId id="391" r:id="rId20"/>
-    <p:sldId id="392" r:id="rId21"/>
-    <p:sldId id="393" r:id="rId22"/>
-    <p:sldId id="394" r:id="rId23"/>
-    <p:sldId id="395" r:id="rId24"/>
-    <p:sldId id="396" r:id="rId25"/>
-    <p:sldId id="398" r:id="rId26"/>
-    <p:sldId id="397" r:id="rId27"/>
-    <p:sldId id="399" r:id="rId28"/>
-    <p:sldId id="400" r:id="rId29"/>
-    <p:sldId id="402" r:id="rId30"/>
-    <p:sldId id="401" r:id="rId31"/>
-    <p:sldId id="403" r:id="rId32"/>
-    <p:sldId id="404" r:id="rId33"/>
-    <p:sldId id="405" r:id="rId34"/>
-    <p:sldId id="406" r:id="rId35"/>
-    <p:sldId id="407" r:id="rId36"/>
-    <p:sldId id="408" r:id="rId37"/>
-    <p:sldId id="409" r:id="rId38"/>
-    <p:sldId id="410" r:id="rId39"/>
-    <p:sldId id="411" r:id="rId40"/>
-    <p:sldId id="412" r:id="rId41"/>
-    <p:sldId id="413" r:id="rId42"/>
-    <p:sldId id="414" r:id="rId43"/>
-    <p:sldId id="415" r:id="rId44"/>
-    <p:sldId id="418" r:id="rId45"/>
-    <p:sldId id="416" r:id="rId46"/>
-    <p:sldId id="417" r:id="rId47"/>
-    <p:sldId id="419" r:id="rId48"/>
-    <p:sldId id="420" r:id="rId49"/>
-    <p:sldId id="421" r:id="rId50"/>
-    <p:sldId id="329" r:id="rId51"/>
-    <p:sldId id="422" r:id="rId52"/>
-    <p:sldId id="423" r:id="rId53"/>
-    <p:sldId id="428" r:id="rId54"/>
+    <p:sldId id="385" r:id="rId11"/>
+    <p:sldId id="350" r:id="rId12"/>
+    <p:sldId id="386" r:id="rId13"/>
+    <p:sldId id="351" r:id="rId14"/>
+    <p:sldId id="352" r:id="rId15"/>
+    <p:sldId id="388" r:id="rId16"/>
+    <p:sldId id="389" r:id="rId17"/>
+    <p:sldId id="390" r:id="rId18"/>
+    <p:sldId id="391" r:id="rId19"/>
+    <p:sldId id="392" r:id="rId20"/>
+    <p:sldId id="393" r:id="rId21"/>
+    <p:sldId id="394" r:id="rId22"/>
+    <p:sldId id="395" r:id="rId23"/>
+    <p:sldId id="396" r:id="rId24"/>
+    <p:sldId id="397" r:id="rId25"/>
+    <p:sldId id="399" r:id="rId26"/>
+    <p:sldId id="400" r:id="rId27"/>
+    <p:sldId id="402" r:id="rId28"/>
+    <p:sldId id="401" r:id="rId29"/>
+    <p:sldId id="403" r:id="rId30"/>
+    <p:sldId id="404" r:id="rId31"/>
+    <p:sldId id="405" r:id="rId32"/>
+    <p:sldId id="406" r:id="rId33"/>
+    <p:sldId id="407" r:id="rId34"/>
+    <p:sldId id="408" r:id="rId35"/>
+    <p:sldId id="409" r:id="rId36"/>
+    <p:sldId id="410" r:id="rId37"/>
+    <p:sldId id="411" r:id="rId38"/>
+    <p:sldId id="412" r:id="rId39"/>
+    <p:sldId id="413" r:id="rId40"/>
+    <p:sldId id="414" r:id="rId41"/>
+    <p:sldId id="415" r:id="rId42"/>
+    <p:sldId id="418" r:id="rId43"/>
+    <p:sldId id="416" r:id="rId44"/>
+    <p:sldId id="417" r:id="rId45"/>
+    <p:sldId id="419" r:id="rId46"/>
+    <p:sldId id="420" r:id="rId47"/>
+    <p:sldId id="421" r:id="rId48"/>
+    <p:sldId id="329" r:id="rId49"/>
+    <p:sldId id="422" r:id="rId50"/>
+    <p:sldId id="423" r:id="rId51"/>
+    <p:sldId id="428" r:id="rId52"/>
   </p:sldIdLst>
   <p:sldSz cx="9144000" cy="6858000" type="screen4x3"/>
   <p:notesSz cx="7302500" cy="9588500"/>
@@ -223,861 +221,6 @@
     </p:ext>
   </p:extLst>
 </p:presentation>
-</file>
-
-<file path=ppt/charts/chart1.xml><?xml version="1.0" encoding="utf-8"?>
-<c:chartSpace xmlns:c="http://schemas.openxmlformats.org/drawingml/2006/chart" xmlns:a="http://schemas.openxmlformats.org/drawingml/2006/main" xmlns:r="http://schemas.openxmlformats.org/officeDocument/2006/relationships">
-  <c:date1904 val="0"/>
-  <c:lang val="en-US"/>
-  <c:roundedCorners val="0"/>
-  <mc:AlternateContent xmlns:mc="http://schemas.openxmlformats.org/markup-compatibility/2006">
-    <mc:Choice xmlns:c14="http://schemas.microsoft.com/office/drawing/2007/8/2/chart" Requires="c14">
-      <c14:style val="102"/>
-    </mc:Choice>
-    <mc:Fallback>
-      <c:style val="2"/>
-    </mc:Fallback>
-  </mc:AlternateContent>
-  <c:chart>
-    <c:title>
-      <c:tx>
-        <c:rich>
-          <a:bodyPr rot="0" spcFirstLastPara="1" vertOverflow="ellipsis" vert="horz" wrap="square" anchor="ctr" anchorCtr="1"/>
-          <a:lstStyle/>
-          <a:p>
-            <a:pPr>
-              <a:defRPr sz="1862" b="0" i="0" u="none" strike="noStrike" kern="1200" spc="0" baseline="0">
-                <a:solidFill>
-                  <a:schemeClr val="tx1">
-                    <a:lumMod val="65000"/>
-                    <a:lumOff val="35000"/>
-                  </a:schemeClr>
-                </a:solidFill>
-                <a:latin typeface="+mn-lt"/>
-                <a:ea typeface="+mn-ea"/>
-                <a:cs typeface="+mn-cs"/>
-              </a:defRPr>
-            </a:pPr>
-            <a:r>
-              <a:rPr lang="en-US"/>
-              <a:t>Audience Excitement Over Time</a:t>
-            </a:r>
-          </a:p>
-        </c:rich>
-      </c:tx>
-      <c:layout/>
-      <c:overlay val="0"/>
-      <c:spPr>
-        <a:noFill/>
-        <a:ln>
-          <a:noFill/>
-        </a:ln>
-        <a:effectLst/>
-      </c:spPr>
-      <c:txPr>
-        <a:bodyPr rot="0" spcFirstLastPara="1" vertOverflow="ellipsis" vert="horz" wrap="square" anchor="ctr" anchorCtr="1"/>
-        <a:lstStyle/>
-        <a:p>
-          <a:pPr>
-            <a:defRPr sz="1862" b="0" i="0" u="none" strike="noStrike" kern="1200" spc="0" baseline="0">
-              <a:solidFill>
-                <a:schemeClr val="tx1">
-                  <a:lumMod val="65000"/>
-                  <a:lumOff val="35000"/>
-                </a:schemeClr>
-              </a:solidFill>
-              <a:latin typeface="+mn-lt"/>
-              <a:ea typeface="+mn-ea"/>
-              <a:cs typeface="+mn-cs"/>
-            </a:defRPr>
-          </a:pPr>
-          <a:endParaRPr lang="en-US"/>
-        </a:p>
-      </c:txPr>
-    </c:title>
-    <c:autoTitleDeleted val="0"/>
-    <c:plotArea>
-      <c:layout/>
-      <c:lineChart>
-        <c:grouping val="standard"/>
-        <c:varyColors val="0"/>
-        <c:ser>
-          <c:idx val="0"/>
-          <c:order val="0"/>
-          <c:tx>
-            <c:strRef>
-              <c:f>Sheet1!$B$1</c:f>
-              <c:strCache>
-                <c:ptCount val="1"/>
-                <c:pt idx="0">
-                  <c:v>Excitement Over Time</c:v>
-                </c:pt>
-              </c:strCache>
-            </c:strRef>
-          </c:tx>
-          <c:spPr>
-            <a:ln w="28575" cap="rnd">
-              <a:solidFill>
-                <a:schemeClr val="accent1"/>
-              </a:solidFill>
-              <a:round/>
-            </a:ln>
-            <a:effectLst/>
-          </c:spPr>
-          <c:marker>
-            <c:symbol val="none"/>
-          </c:marker>
-          <c:cat>
-            <c:strRef>
-              <c:f>Sheet1!$A$2:$A$5</c:f>
-              <c:strCache>
-                <c:ptCount val="4"/>
-                <c:pt idx="0">
-                  <c:v>5 min</c:v>
-                </c:pt>
-                <c:pt idx="1">
-                  <c:v>10 min</c:v>
-                </c:pt>
-                <c:pt idx="2">
-                  <c:v>20 min</c:v>
-                </c:pt>
-                <c:pt idx="3">
-                  <c:v>30 min</c:v>
-                </c:pt>
-              </c:strCache>
-            </c:strRef>
-          </c:cat>
-          <c:val>
-            <c:numRef>
-              <c:f>Sheet1!$B$2:$B$5</c:f>
-              <c:numCache>
-                <c:formatCode>General</c:formatCode>
-                <c:ptCount val="4"/>
-                <c:pt idx="0">
-                  <c:v>1</c:v>
-                </c:pt>
-                <c:pt idx="1">
-                  <c:v>3</c:v>
-                </c:pt>
-                <c:pt idx="2">
-                  <c:v>8</c:v>
-                </c:pt>
-                <c:pt idx="3">
-                  <c:v>10</c:v>
-                </c:pt>
-              </c:numCache>
-            </c:numRef>
-          </c:val>
-          <c:smooth val="0"/>
-        </c:ser>
-        <c:dLbls>
-          <c:showLegendKey val="0"/>
-          <c:showVal val="0"/>
-          <c:showCatName val="0"/>
-          <c:showSerName val="0"/>
-          <c:showPercent val="0"/>
-          <c:showBubbleSize val="0"/>
-        </c:dLbls>
-        <c:smooth val="0"/>
-        <c:axId val="297733608"/>
-        <c:axId val="297740664"/>
-      </c:lineChart>
-      <c:catAx>
-        <c:axId val="297733608"/>
-        <c:scaling>
-          <c:orientation val="minMax"/>
-        </c:scaling>
-        <c:delete val="0"/>
-        <c:axPos val="b"/>
-        <c:numFmt formatCode="General" sourceLinked="1"/>
-        <c:majorTickMark val="none"/>
-        <c:minorTickMark val="none"/>
-        <c:tickLblPos val="nextTo"/>
-        <c:spPr>
-          <a:noFill/>
-          <a:ln w="9525" cap="flat" cmpd="sng" algn="ctr">
-            <a:solidFill>
-              <a:schemeClr val="tx1">
-                <a:lumMod val="15000"/>
-                <a:lumOff val="85000"/>
-              </a:schemeClr>
-            </a:solidFill>
-            <a:round/>
-          </a:ln>
-          <a:effectLst/>
-        </c:spPr>
-        <c:txPr>
-          <a:bodyPr rot="-60000000" spcFirstLastPara="1" vertOverflow="ellipsis" vert="horz" wrap="square" anchor="ctr" anchorCtr="1"/>
-          <a:lstStyle/>
-          <a:p>
-            <a:pPr>
-              <a:defRPr sz="1197" b="0" i="0" u="none" strike="noStrike" kern="1200" baseline="0">
-                <a:solidFill>
-                  <a:schemeClr val="tx1">
-                    <a:lumMod val="65000"/>
-                    <a:lumOff val="35000"/>
-                  </a:schemeClr>
-                </a:solidFill>
-                <a:latin typeface="+mn-lt"/>
-                <a:ea typeface="+mn-ea"/>
-                <a:cs typeface="+mn-cs"/>
-              </a:defRPr>
-            </a:pPr>
-            <a:endParaRPr lang="en-US"/>
-          </a:p>
-        </c:txPr>
-        <c:crossAx val="297740664"/>
-        <c:crosses val="autoZero"/>
-        <c:auto val="1"/>
-        <c:lblAlgn val="ctr"/>
-        <c:lblOffset val="100"/>
-        <c:noMultiLvlLbl val="0"/>
-      </c:catAx>
-      <c:valAx>
-        <c:axId val="297740664"/>
-        <c:scaling>
-          <c:orientation val="minMax"/>
-        </c:scaling>
-        <c:delete val="0"/>
-        <c:axPos val="l"/>
-        <c:majorGridlines>
-          <c:spPr>
-            <a:ln w="9525" cap="flat" cmpd="sng" algn="ctr">
-              <a:solidFill>
-                <a:schemeClr val="tx1">
-                  <a:lumMod val="15000"/>
-                  <a:lumOff val="85000"/>
-                </a:schemeClr>
-              </a:solidFill>
-              <a:round/>
-            </a:ln>
-            <a:effectLst/>
-          </c:spPr>
-        </c:majorGridlines>
-        <c:numFmt formatCode="General" sourceLinked="1"/>
-        <c:majorTickMark val="none"/>
-        <c:minorTickMark val="none"/>
-        <c:tickLblPos val="nextTo"/>
-        <c:spPr>
-          <a:noFill/>
-          <a:ln>
-            <a:noFill/>
-          </a:ln>
-          <a:effectLst/>
-        </c:spPr>
-        <c:txPr>
-          <a:bodyPr rot="-60000000" spcFirstLastPara="1" vertOverflow="ellipsis" vert="horz" wrap="square" anchor="ctr" anchorCtr="1"/>
-          <a:lstStyle/>
-          <a:p>
-            <a:pPr>
-              <a:defRPr sz="1197" b="0" i="0" u="none" strike="noStrike" kern="1200" baseline="0">
-                <a:solidFill>
-                  <a:schemeClr val="tx1">
-                    <a:lumMod val="65000"/>
-                    <a:lumOff val="35000"/>
-                  </a:schemeClr>
-                </a:solidFill>
-                <a:latin typeface="+mn-lt"/>
-                <a:ea typeface="+mn-ea"/>
-                <a:cs typeface="+mn-cs"/>
-              </a:defRPr>
-            </a:pPr>
-            <a:endParaRPr lang="en-US"/>
-          </a:p>
-        </c:txPr>
-        <c:crossAx val="297733608"/>
-        <c:crosses val="autoZero"/>
-        <c:crossBetween val="between"/>
-      </c:valAx>
-      <c:spPr>
-        <a:noFill/>
-        <a:ln w="25400">
-          <a:noFill/>
-        </a:ln>
-        <a:effectLst/>
-      </c:spPr>
-    </c:plotArea>
-    <c:plotVisOnly val="1"/>
-    <c:dispBlanksAs val="gap"/>
-    <c:showDLblsOverMax val="0"/>
-  </c:chart>
-  <c:spPr>
-    <a:noFill/>
-    <a:ln>
-      <a:noFill/>
-    </a:ln>
-    <a:effectLst/>
-  </c:spPr>
-  <c:txPr>
-    <a:bodyPr/>
-    <a:lstStyle/>
-    <a:p>
-      <a:pPr>
-        <a:defRPr/>
-      </a:pPr>
-      <a:endParaRPr lang="en-US"/>
-    </a:p>
-  </c:txPr>
-  <c:externalData r:id="rId3">
-    <c:autoUpdate val="0"/>
-  </c:externalData>
-</c:chartSpace>
-</file>
-
-<file path=ppt/charts/colors1.xml><?xml version="1.0" encoding="utf-8"?>
-<cs:colorStyle xmlns:cs="http://schemas.microsoft.com/office/drawing/2012/chartStyle" xmlns:a="http://schemas.openxmlformats.org/drawingml/2006/main" meth="cycle" id="10">
-  <a:schemeClr val="accent1"/>
-  <a:schemeClr val="accent2"/>
-  <a:schemeClr val="accent3"/>
-  <a:schemeClr val="accent4"/>
-  <a:schemeClr val="accent5"/>
-  <a:schemeClr val="accent6"/>
-  <cs:variation/>
-  <cs:variation>
-    <a:lumMod val="60000"/>
-  </cs:variation>
-  <cs:variation>
-    <a:lumMod val="80000"/>
-    <a:lumOff val="20000"/>
-  </cs:variation>
-  <cs:variation>
-    <a:lumMod val="80000"/>
-  </cs:variation>
-  <cs:variation>
-    <a:lumMod val="60000"/>
-    <a:lumOff val="40000"/>
-  </cs:variation>
-  <cs:variation>
-    <a:lumMod val="50000"/>
-  </cs:variation>
-  <cs:variation>
-    <a:lumMod val="70000"/>
-    <a:lumOff val="30000"/>
-  </cs:variation>
-  <cs:variation>
-    <a:lumMod val="70000"/>
-  </cs:variation>
-  <cs:variation>
-    <a:lumMod val="50000"/>
-    <a:lumOff val="50000"/>
-  </cs:variation>
-</cs:colorStyle>
-</file>
-
-<file path=ppt/charts/style1.xml><?xml version="1.0" encoding="utf-8"?>
-<cs:chartStyle xmlns:cs="http://schemas.microsoft.com/office/drawing/2012/chartStyle" xmlns:a="http://schemas.openxmlformats.org/drawingml/2006/main" id="227">
-  <cs:axisTitle>
-    <cs:lnRef idx="0"/>
-    <cs:fillRef idx="0"/>
-    <cs:effectRef idx="0"/>
-    <cs:fontRef idx="minor">
-      <a:schemeClr val="tx1">
-        <a:lumMod val="65000"/>
-        <a:lumOff val="35000"/>
-      </a:schemeClr>
-    </cs:fontRef>
-    <cs:defRPr sz="1330" kern="1200"/>
-  </cs:axisTitle>
-  <cs:categoryAxis>
-    <cs:lnRef idx="0"/>
-    <cs:fillRef idx="0"/>
-    <cs:effectRef idx="0"/>
-    <cs:fontRef idx="minor">
-      <a:schemeClr val="tx1">
-        <a:lumMod val="65000"/>
-        <a:lumOff val="35000"/>
-      </a:schemeClr>
-    </cs:fontRef>
-    <cs:spPr>
-      <a:ln w="9525" cap="flat" cmpd="sng" algn="ctr">
-        <a:solidFill>
-          <a:schemeClr val="tx1">
-            <a:lumMod val="15000"/>
-            <a:lumOff val="85000"/>
-          </a:schemeClr>
-        </a:solidFill>
-        <a:round/>
-      </a:ln>
-    </cs:spPr>
-    <cs:defRPr sz="1197" kern="1200"/>
-  </cs:categoryAxis>
-  <cs:chartArea mods="allowNoFillOverride allowNoLineOverride">
-    <cs:lnRef idx="0"/>
-    <cs:fillRef idx="0"/>
-    <cs:effectRef idx="0"/>
-    <cs:fontRef idx="minor">
-      <a:schemeClr val="tx1"/>
-    </cs:fontRef>
-    <cs:spPr>
-      <a:solidFill>
-        <a:schemeClr val="bg1"/>
-      </a:solidFill>
-      <a:ln w="9525" cap="flat" cmpd="sng" algn="ctr">
-        <a:solidFill>
-          <a:schemeClr val="tx1">
-            <a:lumMod val="15000"/>
-            <a:lumOff val="85000"/>
-          </a:schemeClr>
-        </a:solidFill>
-        <a:round/>
-      </a:ln>
-    </cs:spPr>
-    <cs:defRPr sz="1330" kern="1200"/>
-  </cs:chartArea>
-  <cs:dataLabel>
-    <cs:lnRef idx="0"/>
-    <cs:fillRef idx="0"/>
-    <cs:effectRef idx="0"/>
-    <cs:fontRef idx="minor">
-      <a:schemeClr val="tx1">
-        <a:lumMod val="75000"/>
-        <a:lumOff val="25000"/>
-      </a:schemeClr>
-    </cs:fontRef>
-    <cs:defRPr sz="1197" kern="1200"/>
-  </cs:dataLabel>
-  <cs:dataLabelCallout>
-    <cs:lnRef idx="0"/>
-    <cs:fillRef idx="0"/>
-    <cs:effectRef idx="0"/>
-    <cs:fontRef idx="minor">
-      <a:schemeClr val="dk1">
-        <a:lumMod val="65000"/>
-        <a:lumOff val="35000"/>
-      </a:schemeClr>
-    </cs:fontRef>
-    <cs:spPr>
-      <a:solidFill>
-        <a:schemeClr val="lt1"/>
-      </a:solidFill>
-      <a:ln>
-        <a:solidFill>
-          <a:schemeClr val="dk1">
-            <a:lumMod val="25000"/>
-            <a:lumOff val="75000"/>
-          </a:schemeClr>
-        </a:solidFill>
-      </a:ln>
-    </cs:spPr>
-    <cs:defRPr sz="1197" kern="1200"/>
-    <cs:bodyPr rot="0" spcFirstLastPara="1" vertOverflow="clip" horzOverflow="clip" vert="horz" wrap="square" lIns="36576" tIns="18288" rIns="36576" bIns="18288" anchor="ctr" anchorCtr="1">
-      <a:spAutoFit/>
-    </cs:bodyPr>
-  </cs:dataLabelCallout>
-  <cs:dataPoint>
-    <cs:lnRef idx="0"/>
-    <cs:fillRef idx="1">
-      <cs:styleClr val="auto"/>
-    </cs:fillRef>
-    <cs:effectRef idx="0"/>
-    <cs:fontRef idx="minor">
-      <a:schemeClr val="tx1"/>
-    </cs:fontRef>
-    <cs:spPr>
-      <a:solidFill>
-        <a:schemeClr val="phClr"/>
-      </a:solidFill>
-    </cs:spPr>
-  </cs:dataPoint>
-  <cs:dataPoint3D>
-    <cs:lnRef idx="0"/>
-    <cs:fillRef idx="1">
-      <cs:styleClr val="auto"/>
-    </cs:fillRef>
-    <cs:effectRef idx="0"/>
-    <cs:fontRef idx="minor">
-      <a:schemeClr val="tx1"/>
-    </cs:fontRef>
-    <cs:spPr>
-      <a:solidFill>
-        <a:schemeClr val="phClr"/>
-      </a:solidFill>
-    </cs:spPr>
-  </cs:dataPoint3D>
-  <cs:dataPointLine>
-    <cs:lnRef idx="0">
-      <cs:styleClr val="auto"/>
-    </cs:lnRef>
-    <cs:fillRef idx="1"/>
-    <cs:effectRef idx="0"/>
-    <cs:fontRef idx="minor">
-      <a:schemeClr val="tx1"/>
-    </cs:fontRef>
-    <cs:spPr>
-      <a:ln w="28575" cap="rnd">
-        <a:solidFill>
-          <a:schemeClr val="phClr"/>
-        </a:solidFill>
-        <a:round/>
-      </a:ln>
-    </cs:spPr>
-  </cs:dataPointLine>
-  <cs:dataPointMarker>
-    <cs:lnRef idx="0">
-      <cs:styleClr val="auto"/>
-    </cs:lnRef>
-    <cs:fillRef idx="1">
-      <cs:styleClr val="auto"/>
-    </cs:fillRef>
-    <cs:effectRef idx="0"/>
-    <cs:fontRef idx="minor">
-      <a:schemeClr val="tx1"/>
-    </cs:fontRef>
-    <cs:spPr>
-      <a:solidFill>
-        <a:schemeClr val="phClr"/>
-      </a:solidFill>
-      <a:ln w="9525">
-        <a:solidFill>
-          <a:schemeClr val="phClr"/>
-        </a:solidFill>
-      </a:ln>
-    </cs:spPr>
-  </cs:dataPointMarker>
-  <cs:dataPointMarkerLayout symbol="circle" size="5"/>
-  <cs:dataPointWireframe>
-    <cs:lnRef idx="0">
-      <cs:styleClr val="auto"/>
-    </cs:lnRef>
-    <cs:fillRef idx="1"/>
-    <cs:effectRef idx="0"/>
-    <cs:fontRef idx="minor">
-      <a:schemeClr val="tx1"/>
-    </cs:fontRef>
-    <cs:spPr>
-      <a:ln w="9525" cap="rnd">
-        <a:solidFill>
-          <a:schemeClr val="phClr"/>
-        </a:solidFill>
-        <a:round/>
-      </a:ln>
-    </cs:spPr>
-  </cs:dataPointWireframe>
-  <cs:dataTable>
-    <cs:lnRef idx="0"/>
-    <cs:fillRef idx="0"/>
-    <cs:effectRef idx="0"/>
-    <cs:fontRef idx="minor">
-      <a:schemeClr val="tx1">
-        <a:lumMod val="65000"/>
-        <a:lumOff val="35000"/>
-      </a:schemeClr>
-    </cs:fontRef>
-    <cs:spPr>
-      <a:noFill/>
-      <a:ln w="9525" cap="flat" cmpd="sng" algn="ctr">
-        <a:solidFill>
-          <a:schemeClr val="tx1">
-            <a:lumMod val="15000"/>
-            <a:lumOff val="85000"/>
-          </a:schemeClr>
-        </a:solidFill>
-        <a:round/>
-      </a:ln>
-    </cs:spPr>
-    <cs:defRPr sz="1197" kern="1200"/>
-  </cs:dataTable>
-  <cs:downBar>
-    <cs:lnRef idx="0"/>
-    <cs:fillRef idx="0"/>
-    <cs:effectRef idx="0"/>
-    <cs:fontRef idx="minor">
-      <a:schemeClr val="dk1"/>
-    </cs:fontRef>
-    <cs:spPr>
-      <a:solidFill>
-        <a:schemeClr val="dk1">
-          <a:lumMod val="65000"/>
-          <a:lumOff val="35000"/>
-        </a:schemeClr>
-      </a:solidFill>
-      <a:ln w="9525">
-        <a:solidFill>
-          <a:schemeClr val="tx1">
-            <a:lumMod val="65000"/>
-            <a:lumOff val="35000"/>
-          </a:schemeClr>
-        </a:solidFill>
-      </a:ln>
-    </cs:spPr>
-  </cs:downBar>
-  <cs:dropLine>
-    <cs:lnRef idx="0"/>
-    <cs:fillRef idx="0"/>
-    <cs:effectRef idx="0"/>
-    <cs:fontRef idx="minor">
-      <a:schemeClr val="tx1"/>
-    </cs:fontRef>
-    <cs:spPr>
-      <a:ln w="9525" cap="flat" cmpd="sng" algn="ctr">
-        <a:solidFill>
-          <a:schemeClr val="tx1">
-            <a:lumMod val="35000"/>
-            <a:lumOff val="65000"/>
-          </a:schemeClr>
-        </a:solidFill>
-        <a:round/>
-      </a:ln>
-    </cs:spPr>
-  </cs:dropLine>
-  <cs:errorBar>
-    <cs:lnRef idx="0"/>
-    <cs:fillRef idx="0"/>
-    <cs:effectRef idx="0"/>
-    <cs:fontRef idx="minor">
-      <a:schemeClr val="tx1"/>
-    </cs:fontRef>
-    <cs:spPr>
-      <a:ln w="9525" cap="flat" cmpd="sng" algn="ctr">
-        <a:solidFill>
-          <a:schemeClr val="tx1">
-            <a:lumMod val="65000"/>
-            <a:lumOff val="35000"/>
-          </a:schemeClr>
-        </a:solidFill>
-        <a:round/>
-      </a:ln>
-    </cs:spPr>
-  </cs:errorBar>
-  <cs:floor>
-    <cs:lnRef idx="0"/>
-    <cs:fillRef idx="0"/>
-    <cs:effectRef idx="0"/>
-    <cs:fontRef idx="minor">
-      <a:schemeClr val="tx1"/>
-    </cs:fontRef>
-    <cs:spPr>
-      <a:noFill/>
-      <a:ln>
-        <a:noFill/>
-      </a:ln>
-    </cs:spPr>
-  </cs:floor>
-  <cs:gridlineMajor>
-    <cs:lnRef idx="0"/>
-    <cs:fillRef idx="0"/>
-    <cs:effectRef idx="0"/>
-    <cs:fontRef idx="minor">
-      <a:schemeClr val="tx1"/>
-    </cs:fontRef>
-    <cs:spPr>
-      <a:ln w="9525" cap="flat" cmpd="sng" algn="ctr">
-        <a:solidFill>
-          <a:schemeClr val="tx1">
-            <a:lumMod val="15000"/>
-            <a:lumOff val="85000"/>
-          </a:schemeClr>
-        </a:solidFill>
-        <a:round/>
-      </a:ln>
-    </cs:spPr>
-  </cs:gridlineMajor>
-  <cs:gridlineMinor>
-    <cs:lnRef idx="0"/>
-    <cs:fillRef idx="0"/>
-    <cs:effectRef idx="0"/>
-    <cs:fontRef idx="minor">
-      <a:schemeClr val="tx1"/>
-    </cs:fontRef>
-    <cs:spPr>
-      <a:ln w="9525" cap="flat" cmpd="sng" algn="ctr">
-        <a:solidFill>
-          <a:schemeClr val="tx1">
-            <a:lumMod val="5000"/>
-            <a:lumOff val="95000"/>
-          </a:schemeClr>
-        </a:solidFill>
-        <a:round/>
-      </a:ln>
-    </cs:spPr>
-  </cs:gridlineMinor>
-  <cs:hiLoLine>
-    <cs:lnRef idx="0"/>
-    <cs:fillRef idx="0"/>
-    <cs:effectRef idx="0"/>
-    <cs:fontRef idx="minor">
-      <a:schemeClr val="tx1"/>
-    </cs:fontRef>
-    <cs:spPr>
-      <a:ln w="9525" cap="flat" cmpd="sng" algn="ctr">
-        <a:solidFill>
-          <a:schemeClr val="tx1">
-            <a:lumMod val="75000"/>
-            <a:lumOff val="25000"/>
-          </a:schemeClr>
-        </a:solidFill>
-        <a:round/>
-      </a:ln>
-    </cs:spPr>
-  </cs:hiLoLine>
-  <cs:leaderLine>
-    <cs:lnRef idx="0"/>
-    <cs:fillRef idx="0"/>
-    <cs:effectRef idx="0"/>
-    <cs:fontRef idx="minor">
-      <a:schemeClr val="tx1"/>
-    </cs:fontRef>
-    <cs:spPr>
-      <a:ln w="9525" cap="flat" cmpd="sng" algn="ctr">
-        <a:solidFill>
-          <a:schemeClr val="tx1">
-            <a:lumMod val="35000"/>
-            <a:lumOff val="65000"/>
-          </a:schemeClr>
-        </a:solidFill>
-        <a:round/>
-      </a:ln>
-    </cs:spPr>
-  </cs:leaderLine>
-  <cs:legend>
-    <cs:lnRef idx="0"/>
-    <cs:fillRef idx="0"/>
-    <cs:effectRef idx="0"/>
-    <cs:fontRef idx="minor">
-      <a:schemeClr val="tx1">
-        <a:lumMod val="65000"/>
-        <a:lumOff val="35000"/>
-      </a:schemeClr>
-    </cs:fontRef>
-    <cs:defRPr sz="1197" kern="1200"/>
-  </cs:legend>
-  <cs:plotArea mods="allowNoFillOverride allowNoLineOverride">
-    <cs:lnRef idx="0"/>
-    <cs:fillRef idx="0"/>
-    <cs:effectRef idx="0"/>
-    <cs:fontRef idx="minor">
-      <a:schemeClr val="tx1"/>
-    </cs:fontRef>
-  </cs:plotArea>
-  <cs:plotArea3D mods="allowNoFillOverride allowNoLineOverride">
-    <cs:lnRef idx="0"/>
-    <cs:fillRef idx="0"/>
-    <cs:effectRef idx="0"/>
-    <cs:fontRef idx="minor">
-      <a:schemeClr val="tx1"/>
-    </cs:fontRef>
-  </cs:plotArea3D>
-  <cs:seriesAxis>
-    <cs:lnRef idx="0"/>
-    <cs:fillRef idx="0"/>
-    <cs:effectRef idx="0"/>
-    <cs:fontRef idx="minor">
-      <a:schemeClr val="tx1">
-        <a:lumMod val="65000"/>
-        <a:lumOff val="35000"/>
-      </a:schemeClr>
-    </cs:fontRef>
-    <cs:defRPr sz="1197" kern="1200"/>
-  </cs:seriesAxis>
-  <cs:seriesLine>
-    <cs:lnRef idx="0"/>
-    <cs:fillRef idx="0"/>
-    <cs:effectRef idx="0"/>
-    <cs:fontRef idx="minor">
-      <a:schemeClr val="tx1"/>
-    </cs:fontRef>
-    <cs:spPr>
-      <a:ln w="9525" cap="flat" cmpd="sng" algn="ctr">
-        <a:solidFill>
-          <a:schemeClr val="tx1">
-            <a:lumMod val="35000"/>
-            <a:lumOff val="65000"/>
-          </a:schemeClr>
-        </a:solidFill>
-        <a:round/>
-      </a:ln>
-    </cs:spPr>
-  </cs:seriesLine>
-  <cs:title>
-    <cs:lnRef idx="0"/>
-    <cs:fillRef idx="0"/>
-    <cs:effectRef idx="0"/>
-    <cs:fontRef idx="minor">
-      <a:schemeClr val="tx1">
-        <a:lumMod val="65000"/>
-        <a:lumOff val="35000"/>
-      </a:schemeClr>
-    </cs:fontRef>
-    <cs:defRPr sz="1862" b="0" kern="1200" spc="0" baseline="0"/>
-  </cs:title>
-  <cs:trendline>
-    <cs:lnRef idx="0">
-      <cs:styleClr val="auto"/>
-    </cs:lnRef>
-    <cs:fillRef idx="0"/>
-    <cs:effectRef idx="0"/>
-    <cs:fontRef idx="minor">
-      <a:schemeClr val="tx1"/>
-    </cs:fontRef>
-    <cs:spPr>
-      <a:ln w="19050" cap="rnd">
-        <a:solidFill>
-          <a:schemeClr val="phClr"/>
-        </a:solidFill>
-        <a:prstDash val="sysDot"/>
-      </a:ln>
-    </cs:spPr>
-  </cs:trendline>
-  <cs:trendlineLabel>
-    <cs:lnRef idx="0"/>
-    <cs:fillRef idx="0"/>
-    <cs:effectRef idx="0"/>
-    <cs:fontRef idx="minor">
-      <a:schemeClr val="tx1">
-        <a:lumMod val="65000"/>
-        <a:lumOff val="35000"/>
-      </a:schemeClr>
-    </cs:fontRef>
-    <cs:defRPr sz="1197" kern="1200"/>
-  </cs:trendlineLabel>
-  <cs:upBar>
-    <cs:lnRef idx="0"/>
-    <cs:fillRef idx="0"/>
-    <cs:effectRef idx="0"/>
-    <cs:fontRef idx="minor">
-      <a:schemeClr val="dk1"/>
-    </cs:fontRef>
-    <cs:spPr>
-      <a:solidFill>
-        <a:schemeClr val="lt1"/>
-      </a:solidFill>
-      <a:ln w="9525">
-        <a:solidFill>
-          <a:schemeClr val="tx1">
-            <a:lumMod val="15000"/>
-            <a:lumOff val="85000"/>
-          </a:schemeClr>
-        </a:solidFill>
-      </a:ln>
-    </cs:spPr>
-  </cs:upBar>
-  <cs:valueAxis>
-    <cs:lnRef idx="0"/>
-    <cs:fillRef idx="0"/>
-    <cs:effectRef idx="0"/>
-    <cs:fontRef idx="minor">
-      <a:schemeClr val="tx1">
-        <a:lumMod val="65000"/>
-        <a:lumOff val="35000"/>
-      </a:schemeClr>
-    </cs:fontRef>
-    <cs:defRPr sz="1197" kern="1200"/>
-  </cs:valueAxis>
-  <cs:wall>
-    <cs:lnRef idx="0"/>
-    <cs:fillRef idx="0"/>
-    <cs:effectRef idx="0"/>
-    <cs:fontRef idx="minor">
-      <a:schemeClr val="tx1"/>
-    </cs:fontRef>
-    <cs:spPr>
-      <a:noFill/>
-      <a:ln>
-        <a:noFill/>
-      </a:ln>
-    </cs:spPr>
-  </cs:wall>
-</cs:chartStyle>
 </file>
 
 <file path=ppt/handoutMasters/handoutMaster1.xml><?xml version="1.0" encoding="utf-8"?>
@@ -10611,193 +9754,6 @@
           <a:p>
             <a:r>
               <a:rPr lang="en-US" dirty="0" smtClean="0"/>
-              <a:t>Solution: let</a:t>
-            </a:r>
-            <a:endParaRPr lang="en-US" dirty="0"/>
-          </a:p>
-        </p:txBody>
-      </p:sp>
-      <p:pic>
-        <p:nvPicPr>
-          <p:cNvPr id="4" name="Picture 3"/>
-          <p:cNvPicPr>
-            <a:picLocks noChangeAspect="1"/>
-          </p:cNvPicPr>
-          <p:nvPr/>
-        </p:nvPicPr>
-        <p:blipFill>
-          <a:blip r:embed="rId2"/>
-          <a:stretch>
-            <a:fillRect/>
-          </a:stretch>
-        </p:blipFill>
-        <p:spPr>
-          <a:xfrm>
-            <a:off x="533400" y="1600200"/>
-            <a:ext cx="6596158" cy="2486025"/>
-          </a:xfrm>
-          <a:prstGeom prst="rect">
-            <a:avLst/>
-          </a:prstGeom>
-        </p:spPr>
-      </p:pic>
-      <p:pic>
-        <p:nvPicPr>
-          <p:cNvPr id="5" name="Picture 4"/>
-          <p:cNvPicPr>
-            <a:picLocks noChangeAspect="1"/>
-          </p:cNvPicPr>
-          <p:nvPr/>
-        </p:nvPicPr>
-        <p:blipFill>
-          <a:blip r:embed="rId3"/>
-          <a:stretch>
-            <a:fillRect/>
-          </a:stretch>
-        </p:blipFill>
-        <p:spPr>
-          <a:xfrm>
-            <a:off x="3657600" y="4343400"/>
-            <a:ext cx="4486275" cy="1628775"/>
-          </a:xfrm>
-          <a:prstGeom prst="rect">
-            <a:avLst/>
-          </a:prstGeom>
-        </p:spPr>
-      </p:pic>
-    </p:spTree>
-    <p:extLst>
-      <p:ext uri="{BB962C8B-B14F-4D97-AF65-F5344CB8AC3E}">
-        <p14:creationId xmlns:p14="http://schemas.microsoft.com/office/powerpoint/2010/main" val="2229719437"/>
-      </p:ext>
-    </p:extLst>
-  </p:cSld>
-  <p:clrMapOvr>
-    <a:masterClrMapping/>
-  </p:clrMapOvr>
-  <p:transition>
-    <p:fade/>
-  </p:transition>
-  <p:timing>
-    <p:tnLst>
-      <p:par>
-        <p:cTn id="1" dur="indefinite" restart="never" nodeType="tmRoot">
-          <p:childTnLst>
-            <p:seq concurrent="1" nextAc="seek">
-              <p:cTn id="2" dur="indefinite" nodeType="mainSeq">
-                <p:childTnLst>
-                  <p:par>
-                    <p:cTn id="3" fill="hold">
-                      <p:stCondLst>
-                        <p:cond delay="indefinite"/>
-                      </p:stCondLst>
-                      <p:childTnLst>
-                        <p:par>
-                          <p:cTn id="4" fill="hold">
-                            <p:stCondLst>
-                              <p:cond delay="0"/>
-                            </p:stCondLst>
-                            <p:childTnLst>
-                              <p:par>
-                                <p:cTn id="5" presetID="10" presetClass="entr" presetSubtype="0" fill="hold" nodeType="clickEffect">
-                                  <p:stCondLst>
-                                    <p:cond delay="0"/>
-                                  </p:stCondLst>
-                                  <p:childTnLst>
-                                    <p:set>
-                                      <p:cBhvr>
-                                        <p:cTn id="6" dur="1" fill="hold">
-                                          <p:stCondLst>
-                                            <p:cond delay="0"/>
-                                          </p:stCondLst>
-                                        </p:cTn>
-                                        <p:tgtEl>
-                                          <p:spTgt spid="5"/>
-                                        </p:tgtEl>
-                                        <p:attrNameLst>
-                                          <p:attrName>style.visibility</p:attrName>
-                                        </p:attrNameLst>
-                                      </p:cBhvr>
-                                      <p:to>
-                                        <p:strVal val="visible"/>
-                                      </p:to>
-                                    </p:set>
-                                    <p:animEffect transition="in" filter="fade">
-                                      <p:cBhvr>
-                                        <p:cTn id="7" dur="500"/>
-                                        <p:tgtEl>
-                                          <p:spTgt spid="5"/>
-                                        </p:tgtEl>
-                                      </p:cBhvr>
-                                    </p:animEffect>
-                                  </p:childTnLst>
-                                </p:cTn>
-                              </p:par>
-                            </p:childTnLst>
-                          </p:cTn>
-                        </p:par>
-                      </p:childTnLst>
-                    </p:cTn>
-                  </p:par>
-                </p:childTnLst>
-              </p:cTn>
-              <p:prevCondLst>
-                <p:cond evt="onPrev" delay="0">
-                  <p:tgtEl>
-                    <p:sldTgt/>
-                  </p:tgtEl>
-                </p:cond>
-              </p:prevCondLst>
-              <p:nextCondLst>
-                <p:cond evt="onNext" delay="0">
-                  <p:tgtEl>
-                    <p:sldTgt/>
-                  </p:tgtEl>
-                </p:cond>
-              </p:nextCondLst>
-            </p:seq>
-          </p:childTnLst>
-        </p:cTn>
-      </p:par>
-    </p:tnLst>
-  </p:timing>
-</p:sld>
-</file>
-
-<file path=ppt/slides/slide11.xml><?xml version="1.0" encoding="utf-8"?>
-<p:sld xmlns:a="http://schemas.openxmlformats.org/drawingml/2006/main" xmlns:r="http://schemas.openxmlformats.org/officeDocument/2006/relationships" xmlns:p="http://schemas.openxmlformats.org/presentationml/2006/main">
-  <p:cSld>
-    <p:spTree>
-      <p:nvGrpSpPr>
-        <p:cNvPr id="1" name=""/>
-        <p:cNvGrpSpPr/>
-        <p:nvPr/>
-      </p:nvGrpSpPr>
-      <p:grpSpPr>
-        <a:xfrm>
-          <a:off x="0" y="0"/>
-          <a:ext cx="0" cy="0"/>
-          <a:chOff x="0" y="0"/>
-          <a:chExt cx="0" cy="0"/>
-        </a:xfrm>
-      </p:grpSpPr>
-      <p:sp>
-        <p:nvSpPr>
-          <p:cNvPr id="2" name="Title 1"/>
-          <p:cNvSpPr>
-            <a:spLocks noGrp="1"/>
-          </p:cNvSpPr>
-          <p:nvPr>
-            <p:ph type="title"/>
-          </p:nvPr>
-        </p:nvSpPr>
-        <p:spPr/>
-        <p:txBody>
-          <a:bodyPr/>
-          <a:lstStyle/>
-          <a:p>
-            <a:r>
-              <a:rPr lang="en-US" dirty="0" smtClean="0"/>
               <a:t>Problem</a:t>
             </a:r>
             <a:endParaRPr lang="en-US" dirty="0"/>
@@ -11052,7 +10008,7 @@
 </p:sld>
 </file>
 
-<file path=ppt/slides/slide12.xml><?xml version="1.0" encoding="utf-8"?>
+<file path=ppt/slides/slide11.xml><?xml version="1.0" encoding="utf-8"?>
 <p:sld xmlns:a="http://schemas.openxmlformats.org/drawingml/2006/main" xmlns:r="http://schemas.openxmlformats.org/officeDocument/2006/relationships" xmlns:p="http://schemas.openxmlformats.org/presentationml/2006/main">
   <p:cSld>
     <p:spTree>
@@ -11143,7 +10099,7 @@
 </p:sld>
 </file>
 
-<file path=ppt/slides/slide13.xml><?xml version="1.0" encoding="utf-8"?>
+<file path=ppt/slides/slide12.xml><?xml version="1.0" encoding="utf-8"?>
 <p:sld xmlns:a="http://schemas.openxmlformats.org/drawingml/2006/main" xmlns:r="http://schemas.openxmlformats.org/officeDocument/2006/relationships" xmlns:p="http://schemas.openxmlformats.org/presentationml/2006/main">
   <p:cSld>
     <p:spTree>
@@ -11353,7 +10309,7 @@
 </p:sld>
 </file>
 
-<file path=ppt/slides/slide14.xml><?xml version="1.0" encoding="utf-8"?>
+<file path=ppt/slides/slide13.xml><?xml version="1.0" encoding="utf-8"?>
 <p:sld xmlns:a="http://schemas.openxmlformats.org/drawingml/2006/main" xmlns:r="http://schemas.openxmlformats.org/officeDocument/2006/relationships" xmlns:p="http://schemas.openxmlformats.org/presentationml/2006/main">
   <p:cSld>
     <p:spTree>
@@ -11459,7 +10415,7 @@
 </p:sld>
 </file>
 
-<file path=ppt/slides/slide15.xml><?xml version="1.0" encoding="utf-8"?>
+<file path=ppt/slides/slide14.xml><?xml version="1.0" encoding="utf-8"?>
 <p:sld xmlns:a="http://schemas.openxmlformats.org/drawingml/2006/main" xmlns:r="http://schemas.openxmlformats.org/officeDocument/2006/relationships" xmlns:p="http://schemas.openxmlformats.org/presentationml/2006/main">
   <p:cSld>
     <p:spTree>
@@ -11569,7 +10525,7 @@
 </p:sld>
 </file>
 
-<file path=ppt/slides/slide16.xml><?xml version="1.0" encoding="utf-8"?>
+<file path=ppt/slides/slide15.xml><?xml version="1.0" encoding="utf-8"?>
 <p:sld xmlns:a="http://schemas.openxmlformats.org/drawingml/2006/main" xmlns:r="http://schemas.openxmlformats.org/officeDocument/2006/relationships" xmlns:p="http://schemas.openxmlformats.org/presentationml/2006/main">
   <p:cSld>
     <p:spTree>
@@ -11775,7 +10731,7 @@
 </p:sld>
 </file>
 
-<file path=ppt/slides/slide17.xml><?xml version="1.0" encoding="utf-8"?>
+<file path=ppt/slides/slide16.xml><?xml version="1.0" encoding="utf-8"?>
 <p:sld xmlns:a="http://schemas.openxmlformats.org/drawingml/2006/main" xmlns:r="http://schemas.openxmlformats.org/officeDocument/2006/relationships" xmlns:p="http://schemas.openxmlformats.org/presentationml/2006/main">
   <p:cSld>
     <p:spTree>
@@ -11885,7 +10841,7 @@
 </p:sld>
 </file>
 
-<file path=ppt/slides/slide18.xml><?xml version="1.0" encoding="utf-8"?>
+<file path=ppt/slides/slide17.xml><?xml version="1.0" encoding="utf-8"?>
 <p:sld xmlns:a="http://schemas.openxmlformats.org/drawingml/2006/main" xmlns:r="http://schemas.openxmlformats.org/officeDocument/2006/relationships" xmlns:p="http://schemas.openxmlformats.org/presentationml/2006/main">
   <p:cSld>
     <p:spTree>
@@ -12003,7 +10959,7 @@
 </p:sld>
 </file>
 
-<file path=ppt/slides/slide19.xml><?xml version="1.0" encoding="utf-8"?>
+<file path=ppt/slides/slide18.xml><?xml version="1.0" encoding="utf-8"?>
 <p:sld xmlns:a="http://schemas.openxmlformats.org/drawingml/2006/main" xmlns:r="http://schemas.openxmlformats.org/officeDocument/2006/relationships" xmlns:p="http://schemas.openxmlformats.org/presentationml/2006/main">
   <p:cSld>
     <p:spTree>
@@ -12094,6 +11050,112 @@
     <p:extLst>
       <p:ext uri="{BB962C8B-B14F-4D97-AF65-F5344CB8AC3E}">
         <p14:creationId xmlns:p14="http://schemas.microsoft.com/office/powerpoint/2010/main" val="1648088190"/>
+      </p:ext>
+    </p:extLst>
+  </p:cSld>
+  <p:clrMapOvr>
+    <a:masterClrMapping/>
+  </p:clrMapOvr>
+  <p:transition>
+    <p:fade/>
+  </p:transition>
+  <p:timing>
+    <p:tnLst>
+      <p:par>
+        <p:cTn id="1" dur="indefinite" restart="never" nodeType="tmRoot"/>
+      </p:par>
+    </p:tnLst>
+  </p:timing>
+</p:sld>
+</file>
+
+<file path=ppt/slides/slide19.xml><?xml version="1.0" encoding="utf-8"?>
+<p:sld xmlns:a="http://schemas.openxmlformats.org/drawingml/2006/main" xmlns:r="http://schemas.openxmlformats.org/officeDocument/2006/relationships" xmlns:p="http://schemas.openxmlformats.org/presentationml/2006/main">
+  <p:cSld>
+    <p:spTree>
+      <p:nvGrpSpPr>
+        <p:cNvPr id="1" name=""/>
+        <p:cNvGrpSpPr/>
+        <p:nvPr/>
+      </p:nvGrpSpPr>
+      <p:grpSpPr>
+        <a:xfrm>
+          <a:off x="0" y="0"/>
+          <a:ext cx="0" cy="0"/>
+          <a:chOff x="0" y="0"/>
+          <a:chExt cx="0" cy="0"/>
+        </a:xfrm>
+      </p:grpSpPr>
+      <p:sp>
+        <p:nvSpPr>
+          <p:cNvPr id="2" name="Title 1"/>
+          <p:cNvSpPr>
+            <a:spLocks noGrp="1"/>
+          </p:cNvSpPr>
+          <p:nvPr>
+            <p:ph type="title"/>
+          </p:nvPr>
+        </p:nvSpPr>
+        <p:spPr/>
+        <p:txBody>
+          <a:bodyPr/>
+          <a:lstStyle/>
+          <a:p>
+            <a:r>
+              <a:rPr lang="en-US" dirty="0" smtClean="0"/>
+              <a:t>Problem: String Concatenation Is Unpleasant</a:t>
+            </a:r>
+            <a:endParaRPr lang="en-US" dirty="0"/>
+          </a:p>
+        </p:txBody>
+      </p:sp>
+      <p:sp>
+        <p:nvSpPr>
+          <p:cNvPr id="3" name="Text Placeholder 2"/>
+          <p:cNvSpPr>
+            <a:spLocks noGrp="1"/>
+          </p:cNvSpPr>
+          <p:nvPr>
+            <p:ph type="body" idx="1"/>
+          </p:nvPr>
+        </p:nvSpPr>
+        <p:spPr/>
+        <p:txBody>
+          <a:bodyPr/>
+          <a:lstStyle/>
+          <a:p>
+            <a:endParaRPr lang="en-US"/>
+          </a:p>
+        </p:txBody>
+      </p:sp>
+      <p:pic>
+        <p:nvPicPr>
+          <p:cNvPr id="4" name="Picture 3"/>
+          <p:cNvPicPr>
+            <a:picLocks noChangeAspect="1"/>
+          </p:cNvPicPr>
+          <p:nvPr/>
+        </p:nvPicPr>
+        <p:blipFill>
+          <a:blip r:embed="rId2"/>
+          <a:stretch>
+            <a:fillRect/>
+          </a:stretch>
+        </p:blipFill>
+        <p:spPr>
+          <a:xfrm>
+            <a:off x="295275" y="2533650"/>
+            <a:ext cx="8553450" cy="1790700"/>
+          </a:xfrm>
+          <a:prstGeom prst="rect">
+            <a:avLst/>
+          </a:prstGeom>
+        </p:spPr>
+      </p:pic>
+    </p:spTree>
+    <p:extLst>
+      <p:ext uri="{BB962C8B-B14F-4D97-AF65-F5344CB8AC3E}">
+        <p14:creationId xmlns:p14="http://schemas.microsoft.com/office/powerpoint/2010/main" val="3661513923"/>
       </p:ext>
     </p:extLst>
   </p:cSld>
@@ -12259,112 +11321,6 @@
           <a:p>
             <a:r>
               <a:rPr lang="en-US" dirty="0" smtClean="0"/>
-              <a:t>Problem: String Concatenation Is Unpleasant</a:t>
-            </a:r>
-            <a:endParaRPr lang="en-US" dirty="0"/>
-          </a:p>
-        </p:txBody>
-      </p:sp>
-      <p:sp>
-        <p:nvSpPr>
-          <p:cNvPr id="3" name="Text Placeholder 2"/>
-          <p:cNvSpPr>
-            <a:spLocks noGrp="1"/>
-          </p:cNvSpPr>
-          <p:nvPr>
-            <p:ph type="body" idx="1"/>
-          </p:nvPr>
-        </p:nvSpPr>
-        <p:spPr/>
-        <p:txBody>
-          <a:bodyPr/>
-          <a:lstStyle/>
-          <a:p>
-            <a:endParaRPr lang="en-US"/>
-          </a:p>
-        </p:txBody>
-      </p:sp>
-      <p:pic>
-        <p:nvPicPr>
-          <p:cNvPr id="4" name="Picture 3"/>
-          <p:cNvPicPr>
-            <a:picLocks noChangeAspect="1"/>
-          </p:cNvPicPr>
-          <p:nvPr/>
-        </p:nvPicPr>
-        <p:blipFill>
-          <a:blip r:embed="rId2"/>
-          <a:stretch>
-            <a:fillRect/>
-          </a:stretch>
-        </p:blipFill>
-        <p:spPr>
-          <a:xfrm>
-            <a:off x="295275" y="2533650"/>
-            <a:ext cx="8553450" cy="1790700"/>
-          </a:xfrm>
-          <a:prstGeom prst="rect">
-            <a:avLst/>
-          </a:prstGeom>
-        </p:spPr>
-      </p:pic>
-    </p:spTree>
-    <p:extLst>
-      <p:ext uri="{BB962C8B-B14F-4D97-AF65-F5344CB8AC3E}">
-        <p14:creationId xmlns:p14="http://schemas.microsoft.com/office/powerpoint/2010/main" val="3661513923"/>
-      </p:ext>
-    </p:extLst>
-  </p:cSld>
-  <p:clrMapOvr>
-    <a:masterClrMapping/>
-  </p:clrMapOvr>
-  <p:transition>
-    <p:fade/>
-  </p:transition>
-  <p:timing>
-    <p:tnLst>
-      <p:par>
-        <p:cTn id="1" dur="indefinite" restart="never" nodeType="tmRoot"/>
-      </p:par>
-    </p:tnLst>
-  </p:timing>
-</p:sld>
-</file>
-
-<file path=ppt/slides/slide21.xml><?xml version="1.0" encoding="utf-8"?>
-<p:sld xmlns:a="http://schemas.openxmlformats.org/drawingml/2006/main" xmlns:r="http://schemas.openxmlformats.org/officeDocument/2006/relationships" xmlns:p="http://schemas.openxmlformats.org/presentationml/2006/main">
-  <p:cSld>
-    <p:spTree>
-      <p:nvGrpSpPr>
-        <p:cNvPr id="1" name=""/>
-        <p:cNvGrpSpPr/>
-        <p:nvPr/>
-      </p:nvGrpSpPr>
-      <p:grpSpPr>
-        <a:xfrm>
-          <a:off x="0" y="0"/>
-          <a:ext cx="0" cy="0"/>
-          <a:chOff x="0" y="0"/>
-          <a:chExt cx="0" cy="0"/>
-        </a:xfrm>
-      </p:grpSpPr>
-      <p:sp>
-        <p:nvSpPr>
-          <p:cNvPr id="2" name="Title 1"/>
-          <p:cNvSpPr>
-            <a:spLocks noGrp="1"/>
-          </p:cNvSpPr>
-          <p:nvPr>
-            <p:ph type="title"/>
-          </p:nvPr>
-        </p:nvSpPr>
-        <p:spPr/>
-        <p:txBody>
-          <a:bodyPr/>
-          <a:lstStyle/>
-          <a:p>
-            <a:r>
-              <a:rPr lang="en-US" dirty="0" smtClean="0"/>
               <a:t>Solution: String Templates</a:t>
             </a:r>
             <a:endParaRPr lang="en-US" dirty="0"/>
@@ -12418,7 +11374,7 @@
 </p:sld>
 </file>
 
-<file path=ppt/slides/slide22.xml><?xml version="1.0" encoding="utf-8"?>
+<file path=ppt/slides/slide21.xml><?xml version="1.0" encoding="utf-8"?>
 <p:sld xmlns:a="http://schemas.openxmlformats.org/drawingml/2006/main" xmlns:r="http://schemas.openxmlformats.org/officeDocument/2006/relationships" xmlns:p="http://schemas.openxmlformats.org/presentationml/2006/main">
   <p:cSld>
     <p:spTree>
@@ -12524,117 +11480,7 @@
 </p:sld>
 </file>
 
-<file path=ppt/slides/slide23.xml><?xml version="1.0" encoding="utf-8"?>
-<p:sld xmlns:a="http://schemas.openxmlformats.org/drawingml/2006/main" xmlns:r="http://schemas.openxmlformats.org/officeDocument/2006/relationships" xmlns:p="http://schemas.openxmlformats.org/presentationml/2006/main">
-  <p:cSld>
-    <p:spTree>
-      <p:nvGrpSpPr>
-        <p:cNvPr id="1" name=""/>
-        <p:cNvGrpSpPr/>
-        <p:nvPr/>
-      </p:nvGrpSpPr>
-      <p:grpSpPr>
-        <a:xfrm>
-          <a:off x="0" y="0"/>
-          <a:ext cx="0" cy="0"/>
-          <a:chOff x="0" y="0"/>
-          <a:chExt cx="0" cy="0"/>
-        </a:xfrm>
-      </p:grpSpPr>
-      <p:sp>
-        <p:nvSpPr>
-          <p:cNvPr id="2" name="Title 1"/>
-          <p:cNvSpPr>
-            <a:spLocks noGrp="1"/>
-          </p:cNvSpPr>
-          <p:nvPr>
-            <p:ph type="title"/>
-          </p:nvPr>
-        </p:nvSpPr>
-        <p:spPr/>
-        <p:txBody>
-          <a:bodyPr/>
-          <a:lstStyle/>
-          <a:p>
-            <a:r>
-              <a:rPr lang="en-US" dirty="0" smtClean="0"/>
-              <a:t>Syntax Sugar</a:t>
-            </a:r>
-            <a:endParaRPr lang="en-US" dirty="0"/>
-          </a:p>
-        </p:txBody>
-      </p:sp>
-      <p:sp>
-        <p:nvSpPr>
-          <p:cNvPr id="3" name="Text Placeholder 2"/>
-          <p:cNvSpPr>
-            <a:spLocks noGrp="1"/>
-          </p:cNvSpPr>
-          <p:nvPr>
-            <p:ph type="body" idx="1"/>
-          </p:nvPr>
-        </p:nvSpPr>
-        <p:spPr/>
-        <p:txBody>
-          <a:bodyPr/>
-          <a:lstStyle/>
-          <a:p>
-            <a:r>
-              <a:rPr lang="en-US" dirty="0" smtClean="0"/>
-              <a:t>Even more to come!</a:t>
-            </a:r>
-            <a:endParaRPr lang="en-US" dirty="0"/>
-          </a:p>
-        </p:txBody>
-      </p:sp>
-      <p:pic>
-        <p:nvPicPr>
-          <p:cNvPr id="15" name="Picture 14"/>
-          <p:cNvPicPr>
-            <a:picLocks noChangeAspect="1"/>
-          </p:cNvPicPr>
-          <p:nvPr/>
-        </p:nvPicPr>
-        <p:blipFill>
-          <a:blip r:embed="rId2"/>
-          <a:stretch>
-            <a:fillRect/>
-          </a:stretch>
-        </p:blipFill>
-        <p:spPr>
-          <a:xfrm>
-            <a:off x="2819400" y="2209800"/>
-            <a:ext cx="3276600" cy="3276600"/>
-          </a:xfrm>
-          <a:prstGeom prst="rect">
-            <a:avLst/>
-          </a:prstGeom>
-        </p:spPr>
-      </p:pic>
-    </p:spTree>
-    <p:extLst>
-      <p:ext uri="{BB962C8B-B14F-4D97-AF65-F5344CB8AC3E}">
-        <p14:creationId xmlns:p14="http://schemas.microsoft.com/office/powerpoint/2010/main" val="3724036820"/>
-      </p:ext>
-    </p:extLst>
-  </p:cSld>
-  <p:clrMapOvr>
-    <a:masterClrMapping/>
-  </p:clrMapOvr>
-  <p:transition>
-    <p:fade/>
-  </p:transition>
-  <p:timing>
-    <p:tnLst>
-      <p:par>
-        <p:cTn id="1" dur="indefinite" restart="never" nodeType="tmRoot"/>
-      </p:par>
-    </p:tnLst>
-  </p:timing>
-</p:sld>
-</file>
-
-<file path=ppt/slides/slide24.xml><?xml version="1.0" encoding="utf-8"?>
+<file path=ppt/slides/slide22.xml><?xml version="1.0" encoding="utf-8"?>
 <p:sld xmlns:a="http://schemas.openxmlformats.org/drawingml/2006/main" xmlns:r="http://schemas.openxmlformats.org/officeDocument/2006/relationships" xmlns:p="http://schemas.openxmlformats.org/presentationml/2006/main">
   <p:cSld>
     <p:spTree>
@@ -12740,7 +11586,7 @@
 </p:sld>
 </file>
 
-<file path=ppt/slides/slide25.xml><?xml version="1.0" encoding="utf-8"?>
+<file path=ppt/slides/slide23.xml><?xml version="1.0" encoding="utf-8"?>
 <p:sld xmlns:a="http://schemas.openxmlformats.org/drawingml/2006/main" xmlns:r="http://schemas.openxmlformats.org/officeDocument/2006/relationships" xmlns:p="http://schemas.openxmlformats.org/presentationml/2006/main">
   <p:cSld>
     <p:spTree>
@@ -12846,7 +11692,7 @@
 </p:sld>
 </file>
 
-<file path=ppt/slides/slide26.xml><?xml version="1.0" encoding="utf-8"?>
+<file path=ppt/slides/slide24.xml><?xml version="1.0" encoding="utf-8"?>
 <p:sld xmlns:a="http://schemas.openxmlformats.org/drawingml/2006/main" xmlns:r="http://schemas.openxmlformats.org/officeDocument/2006/relationships" xmlns:p="http://schemas.openxmlformats.org/presentationml/2006/main">
   <p:cSld>
     <p:spTree>
@@ -12976,7 +11822,7 @@
 </p:sld>
 </file>
 
-<file path=ppt/slides/slide27.xml><?xml version="1.0" encoding="utf-8"?>
+<file path=ppt/slides/slide25.xml><?xml version="1.0" encoding="utf-8"?>
 <p:sld xmlns:a="http://schemas.openxmlformats.org/drawingml/2006/main" xmlns:r="http://schemas.openxmlformats.org/officeDocument/2006/relationships" xmlns:p="http://schemas.openxmlformats.org/presentationml/2006/main">
   <p:cSld>
     <p:spTree>
@@ -13082,7 +11928,7 @@
 </p:sld>
 </file>
 
-<file path=ppt/slides/slide28.xml><?xml version="1.0" encoding="utf-8"?>
+<file path=ppt/slides/slide26.xml><?xml version="1.0" encoding="utf-8"?>
 <p:sld xmlns:a="http://schemas.openxmlformats.org/drawingml/2006/main" xmlns:r="http://schemas.openxmlformats.org/officeDocument/2006/relationships" xmlns:p="http://schemas.openxmlformats.org/presentationml/2006/main">
   <p:cSld>
     <p:spTree>
@@ -13198,7 +12044,7 @@
 </p:sld>
 </file>
 
-<file path=ppt/slides/slide29.xml><?xml version="1.0" encoding="utf-8"?>
+<file path=ppt/slides/slide27.xml><?xml version="1.0" encoding="utf-8"?>
 <p:sld xmlns:a="http://schemas.openxmlformats.org/drawingml/2006/main" xmlns:r="http://schemas.openxmlformats.org/officeDocument/2006/relationships" xmlns:p="http://schemas.openxmlformats.org/presentationml/2006/main">
   <p:cSld>
     <p:spTree>
@@ -13289,6 +12135,218 @@
     <p:extLst>
       <p:ext uri="{BB962C8B-B14F-4D97-AF65-F5344CB8AC3E}">
         <p14:creationId xmlns:p14="http://schemas.microsoft.com/office/powerpoint/2010/main" val="2685471026"/>
+      </p:ext>
+    </p:extLst>
+  </p:cSld>
+  <p:clrMapOvr>
+    <a:masterClrMapping/>
+  </p:clrMapOvr>
+  <p:transition>
+    <p:fade/>
+  </p:transition>
+  <p:timing>
+    <p:tnLst>
+      <p:par>
+        <p:cTn id="1" dur="indefinite" restart="never" nodeType="tmRoot"/>
+      </p:par>
+    </p:tnLst>
+  </p:timing>
+</p:sld>
+</file>
+
+<file path=ppt/slides/slide28.xml><?xml version="1.0" encoding="utf-8"?>
+<p:sld xmlns:a="http://schemas.openxmlformats.org/drawingml/2006/main" xmlns:r="http://schemas.openxmlformats.org/officeDocument/2006/relationships" xmlns:p="http://schemas.openxmlformats.org/presentationml/2006/main">
+  <p:cSld>
+    <p:spTree>
+      <p:nvGrpSpPr>
+        <p:cNvPr id="1" name=""/>
+        <p:cNvGrpSpPr/>
+        <p:nvPr/>
+      </p:nvGrpSpPr>
+      <p:grpSpPr>
+        <a:xfrm>
+          <a:off x="0" y="0"/>
+          <a:ext cx="0" cy="0"/>
+          <a:chOff x="0" y="0"/>
+          <a:chExt cx="0" cy="0"/>
+        </a:xfrm>
+      </p:grpSpPr>
+      <p:sp>
+        <p:nvSpPr>
+          <p:cNvPr id="2" name="Title 1"/>
+          <p:cNvSpPr>
+            <a:spLocks noGrp="1"/>
+          </p:cNvSpPr>
+          <p:nvPr>
+            <p:ph type="title"/>
+          </p:nvPr>
+        </p:nvSpPr>
+        <p:spPr/>
+        <p:txBody>
+          <a:bodyPr/>
+          <a:lstStyle/>
+          <a:p>
+            <a:r>
+              <a:rPr lang="en-US" dirty="0" smtClean="0"/>
+              <a:t>Arrow Functions Lexically Bind this</a:t>
+            </a:r>
+            <a:endParaRPr lang="en-US" dirty="0"/>
+          </a:p>
+        </p:txBody>
+      </p:sp>
+      <p:sp>
+        <p:nvSpPr>
+          <p:cNvPr id="3" name="Text Placeholder 2"/>
+          <p:cNvSpPr>
+            <a:spLocks noGrp="1"/>
+          </p:cNvSpPr>
+          <p:nvPr>
+            <p:ph type="body" idx="1"/>
+          </p:nvPr>
+        </p:nvSpPr>
+        <p:spPr/>
+        <p:txBody>
+          <a:bodyPr/>
+          <a:lstStyle/>
+          <a:p>
+            <a:endParaRPr lang="en-US"/>
+          </a:p>
+        </p:txBody>
+      </p:sp>
+      <p:pic>
+        <p:nvPicPr>
+          <p:cNvPr id="4" name="Picture 3"/>
+          <p:cNvPicPr>
+            <a:picLocks noChangeAspect="1"/>
+          </p:cNvPicPr>
+          <p:nvPr/>
+        </p:nvPicPr>
+        <p:blipFill>
+          <a:blip r:embed="rId2"/>
+          <a:stretch>
+            <a:fillRect/>
+          </a:stretch>
+        </p:blipFill>
+        <p:spPr>
+          <a:xfrm>
+            <a:off x="728662" y="1652587"/>
+            <a:ext cx="7686675" cy="3552825"/>
+          </a:xfrm>
+          <a:prstGeom prst="rect">
+            <a:avLst/>
+          </a:prstGeom>
+        </p:spPr>
+      </p:pic>
+    </p:spTree>
+    <p:extLst>
+      <p:ext uri="{BB962C8B-B14F-4D97-AF65-F5344CB8AC3E}">
+        <p14:creationId xmlns:p14="http://schemas.microsoft.com/office/powerpoint/2010/main" val="2173389175"/>
+      </p:ext>
+    </p:extLst>
+  </p:cSld>
+  <p:clrMapOvr>
+    <a:masterClrMapping/>
+  </p:clrMapOvr>
+  <p:transition>
+    <p:fade/>
+  </p:transition>
+  <p:timing>
+    <p:tnLst>
+      <p:par>
+        <p:cTn id="1" dur="indefinite" restart="never" nodeType="tmRoot"/>
+      </p:par>
+    </p:tnLst>
+  </p:timing>
+</p:sld>
+</file>
+
+<file path=ppt/slides/slide29.xml><?xml version="1.0" encoding="utf-8"?>
+<p:sld xmlns:a="http://schemas.openxmlformats.org/drawingml/2006/main" xmlns:r="http://schemas.openxmlformats.org/officeDocument/2006/relationships" xmlns:p="http://schemas.openxmlformats.org/presentationml/2006/main">
+  <p:cSld>
+    <p:spTree>
+      <p:nvGrpSpPr>
+        <p:cNvPr id="1" name=""/>
+        <p:cNvGrpSpPr/>
+        <p:nvPr/>
+      </p:nvGrpSpPr>
+      <p:grpSpPr>
+        <a:xfrm>
+          <a:off x="0" y="0"/>
+          <a:ext cx="0" cy="0"/>
+          <a:chOff x="0" y="0"/>
+          <a:chExt cx="0" cy="0"/>
+        </a:xfrm>
+      </p:grpSpPr>
+      <p:sp>
+        <p:nvSpPr>
+          <p:cNvPr id="2" name="Title 1"/>
+          <p:cNvSpPr>
+            <a:spLocks noGrp="1"/>
+          </p:cNvSpPr>
+          <p:nvPr>
+            <p:ph type="title"/>
+          </p:nvPr>
+        </p:nvSpPr>
+        <p:spPr/>
+        <p:txBody>
+          <a:bodyPr/>
+          <a:lstStyle/>
+          <a:p>
+            <a:r>
+              <a:rPr lang="en-US" dirty="0" smtClean="0"/>
+              <a:t>Problem: Encapsulating Collections</a:t>
+            </a:r>
+            <a:endParaRPr lang="en-US" dirty="0"/>
+          </a:p>
+        </p:txBody>
+      </p:sp>
+      <p:sp>
+        <p:nvSpPr>
+          <p:cNvPr id="3" name="Text Placeholder 2"/>
+          <p:cNvSpPr>
+            <a:spLocks noGrp="1"/>
+          </p:cNvSpPr>
+          <p:nvPr>
+            <p:ph type="body" idx="1"/>
+          </p:nvPr>
+        </p:nvSpPr>
+        <p:spPr/>
+        <p:txBody>
+          <a:bodyPr/>
+          <a:lstStyle/>
+          <a:p>
+            <a:endParaRPr lang="en-US"/>
+          </a:p>
+        </p:txBody>
+      </p:sp>
+      <p:pic>
+        <p:nvPicPr>
+          <p:cNvPr id="4" name="Picture 3"/>
+          <p:cNvPicPr>
+            <a:picLocks noChangeAspect="1"/>
+          </p:cNvPicPr>
+          <p:nvPr/>
+        </p:nvPicPr>
+        <p:blipFill>
+          <a:blip r:embed="rId2"/>
+          <a:stretch>
+            <a:fillRect/>
+          </a:stretch>
+        </p:blipFill>
+        <p:spPr>
+          <a:xfrm>
+            <a:off x="1023937" y="2033587"/>
+            <a:ext cx="7096125" cy="3324225"/>
+          </a:xfrm>
+          <a:prstGeom prst="rect">
+            <a:avLst/>
+          </a:prstGeom>
+        </p:spPr>
+      </p:pic>
+    </p:spTree>
+    <p:extLst>
+      <p:ext uri="{BB962C8B-B14F-4D97-AF65-F5344CB8AC3E}">
+        <p14:creationId xmlns:p14="http://schemas.microsoft.com/office/powerpoint/2010/main" val="3253405000"/>
       </p:ext>
     </p:extLst>
   </p:cSld>
@@ -14115,218 +13173,6 @@
           <a:p>
             <a:r>
               <a:rPr lang="en-US" dirty="0" smtClean="0"/>
-              <a:t>Arrow Functions Lexically Bind this</a:t>
-            </a:r>
-            <a:endParaRPr lang="en-US" dirty="0"/>
-          </a:p>
-        </p:txBody>
-      </p:sp>
-      <p:sp>
-        <p:nvSpPr>
-          <p:cNvPr id="3" name="Text Placeholder 2"/>
-          <p:cNvSpPr>
-            <a:spLocks noGrp="1"/>
-          </p:cNvSpPr>
-          <p:nvPr>
-            <p:ph type="body" idx="1"/>
-          </p:nvPr>
-        </p:nvSpPr>
-        <p:spPr/>
-        <p:txBody>
-          <a:bodyPr/>
-          <a:lstStyle/>
-          <a:p>
-            <a:endParaRPr lang="en-US"/>
-          </a:p>
-        </p:txBody>
-      </p:sp>
-      <p:pic>
-        <p:nvPicPr>
-          <p:cNvPr id="4" name="Picture 3"/>
-          <p:cNvPicPr>
-            <a:picLocks noChangeAspect="1"/>
-          </p:cNvPicPr>
-          <p:nvPr/>
-        </p:nvPicPr>
-        <p:blipFill>
-          <a:blip r:embed="rId2"/>
-          <a:stretch>
-            <a:fillRect/>
-          </a:stretch>
-        </p:blipFill>
-        <p:spPr>
-          <a:xfrm>
-            <a:off x="728662" y="1652587"/>
-            <a:ext cx="7686675" cy="3552825"/>
-          </a:xfrm>
-          <a:prstGeom prst="rect">
-            <a:avLst/>
-          </a:prstGeom>
-        </p:spPr>
-      </p:pic>
-    </p:spTree>
-    <p:extLst>
-      <p:ext uri="{BB962C8B-B14F-4D97-AF65-F5344CB8AC3E}">
-        <p14:creationId xmlns:p14="http://schemas.microsoft.com/office/powerpoint/2010/main" val="2173389175"/>
-      </p:ext>
-    </p:extLst>
-  </p:cSld>
-  <p:clrMapOvr>
-    <a:masterClrMapping/>
-  </p:clrMapOvr>
-  <p:transition>
-    <p:fade/>
-  </p:transition>
-  <p:timing>
-    <p:tnLst>
-      <p:par>
-        <p:cTn id="1" dur="indefinite" restart="never" nodeType="tmRoot"/>
-      </p:par>
-    </p:tnLst>
-  </p:timing>
-</p:sld>
-</file>
-
-<file path=ppt/slides/slide31.xml><?xml version="1.0" encoding="utf-8"?>
-<p:sld xmlns:a="http://schemas.openxmlformats.org/drawingml/2006/main" xmlns:r="http://schemas.openxmlformats.org/officeDocument/2006/relationships" xmlns:p="http://schemas.openxmlformats.org/presentationml/2006/main">
-  <p:cSld>
-    <p:spTree>
-      <p:nvGrpSpPr>
-        <p:cNvPr id="1" name=""/>
-        <p:cNvGrpSpPr/>
-        <p:nvPr/>
-      </p:nvGrpSpPr>
-      <p:grpSpPr>
-        <a:xfrm>
-          <a:off x="0" y="0"/>
-          <a:ext cx="0" cy="0"/>
-          <a:chOff x="0" y="0"/>
-          <a:chExt cx="0" cy="0"/>
-        </a:xfrm>
-      </p:grpSpPr>
-      <p:sp>
-        <p:nvSpPr>
-          <p:cNvPr id="2" name="Title 1"/>
-          <p:cNvSpPr>
-            <a:spLocks noGrp="1"/>
-          </p:cNvSpPr>
-          <p:nvPr>
-            <p:ph type="title"/>
-          </p:nvPr>
-        </p:nvSpPr>
-        <p:spPr/>
-        <p:txBody>
-          <a:bodyPr/>
-          <a:lstStyle/>
-          <a:p>
-            <a:r>
-              <a:rPr lang="en-US" dirty="0" smtClean="0"/>
-              <a:t>Problem: Encapsulating Collections</a:t>
-            </a:r>
-            <a:endParaRPr lang="en-US" dirty="0"/>
-          </a:p>
-        </p:txBody>
-      </p:sp>
-      <p:sp>
-        <p:nvSpPr>
-          <p:cNvPr id="3" name="Text Placeholder 2"/>
-          <p:cNvSpPr>
-            <a:spLocks noGrp="1"/>
-          </p:cNvSpPr>
-          <p:nvPr>
-            <p:ph type="body" idx="1"/>
-          </p:nvPr>
-        </p:nvSpPr>
-        <p:spPr/>
-        <p:txBody>
-          <a:bodyPr/>
-          <a:lstStyle/>
-          <a:p>
-            <a:endParaRPr lang="en-US"/>
-          </a:p>
-        </p:txBody>
-      </p:sp>
-      <p:pic>
-        <p:nvPicPr>
-          <p:cNvPr id="4" name="Picture 3"/>
-          <p:cNvPicPr>
-            <a:picLocks noChangeAspect="1"/>
-          </p:cNvPicPr>
-          <p:nvPr/>
-        </p:nvPicPr>
-        <p:blipFill>
-          <a:blip r:embed="rId2"/>
-          <a:stretch>
-            <a:fillRect/>
-          </a:stretch>
-        </p:blipFill>
-        <p:spPr>
-          <a:xfrm>
-            <a:off x="1023937" y="2033587"/>
-            <a:ext cx="7096125" cy="3324225"/>
-          </a:xfrm>
-          <a:prstGeom prst="rect">
-            <a:avLst/>
-          </a:prstGeom>
-        </p:spPr>
-      </p:pic>
-    </p:spTree>
-    <p:extLst>
-      <p:ext uri="{BB962C8B-B14F-4D97-AF65-F5344CB8AC3E}">
-        <p14:creationId xmlns:p14="http://schemas.microsoft.com/office/powerpoint/2010/main" val="3253405000"/>
-      </p:ext>
-    </p:extLst>
-  </p:cSld>
-  <p:clrMapOvr>
-    <a:masterClrMapping/>
-  </p:clrMapOvr>
-  <p:transition>
-    <p:fade/>
-  </p:transition>
-  <p:timing>
-    <p:tnLst>
-      <p:par>
-        <p:cTn id="1" dur="indefinite" restart="never" nodeType="tmRoot"/>
-      </p:par>
-    </p:tnLst>
-  </p:timing>
-</p:sld>
-</file>
-
-<file path=ppt/slides/slide32.xml><?xml version="1.0" encoding="utf-8"?>
-<p:sld xmlns:a="http://schemas.openxmlformats.org/drawingml/2006/main" xmlns:r="http://schemas.openxmlformats.org/officeDocument/2006/relationships" xmlns:p="http://schemas.openxmlformats.org/presentationml/2006/main">
-  <p:cSld>
-    <p:spTree>
-      <p:nvGrpSpPr>
-        <p:cNvPr id="1" name=""/>
-        <p:cNvGrpSpPr/>
-        <p:nvPr/>
-      </p:nvGrpSpPr>
-      <p:grpSpPr>
-        <a:xfrm>
-          <a:off x="0" y="0"/>
-          <a:ext cx="0" cy="0"/>
-          <a:chOff x="0" y="0"/>
-          <a:chExt cx="0" cy="0"/>
-        </a:xfrm>
-      </p:grpSpPr>
-      <p:sp>
-        <p:nvSpPr>
-          <p:cNvPr id="2" name="Title 1"/>
-          <p:cNvSpPr>
-            <a:spLocks noGrp="1"/>
-          </p:cNvSpPr>
-          <p:nvPr>
-            <p:ph type="title"/>
-          </p:nvPr>
-        </p:nvSpPr>
-        <p:spPr/>
-        <p:txBody>
-          <a:bodyPr/>
-          <a:lstStyle/>
-          <a:p>
-            <a:r>
-              <a:rPr lang="en-US" dirty="0" smtClean="0"/>
               <a:t>Solution: Iterators and Iterables</a:t>
             </a:r>
             <a:endParaRPr lang="en-US" dirty="0"/>
@@ -14399,7 +13245,7 @@
 </p:sld>
 </file>
 
-<file path=ppt/slides/slide33.xml><?xml version="1.0" encoding="utf-8"?>
+<file path=ppt/slides/slide31.xml><?xml version="1.0" encoding="utf-8"?>
 <p:sld xmlns:a="http://schemas.openxmlformats.org/drawingml/2006/main" xmlns:r="http://schemas.openxmlformats.org/officeDocument/2006/relationships" xmlns:p="http://schemas.openxmlformats.org/presentationml/2006/main">
   <p:cSld>
     <p:spTree>
@@ -14509,7 +13355,7 @@
 </p:sld>
 </file>
 
-<file path=ppt/slides/slide34.xml><?xml version="1.0" encoding="utf-8"?>
+<file path=ppt/slides/slide32.xml><?xml version="1.0" encoding="utf-8"?>
 <p:sld xmlns:a="http://schemas.openxmlformats.org/drawingml/2006/main" xmlns:r="http://schemas.openxmlformats.org/officeDocument/2006/relationships" xmlns:p="http://schemas.openxmlformats.org/presentationml/2006/main">
   <p:cSld>
     <p:spTree>
@@ -14786,7 +13632,7 @@
 </p:sld>
 </file>
 
-<file path=ppt/slides/slide35.xml><?xml version="1.0" encoding="utf-8"?>
+<file path=ppt/slides/slide33.xml><?xml version="1.0" encoding="utf-8"?>
 <p:sld xmlns:a="http://schemas.openxmlformats.org/drawingml/2006/main" xmlns:r="http://schemas.openxmlformats.org/officeDocument/2006/relationships" xmlns:p="http://schemas.openxmlformats.org/presentationml/2006/main">
   <p:cSld>
     <p:spTree>
@@ -14896,7 +13742,7 @@
 </p:sld>
 </file>
 
-<file path=ppt/slides/slide36.xml><?xml version="1.0" encoding="utf-8"?>
+<file path=ppt/slides/slide34.xml><?xml version="1.0" encoding="utf-8"?>
 <p:sld xmlns:a="http://schemas.openxmlformats.org/drawingml/2006/main" xmlns:r="http://schemas.openxmlformats.org/officeDocument/2006/relationships" xmlns:p="http://schemas.openxmlformats.org/presentationml/2006/main">
   <p:cSld>
     <p:spTree>
@@ -15102,7 +13948,7 @@
 </p:sld>
 </file>
 
-<file path=ppt/slides/slide37.xml><?xml version="1.0" encoding="utf-8"?>
+<file path=ppt/slides/slide35.xml><?xml version="1.0" encoding="utf-8"?>
 <p:sld xmlns:a="http://schemas.openxmlformats.org/drawingml/2006/main" xmlns:r="http://schemas.openxmlformats.org/officeDocument/2006/relationships" xmlns:p="http://schemas.openxmlformats.org/presentationml/2006/main">
   <p:cSld>
     <p:spTree>
@@ -15208,7 +14054,7 @@
 </p:sld>
 </file>
 
-<file path=ppt/slides/slide38.xml><?xml version="1.0" encoding="utf-8"?>
+<file path=ppt/slides/slide36.xml><?xml version="1.0" encoding="utf-8"?>
 <p:sld xmlns:a="http://schemas.openxmlformats.org/drawingml/2006/main" xmlns:r="http://schemas.openxmlformats.org/officeDocument/2006/relationships" xmlns:p="http://schemas.openxmlformats.org/presentationml/2006/main">
   <p:cSld>
     <p:spTree>
@@ -15314,7 +14160,7 @@
 </p:sld>
 </file>
 
-<file path=ppt/slides/slide39.xml><?xml version="1.0" encoding="utf-8"?>
+<file path=ppt/slides/slide37.xml><?xml version="1.0" encoding="utf-8"?>
 <p:sld xmlns:a="http://schemas.openxmlformats.org/drawingml/2006/main" xmlns:r="http://schemas.openxmlformats.org/officeDocument/2006/relationships" xmlns:p="http://schemas.openxmlformats.org/presentationml/2006/main">
   <p:cSld>
     <p:spTree>
@@ -15424,6 +14270,199 @@
     <p:extLst>
       <p:ext uri="{BB962C8B-B14F-4D97-AF65-F5344CB8AC3E}">
         <p14:creationId xmlns:p14="http://schemas.microsoft.com/office/powerpoint/2010/main" val="3878279200"/>
+      </p:ext>
+    </p:extLst>
+  </p:cSld>
+  <p:clrMapOvr>
+    <a:masterClrMapping/>
+  </p:clrMapOvr>
+  <p:transition>
+    <p:fade/>
+  </p:transition>
+  <p:timing>
+    <p:tnLst>
+      <p:par>
+        <p:cTn id="1" dur="indefinite" restart="never" nodeType="tmRoot"/>
+      </p:par>
+    </p:tnLst>
+  </p:timing>
+</p:sld>
+</file>
+
+<file path=ppt/slides/slide38.xml><?xml version="1.0" encoding="utf-8"?>
+<p:sld xmlns:a="http://schemas.openxmlformats.org/drawingml/2006/main" xmlns:r="http://schemas.openxmlformats.org/officeDocument/2006/relationships" xmlns:p="http://schemas.openxmlformats.org/presentationml/2006/main">
+  <p:cSld>
+    <p:spTree>
+      <p:nvGrpSpPr>
+        <p:cNvPr id="1" name=""/>
+        <p:cNvGrpSpPr/>
+        <p:nvPr/>
+      </p:nvGrpSpPr>
+      <p:grpSpPr>
+        <a:xfrm>
+          <a:off x="0" y="0"/>
+          <a:ext cx="0" cy="0"/>
+          <a:chOff x="0" y="0"/>
+          <a:chExt cx="0" cy="0"/>
+        </a:xfrm>
+      </p:grpSpPr>
+      <p:sp>
+        <p:nvSpPr>
+          <p:cNvPr id="2" name="Title 1"/>
+          <p:cNvSpPr>
+            <a:spLocks noGrp="1"/>
+          </p:cNvSpPr>
+          <p:nvPr>
+            <p:ph type="title"/>
+          </p:nvPr>
+        </p:nvSpPr>
+        <p:spPr/>
+        <p:txBody>
+          <a:bodyPr/>
+          <a:lstStyle/>
+          <a:p>
+            <a:r>
+              <a:rPr lang="en-US" dirty="0" smtClean="0"/>
+              <a:t>Solution: Promises</a:t>
+            </a:r>
+            <a:endParaRPr lang="en-US" dirty="0"/>
+          </a:p>
+        </p:txBody>
+      </p:sp>
+      <p:pic>
+        <p:nvPicPr>
+          <p:cNvPr id="4" name="Picture 3"/>
+          <p:cNvPicPr>
+            <a:picLocks noChangeAspect="1"/>
+          </p:cNvPicPr>
+          <p:nvPr/>
+        </p:nvPicPr>
+        <p:blipFill>
+          <a:blip r:embed="rId2"/>
+          <a:stretch>
+            <a:fillRect/>
+          </a:stretch>
+        </p:blipFill>
+        <p:spPr>
+          <a:xfrm>
+            <a:off x="1752600" y="1295400"/>
+            <a:ext cx="6081443" cy="4705350"/>
+          </a:xfrm>
+          <a:prstGeom prst="rect">
+            <a:avLst/>
+          </a:prstGeom>
+        </p:spPr>
+      </p:pic>
+    </p:spTree>
+    <p:extLst>
+      <p:ext uri="{BB962C8B-B14F-4D97-AF65-F5344CB8AC3E}">
+        <p14:creationId xmlns:p14="http://schemas.microsoft.com/office/powerpoint/2010/main" val="2409497983"/>
+      </p:ext>
+    </p:extLst>
+  </p:cSld>
+  <p:clrMapOvr>
+    <a:masterClrMapping/>
+  </p:clrMapOvr>
+  <p:transition>
+    <p:fade/>
+  </p:transition>
+  <p:timing>
+    <p:tnLst>
+      <p:par>
+        <p:cTn id="1" dur="indefinite" restart="never" nodeType="tmRoot"/>
+      </p:par>
+    </p:tnLst>
+  </p:timing>
+</p:sld>
+</file>
+
+<file path=ppt/slides/slide39.xml><?xml version="1.0" encoding="utf-8"?>
+<p:sld xmlns:a="http://schemas.openxmlformats.org/drawingml/2006/main" xmlns:r="http://schemas.openxmlformats.org/officeDocument/2006/relationships" xmlns:p="http://schemas.openxmlformats.org/presentationml/2006/main">
+  <p:cSld>
+    <p:spTree>
+      <p:nvGrpSpPr>
+        <p:cNvPr id="1" name=""/>
+        <p:cNvGrpSpPr/>
+        <p:nvPr/>
+      </p:nvGrpSpPr>
+      <p:grpSpPr>
+        <a:xfrm>
+          <a:off x="0" y="0"/>
+          <a:ext cx="0" cy="0"/>
+          <a:chOff x="0" y="0"/>
+          <a:chExt cx="0" cy="0"/>
+        </a:xfrm>
+      </p:grpSpPr>
+      <p:sp>
+        <p:nvSpPr>
+          <p:cNvPr id="2" name="Title 1"/>
+          <p:cNvSpPr>
+            <a:spLocks noGrp="1"/>
+          </p:cNvSpPr>
+          <p:nvPr>
+            <p:ph type="title"/>
+          </p:nvPr>
+        </p:nvSpPr>
+        <p:spPr/>
+        <p:txBody>
+          <a:bodyPr/>
+          <a:lstStyle/>
+          <a:p>
+            <a:r>
+              <a:rPr lang="en-US" dirty="0" smtClean="0"/>
+              <a:t>Promises Chain</a:t>
+            </a:r>
+            <a:endParaRPr lang="en-US" dirty="0"/>
+          </a:p>
+        </p:txBody>
+      </p:sp>
+      <p:sp>
+        <p:nvSpPr>
+          <p:cNvPr id="3" name="Text Placeholder 2"/>
+          <p:cNvSpPr>
+            <a:spLocks noGrp="1"/>
+          </p:cNvSpPr>
+          <p:nvPr>
+            <p:ph type="body" idx="1"/>
+          </p:nvPr>
+        </p:nvSpPr>
+        <p:spPr/>
+        <p:txBody>
+          <a:bodyPr/>
+          <a:lstStyle/>
+          <a:p>
+            <a:endParaRPr lang="en-US" dirty="0"/>
+          </a:p>
+        </p:txBody>
+      </p:sp>
+      <p:pic>
+        <p:nvPicPr>
+          <p:cNvPr id="4" name="Picture 3"/>
+          <p:cNvPicPr>
+            <a:picLocks noChangeAspect="1"/>
+          </p:cNvPicPr>
+          <p:nvPr/>
+        </p:nvPicPr>
+        <p:blipFill>
+          <a:blip r:embed="rId2"/>
+          <a:stretch>
+            <a:fillRect/>
+          </a:stretch>
+        </p:blipFill>
+        <p:spPr>
+          <a:xfrm>
+            <a:off x="2133600" y="1371600"/>
+            <a:ext cx="5381625" cy="4465164"/>
+          </a:xfrm>
+          <a:prstGeom prst="rect">
+            <a:avLst/>
+          </a:prstGeom>
+        </p:spPr>
+      </p:pic>
+    </p:spTree>
+    <p:extLst>
+      <p:ext uri="{BB962C8B-B14F-4D97-AF65-F5344CB8AC3E}">
+        <p14:creationId xmlns:p14="http://schemas.microsoft.com/office/powerpoint/2010/main" val="714271279"/>
       </p:ext>
     </p:extLst>
   </p:cSld>
@@ -15575,199 +14614,6 @@
           <a:lstStyle/>
           <a:p>
             <a:r>
-              <a:rPr lang="en-US" dirty="0" smtClean="0"/>
-              <a:t>Solution: Promises</a:t>
-            </a:r>
-            <a:endParaRPr lang="en-US" dirty="0"/>
-          </a:p>
-        </p:txBody>
-      </p:sp>
-      <p:pic>
-        <p:nvPicPr>
-          <p:cNvPr id="4" name="Picture 3"/>
-          <p:cNvPicPr>
-            <a:picLocks noChangeAspect="1"/>
-          </p:cNvPicPr>
-          <p:nvPr/>
-        </p:nvPicPr>
-        <p:blipFill>
-          <a:blip r:embed="rId2"/>
-          <a:stretch>
-            <a:fillRect/>
-          </a:stretch>
-        </p:blipFill>
-        <p:spPr>
-          <a:xfrm>
-            <a:off x="1752600" y="1295400"/>
-            <a:ext cx="6081443" cy="4705350"/>
-          </a:xfrm>
-          <a:prstGeom prst="rect">
-            <a:avLst/>
-          </a:prstGeom>
-        </p:spPr>
-      </p:pic>
-    </p:spTree>
-    <p:extLst>
-      <p:ext uri="{BB962C8B-B14F-4D97-AF65-F5344CB8AC3E}">
-        <p14:creationId xmlns:p14="http://schemas.microsoft.com/office/powerpoint/2010/main" val="2409497983"/>
-      </p:ext>
-    </p:extLst>
-  </p:cSld>
-  <p:clrMapOvr>
-    <a:masterClrMapping/>
-  </p:clrMapOvr>
-  <p:transition>
-    <p:fade/>
-  </p:transition>
-  <p:timing>
-    <p:tnLst>
-      <p:par>
-        <p:cTn id="1" dur="indefinite" restart="never" nodeType="tmRoot"/>
-      </p:par>
-    </p:tnLst>
-  </p:timing>
-</p:sld>
-</file>
-
-<file path=ppt/slides/slide41.xml><?xml version="1.0" encoding="utf-8"?>
-<p:sld xmlns:a="http://schemas.openxmlformats.org/drawingml/2006/main" xmlns:r="http://schemas.openxmlformats.org/officeDocument/2006/relationships" xmlns:p="http://schemas.openxmlformats.org/presentationml/2006/main">
-  <p:cSld>
-    <p:spTree>
-      <p:nvGrpSpPr>
-        <p:cNvPr id="1" name=""/>
-        <p:cNvGrpSpPr/>
-        <p:nvPr/>
-      </p:nvGrpSpPr>
-      <p:grpSpPr>
-        <a:xfrm>
-          <a:off x="0" y="0"/>
-          <a:ext cx="0" cy="0"/>
-          <a:chOff x="0" y="0"/>
-          <a:chExt cx="0" cy="0"/>
-        </a:xfrm>
-      </p:grpSpPr>
-      <p:sp>
-        <p:nvSpPr>
-          <p:cNvPr id="2" name="Title 1"/>
-          <p:cNvSpPr>
-            <a:spLocks noGrp="1"/>
-          </p:cNvSpPr>
-          <p:nvPr>
-            <p:ph type="title"/>
-          </p:nvPr>
-        </p:nvSpPr>
-        <p:spPr/>
-        <p:txBody>
-          <a:bodyPr/>
-          <a:lstStyle/>
-          <a:p>
-            <a:r>
-              <a:rPr lang="en-US" dirty="0" smtClean="0"/>
-              <a:t>Promises Chain</a:t>
-            </a:r>
-            <a:endParaRPr lang="en-US" dirty="0"/>
-          </a:p>
-        </p:txBody>
-      </p:sp>
-      <p:sp>
-        <p:nvSpPr>
-          <p:cNvPr id="3" name="Text Placeholder 2"/>
-          <p:cNvSpPr>
-            <a:spLocks noGrp="1"/>
-          </p:cNvSpPr>
-          <p:nvPr>
-            <p:ph type="body" idx="1"/>
-          </p:nvPr>
-        </p:nvSpPr>
-        <p:spPr/>
-        <p:txBody>
-          <a:bodyPr/>
-          <a:lstStyle/>
-          <a:p>
-            <a:endParaRPr lang="en-US" dirty="0"/>
-          </a:p>
-        </p:txBody>
-      </p:sp>
-      <p:pic>
-        <p:nvPicPr>
-          <p:cNvPr id="4" name="Picture 3"/>
-          <p:cNvPicPr>
-            <a:picLocks noChangeAspect="1"/>
-          </p:cNvPicPr>
-          <p:nvPr/>
-        </p:nvPicPr>
-        <p:blipFill>
-          <a:blip r:embed="rId2"/>
-          <a:stretch>
-            <a:fillRect/>
-          </a:stretch>
-        </p:blipFill>
-        <p:spPr>
-          <a:xfrm>
-            <a:off x="2133600" y="1371600"/>
-            <a:ext cx="5381625" cy="4465164"/>
-          </a:xfrm>
-          <a:prstGeom prst="rect">
-            <a:avLst/>
-          </a:prstGeom>
-        </p:spPr>
-      </p:pic>
-    </p:spTree>
-    <p:extLst>
-      <p:ext uri="{BB962C8B-B14F-4D97-AF65-F5344CB8AC3E}">
-        <p14:creationId xmlns:p14="http://schemas.microsoft.com/office/powerpoint/2010/main" val="714271279"/>
-      </p:ext>
-    </p:extLst>
-  </p:cSld>
-  <p:clrMapOvr>
-    <a:masterClrMapping/>
-  </p:clrMapOvr>
-  <p:transition>
-    <p:fade/>
-  </p:transition>
-  <p:timing>
-    <p:tnLst>
-      <p:par>
-        <p:cTn id="1" dur="indefinite" restart="never" nodeType="tmRoot"/>
-      </p:par>
-    </p:tnLst>
-  </p:timing>
-</p:sld>
-</file>
-
-<file path=ppt/slides/slide42.xml><?xml version="1.0" encoding="utf-8"?>
-<p:sld xmlns:a="http://schemas.openxmlformats.org/drawingml/2006/main" xmlns:r="http://schemas.openxmlformats.org/officeDocument/2006/relationships" xmlns:p="http://schemas.openxmlformats.org/presentationml/2006/main">
-  <p:cSld>
-    <p:spTree>
-      <p:nvGrpSpPr>
-        <p:cNvPr id="1" name=""/>
-        <p:cNvGrpSpPr/>
-        <p:nvPr/>
-      </p:nvGrpSpPr>
-      <p:grpSpPr>
-        <a:xfrm>
-          <a:off x="0" y="0"/>
-          <a:ext cx="0" cy="0"/>
-          <a:chOff x="0" y="0"/>
-          <a:chExt cx="0" cy="0"/>
-        </a:xfrm>
-      </p:grpSpPr>
-      <p:sp>
-        <p:nvSpPr>
-          <p:cNvPr id="2" name="Title 1"/>
-          <p:cNvSpPr>
-            <a:spLocks noGrp="1"/>
-          </p:cNvSpPr>
-          <p:nvPr>
-            <p:ph type="title"/>
-          </p:nvPr>
-        </p:nvSpPr>
-        <p:spPr/>
-        <p:txBody>
-          <a:bodyPr/>
-          <a:lstStyle/>
-          <a:p>
-            <a:r>
               <a:rPr lang="en-US" dirty="0"/>
               <a:t>Problem: Modularity &amp; Scope</a:t>
             </a:r>
@@ -15840,7 +14686,7 @@
 </p:sld>
 </file>
 
-<file path=ppt/slides/slide43.xml><?xml version="1.0" encoding="utf-8"?>
+<file path=ppt/slides/slide41.xml><?xml version="1.0" encoding="utf-8"?>
 <p:sld xmlns:a="http://schemas.openxmlformats.org/drawingml/2006/main" xmlns:r="http://schemas.openxmlformats.org/officeDocument/2006/relationships" xmlns:p="http://schemas.openxmlformats.org/presentationml/2006/main">
   <p:cSld>
     <p:spTree>
@@ -15983,7 +14829,7 @@
 </p:sld>
 </file>
 
-<file path=ppt/slides/slide44.xml><?xml version="1.0" encoding="utf-8"?>
+<file path=ppt/slides/slide42.xml><?xml version="1.0" encoding="utf-8"?>
 <p:sld xmlns:a="http://schemas.openxmlformats.org/drawingml/2006/main" xmlns:r="http://schemas.openxmlformats.org/officeDocument/2006/relationships" xmlns:p="http://schemas.openxmlformats.org/presentationml/2006/main">
   <p:cSld>
     <p:spTree>
@@ -16093,7 +14939,7 @@
 </p:sld>
 </file>
 
-<file path=ppt/slides/slide45.xml><?xml version="1.0" encoding="utf-8"?>
+<file path=ppt/slides/slide43.xml><?xml version="1.0" encoding="utf-8"?>
 <p:sld xmlns:a="http://schemas.openxmlformats.org/drawingml/2006/main" xmlns:r="http://schemas.openxmlformats.org/officeDocument/2006/relationships" xmlns:p="http://schemas.openxmlformats.org/presentationml/2006/main">
   <p:cSld>
     <p:spTree>
@@ -16199,7 +15045,7 @@
 </p:sld>
 </file>
 
-<file path=ppt/slides/slide46.xml><?xml version="1.0" encoding="utf-8"?>
+<file path=ppt/slides/slide44.xml><?xml version="1.0" encoding="utf-8"?>
 <p:sld xmlns:a="http://schemas.openxmlformats.org/drawingml/2006/main" xmlns:r="http://schemas.openxmlformats.org/officeDocument/2006/relationships" xmlns:p="http://schemas.openxmlformats.org/presentationml/2006/main">
   <p:cSld>
     <p:spTree>
@@ -16305,7 +15151,7 @@
 </p:sld>
 </file>
 
-<file path=ppt/slides/slide47.xml><?xml version="1.0" encoding="utf-8"?>
+<file path=ppt/slides/slide45.xml><?xml version="1.0" encoding="utf-8"?>
 <p:sld xmlns:a="http://schemas.openxmlformats.org/drawingml/2006/main" xmlns:r="http://schemas.openxmlformats.org/officeDocument/2006/relationships" xmlns:p="http://schemas.openxmlformats.org/presentationml/2006/main">
   <p:cSld>
     <p:spTree>
@@ -16445,7 +15291,7 @@
 </p:sld>
 </file>
 
-<file path=ppt/slides/slide48.xml><?xml version="1.0" encoding="utf-8"?>
+<file path=ppt/slides/slide46.xml><?xml version="1.0" encoding="utf-8"?>
 <p:sld xmlns:a="http://schemas.openxmlformats.org/drawingml/2006/main" xmlns:r="http://schemas.openxmlformats.org/officeDocument/2006/relationships" xmlns:p="http://schemas.openxmlformats.org/presentationml/2006/main">
   <p:cSld>
     <p:spTree>
@@ -16616,7 +15462,7 @@
 </p:sld>
 </file>
 
-<file path=ppt/slides/slide49.xml><?xml version="1.0" encoding="utf-8"?>
+<file path=ppt/slides/slide47.xml><?xml version="1.0" encoding="utf-8"?>
 <p:sld xmlns:a="http://schemas.openxmlformats.org/drawingml/2006/main" xmlns:r="http://schemas.openxmlformats.org/officeDocument/2006/relationships" xmlns:p="http://schemas.openxmlformats.org/presentationml/2006/main">
   <p:cSld>
     <p:spTree>
@@ -16727,6 +15573,235 @@
       </p:par>
     </p:tnLst>
   </p:timing>
+</p:sld>
+</file>
+
+<file path=ppt/slides/slide48.xml><?xml version="1.0" encoding="utf-8"?>
+<p:sld xmlns:a="http://schemas.openxmlformats.org/drawingml/2006/main" xmlns:r="http://schemas.openxmlformats.org/officeDocument/2006/relationships" xmlns:p="http://schemas.openxmlformats.org/presentationml/2006/main">
+  <p:cSld>
+    <p:spTree>
+      <p:nvGrpSpPr>
+        <p:cNvPr id="1" name=""/>
+        <p:cNvGrpSpPr/>
+        <p:nvPr/>
+      </p:nvGrpSpPr>
+      <p:grpSpPr>
+        <a:xfrm>
+          <a:off x="0" y="0"/>
+          <a:ext cx="0" cy="0"/>
+          <a:chOff x="0" y="0"/>
+          <a:chExt cx="0" cy="0"/>
+        </a:xfrm>
+      </p:grpSpPr>
+      <p:sp>
+        <p:nvSpPr>
+          <p:cNvPr id="2" name="Title 1"/>
+          <p:cNvSpPr>
+            <a:spLocks noGrp="1"/>
+          </p:cNvSpPr>
+          <p:nvPr>
+            <p:ph type="title"/>
+          </p:nvPr>
+        </p:nvSpPr>
+        <p:spPr/>
+        <p:txBody>
+          <a:bodyPr/>
+          <a:lstStyle/>
+          <a:p>
+            <a:r>
+              <a:rPr lang="en-US" dirty="0" smtClean="0"/>
+              <a:t>Build Your Modules</a:t>
+            </a:r>
+            <a:endParaRPr lang="en-US" dirty="0"/>
+          </a:p>
+        </p:txBody>
+      </p:sp>
+      <p:sp>
+        <p:nvSpPr>
+          <p:cNvPr id="3" name="Text Placeholder 2"/>
+          <p:cNvSpPr>
+            <a:spLocks noGrp="1"/>
+          </p:cNvSpPr>
+          <p:nvPr>
+            <p:ph type="body" idx="1"/>
+          </p:nvPr>
+        </p:nvSpPr>
+        <p:spPr/>
+        <p:txBody>
+          <a:bodyPr/>
+          <a:lstStyle/>
+          <a:p>
+            <a:r>
+              <a:rPr lang="en-US" dirty="0" smtClean="0"/>
+              <a:t>Bundle them, too</a:t>
+            </a:r>
+            <a:endParaRPr lang="en-US" dirty="0"/>
+          </a:p>
+        </p:txBody>
+      </p:sp>
+      <p:pic>
+        <p:nvPicPr>
+          <p:cNvPr id="4" name="Picture 3"/>
+          <p:cNvPicPr>
+            <a:picLocks noChangeAspect="1"/>
+          </p:cNvPicPr>
+          <p:nvPr/>
+        </p:nvPicPr>
+        <p:blipFill>
+          <a:blip r:embed="rId2"/>
+          <a:stretch>
+            <a:fillRect/>
+          </a:stretch>
+        </p:blipFill>
+        <p:spPr>
+          <a:xfrm>
+            <a:off x="1524000" y="2667000"/>
+            <a:ext cx="6225208" cy="2921204"/>
+          </a:xfrm>
+          <a:prstGeom prst="rect">
+            <a:avLst/>
+          </a:prstGeom>
+        </p:spPr>
+      </p:pic>
+      <p:sp>
+        <p:nvSpPr>
+          <p:cNvPr id="5" name="Rectangle 4"/>
+          <p:cNvSpPr/>
+          <p:nvPr/>
+        </p:nvSpPr>
+        <p:spPr>
+          <a:xfrm>
+            <a:off x="3124200" y="1066800"/>
+            <a:ext cx="2714589" cy="338554"/>
+          </a:xfrm>
+          <a:prstGeom prst="rect">
+            <a:avLst/>
+          </a:prstGeom>
+        </p:spPr>
+        <p:txBody>
+          <a:bodyPr wrap="none">
+            <a:spAutoFit/>
+          </a:bodyPr>
+          <a:lstStyle/>
+          <a:p>
+            <a:r>
+              <a:rPr lang="en-US" dirty="0">
+                <a:solidFill>
+                  <a:srgbClr val="000000"/>
+                </a:solidFill>
+                <a:latin typeface="Segoe UI" panose="020B0502040204020203" pitchFamily="34" charset="0"/>
+              </a:rPr>
+              <a:t>http://webpack.github.io/</a:t>
+            </a:r>
+            <a:endParaRPr lang="en-US" dirty="0"/>
+          </a:p>
+        </p:txBody>
+      </p:sp>
+    </p:spTree>
+    <p:extLst>
+      <p:ext uri="{BB962C8B-B14F-4D97-AF65-F5344CB8AC3E}">
+        <p14:creationId xmlns:p14="http://schemas.microsoft.com/office/powerpoint/2010/main" val="1429225010"/>
+      </p:ext>
+    </p:extLst>
+  </p:cSld>
+  <p:clrMapOvr>
+    <a:masterClrMapping/>
+  </p:clrMapOvr>
+  <p:transition>
+    <p:fade/>
+  </p:transition>
+  <p:timing>
+    <p:tnLst>
+      <p:par>
+        <p:cTn id="1" dur="indefinite" restart="never" nodeType="tmRoot"/>
+      </p:par>
+    </p:tnLst>
+  </p:timing>
+</p:sld>
+</file>
+
+<file path=ppt/slides/slide49.xml><?xml version="1.0" encoding="utf-8"?>
+<p:sld xmlns:a="http://schemas.openxmlformats.org/drawingml/2006/main" xmlns:r="http://schemas.openxmlformats.org/officeDocument/2006/relationships" xmlns:p="http://schemas.openxmlformats.org/presentationml/2006/main">
+  <p:cSld>
+    <p:spTree>
+      <p:nvGrpSpPr>
+        <p:cNvPr id="1" name=""/>
+        <p:cNvGrpSpPr/>
+        <p:nvPr/>
+      </p:nvGrpSpPr>
+      <p:grpSpPr>
+        <a:xfrm>
+          <a:off x="0" y="0"/>
+          <a:ext cx="0" cy="0"/>
+          <a:chOff x="0" y="0"/>
+          <a:chExt cx="0" cy="0"/>
+        </a:xfrm>
+      </p:grpSpPr>
+      <p:sp>
+        <p:nvSpPr>
+          <p:cNvPr id="2" name="Title 1"/>
+          <p:cNvSpPr>
+            <a:spLocks noGrp="1"/>
+          </p:cNvSpPr>
+          <p:nvPr>
+            <p:ph type="title"/>
+          </p:nvPr>
+        </p:nvSpPr>
+        <p:spPr/>
+        <p:txBody>
+          <a:bodyPr/>
+          <a:lstStyle/>
+          <a:p>
+            <a:r>
+              <a:rPr lang="en-US" dirty="0" smtClean="0"/>
+              <a:t>In Conclusion …</a:t>
+            </a:r>
+            <a:endParaRPr lang="en-US" dirty="0"/>
+          </a:p>
+        </p:txBody>
+      </p:sp>
+      <p:sp>
+        <p:nvSpPr>
+          <p:cNvPr id="3" name="Text Placeholder 2"/>
+          <p:cNvSpPr>
+            <a:spLocks noGrp="1"/>
+          </p:cNvSpPr>
+          <p:nvPr>
+            <p:ph type="body" idx="1"/>
+          </p:nvPr>
+        </p:nvSpPr>
+        <p:spPr/>
+        <p:txBody>
+          <a:bodyPr/>
+          <a:lstStyle/>
+          <a:p>
+            <a:r>
+              <a:rPr lang="en-US" dirty="0" smtClean="0"/>
+              <a:t>Thanks for listening!</a:t>
+            </a:r>
+          </a:p>
+          <a:p>
+            <a:r>
+              <a:rPr lang="en-US" dirty="0" smtClean="0"/>
+              <a:t>scott@OdeToCode.com</a:t>
+            </a:r>
+            <a:endParaRPr lang="en-US" dirty="0"/>
+          </a:p>
+        </p:txBody>
+      </p:sp>
+    </p:spTree>
+    <p:extLst>
+      <p:ext uri="{BB962C8B-B14F-4D97-AF65-F5344CB8AC3E}">
+        <p14:creationId xmlns:p14="http://schemas.microsoft.com/office/powerpoint/2010/main" val="1388781007"/>
+      </p:ext>
+    </p:extLst>
+  </p:cSld>
+  <p:clrMapOvr>
+    <a:masterClrMapping/>
+  </p:clrMapOvr>
+  <p:transition>
+    <p:fade/>
+  </p:transition>
 </p:sld>
 </file>
 
@@ -17513,235 +16588,6 @@
       <p:bldP spid="16" grpId="0" animBg="1"/>
     </p:bldLst>
   </p:timing>
-</p:sld>
-</file>
-
-<file path=ppt/slides/slide50.xml><?xml version="1.0" encoding="utf-8"?>
-<p:sld xmlns:a="http://schemas.openxmlformats.org/drawingml/2006/main" xmlns:r="http://schemas.openxmlformats.org/officeDocument/2006/relationships" xmlns:p="http://schemas.openxmlformats.org/presentationml/2006/main">
-  <p:cSld>
-    <p:spTree>
-      <p:nvGrpSpPr>
-        <p:cNvPr id="1" name=""/>
-        <p:cNvGrpSpPr/>
-        <p:nvPr/>
-      </p:nvGrpSpPr>
-      <p:grpSpPr>
-        <a:xfrm>
-          <a:off x="0" y="0"/>
-          <a:ext cx="0" cy="0"/>
-          <a:chOff x="0" y="0"/>
-          <a:chExt cx="0" cy="0"/>
-        </a:xfrm>
-      </p:grpSpPr>
-      <p:sp>
-        <p:nvSpPr>
-          <p:cNvPr id="2" name="Title 1"/>
-          <p:cNvSpPr>
-            <a:spLocks noGrp="1"/>
-          </p:cNvSpPr>
-          <p:nvPr>
-            <p:ph type="title"/>
-          </p:nvPr>
-        </p:nvSpPr>
-        <p:spPr/>
-        <p:txBody>
-          <a:bodyPr/>
-          <a:lstStyle/>
-          <a:p>
-            <a:r>
-              <a:rPr lang="en-US" dirty="0" smtClean="0"/>
-              <a:t>Build Your Modules</a:t>
-            </a:r>
-            <a:endParaRPr lang="en-US" dirty="0"/>
-          </a:p>
-        </p:txBody>
-      </p:sp>
-      <p:sp>
-        <p:nvSpPr>
-          <p:cNvPr id="3" name="Text Placeholder 2"/>
-          <p:cNvSpPr>
-            <a:spLocks noGrp="1"/>
-          </p:cNvSpPr>
-          <p:nvPr>
-            <p:ph type="body" idx="1"/>
-          </p:nvPr>
-        </p:nvSpPr>
-        <p:spPr/>
-        <p:txBody>
-          <a:bodyPr/>
-          <a:lstStyle/>
-          <a:p>
-            <a:r>
-              <a:rPr lang="en-US" dirty="0" smtClean="0"/>
-              <a:t>Bundle them, too</a:t>
-            </a:r>
-            <a:endParaRPr lang="en-US" dirty="0"/>
-          </a:p>
-        </p:txBody>
-      </p:sp>
-      <p:pic>
-        <p:nvPicPr>
-          <p:cNvPr id="4" name="Picture 3"/>
-          <p:cNvPicPr>
-            <a:picLocks noChangeAspect="1"/>
-          </p:cNvPicPr>
-          <p:nvPr/>
-        </p:nvPicPr>
-        <p:blipFill>
-          <a:blip r:embed="rId2"/>
-          <a:stretch>
-            <a:fillRect/>
-          </a:stretch>
-        </p:blipFill>
-        <p:spPr>
-          <a:xfrm>
-            <a:off x="1524000" y="2667000"/>
-            <a:ext cx="6225208" cy="2921204"/>
-          </a:xfrm>
-          <a:prstGeom prst="rect">
-            <a:avLst/>
-          </a:prstGeom>
-        </p:spPr>
-      </p:pic>
-      <p:sp>
-        <p:nvSpPr>
-          <p:cNvPr id="5" name="Rectangle 4"/>
-          <p:cNvSpPr/>
-          <p:nvPr/>
-        </p:nvSpPr>
-        <p:spPr>
-          <a:xfrm>
-            <a:off x="3124200" y="1066800"/>
-            <a:ext cx="2714589" cy="338554"/>
-          </a:xfrm>
-          <a:prstGeom prst="rect">
-            <a:avLst/>
-          </a:prstGeom>
-        </p:spPr>
-        <p:txBody>
-          <a:bodyPr wrap="none">
-            <a:spAutoFit/>
-          </a:bodyPr>
-          <a:lstStyle/>
-          <a:p>
-            <a:r>
-              <a:rPr lang="en-US" dirty="0">
-                <a:solidFill>
-                  <a:srgbClr val="000000"/>
-                </a:solidFill>
-                <a:latin typeface="Segoe UI" panose="020B0502040204020203" pitchFamily="34" charset="0"/>
-              </a:rPr>
-              <a:t>http://webpack.github.io/</a:t>
-            </a:r>
-            <a:endParaRPr lang="en-US" dirty="0"/>
-          </a:p>
-        </p:txBody>
-      </p:sp>
-    </p:spTree>
-    <p:extLst>
-      <p:ext uri="{BB962C8B-B14F-4D97-AF65-F5344CB8AC3E}">
-        <p14:creationId xmlns:p14="http://schemas.microsoft.com/office/powerpoint/2010/main" val="1429225010"/>
-      </p:ext>
-    </p:extLst>
-  </p:cSld>
-  <p:clrMapOvr>
-    <a:masterClrMapping/>
-  </p:clrMapOvr>
-  <p:transition>
-    <p:fade/>
-  </p:transition>
-  <p:timing>
-    <p:tnLst>
-      <p:par>
-        <p:cTn id="1" dur="indefinite" restart="never" nodeType="tmRoot"/>
-      </p:par>
-    </p:tnLst>
-  </p:timing>
-</p:sld>
-</file>
-
-<file path=ppt/slides/slide51.xml><?xml version="1.0" encoding="utf-8"?>
-<p:sld xmlns:a="http://schemas.openxmlformats.org/drawingml/2006/main" xmlns:r="http://schemas.openxmlformats.org/officeDocument/2006/relationships" xmlns:p="http://schemas.openxmlformats.org/presentationml/2006/main">
-  <p:cSld>
-    <p:spTree>
-      <p:nvGrpSpPr>
-        <p:cNvPr id="1" name=""/>
-        <p:cNvGrpSpPr/>
-        <p:nvPr/>
-      </p:nvGrpSpPr>
-      <p:grpSpPr>
-        <a:xfrm>
-          <a:off x="0" y="0"/>
-          <a:ext cx="0" cy="0"/>
-          <a:chOff x="0" y="0"/>
-          <a:chExt cx="0" cy="0"/>
-        </a:xfrm>
-      </p:grpSpPr>
-      <p:sp>
-        <p:nvSpPr>
-          <p:cNvPr id="2" name="Title 1"/>
-          <p:cNvSpPr>
-            <a:spLocks noGrp="1"/>
-          </p:cNvSpPr>
-          <p:nvPr>
-            <p:ph type="title"/>
-          </p:nvPr>
-        </p:nvSpPr>
-        <p:spPr/>
-        <p:txBody>
-          <a:bodyPr/>
-          <a:lstStyle/>
-          <a:p>
-            <a:r>
-              <a:rPr lang="en-US" dirty="0" smtClean="0"/>
-              <a:t>In Conclusion …</a:t>
-            </a:r>
-            <a:endParaRPr lang="en-US" dirty="0"/>
-          </a:p>
-        </p:txBody>
-      </p:sp>
-      <p:sp>
-        <p:nvSpPr>
-          <p:cNvPr id="3" name="Text Placeholder 2"/>
-          <p:cNvSpPr>
-            <a:spLocks noGrp="1"/>
-          </p:cNvSpPr>
-          <p:nvPr>
-            <p:ph type="body" idx="1"/>
-          </p:nvPr>
-        </p:nvSpPr>
-        <p:spPr/>
-        <p:txBody>
-          <a:bodyPr/>
-          <a:lstStyle/>
-          <a:p>
-            <a:r>
-              <a:rPr lang="en-US" dirty="0" smtClean="0"/>
-              <a:t>Thanks for listening!</a:t>
-            </a:r>
-          </a:p>
-          <a:p>
-            <a:r>
-              <a:rPr lang="en-US" dirty="0" smtClean="0"/>
-              <a:t>scott@OdeToCode.com</a:t>
-            </a:r>
-            <a:endParaRPr lang="en-US" dirty="0"/>
-          </a:p>
-        </p:txBody>
-      </p:sp>
-    </p:spTree>
-    <p:extLst>
-      <p:ext uri="{BB962C8B-B14F-4D97-AF65-F5344CB8AC3E}">
-        <p14:creationId xmlns:p14="http://schemas.microsoft.com/office/powerpoint/2010/main" val="1388781007"/>
-      </p:ext>
-    </p:extLst>
-  </p:cSld>
-  <p:clrMapOvr>
-    <a:masterClrMapping/>
-  </p:clrMapOvr>
-  <p:transition>
-    <p:fade/>
-  </p:transition>
 </p:sld>
 </file>
 
@@ -18780,200 +17626,6 @@
           <a:p>
             <a:r>
               <a:rPr lang="en-US" dirty="0" smtClean="0"/>
-              <a:t>Agenda</a:t>
-            </a:r>
-            <a:endParaRPr lang="en-US" dirty="0"/>
-          </a:p>
-        </p:txBody>
-      </p:sp>
-      <p:sp>
-        <p:nvSpPr>
-          <p:cNvPr id="3" name="Text Placeholder 2"/>
-          <p:cNvSpPr>
-            <a:spLocks noGrp="1"/>
-          </p:cNvSpPr>
-          <p:nvPr>
-            <p:ph type="body" idx="1"/>
-          </p:nvPr>
-        </p:nvSpPr>
-        <p:spPr/>
-        <p:txBody>
-          <a:bodyPr/>
-          <a:lstStyle/>
-          <a:p>
-            <a:r>
-              <a:rPr lang="en-US" dirty="0" smtClean="0"/>
-              <a:t>What’s New?</a:t>
-            </a:r>
-          </a:p>
-          <a:p>
-            <a:r>
-              <a:rPr lang="en-US" dirty="0" smtClean="0"/>
-              <a:t>How Do I Use It NOW?!?</a:t>
-            </a:r>
-          </a:p>
-        </p:txBody>
-      </p:sp>
-      <p:graphicFrame>
-        <p:nvGraphicFramePr>
-          <p:cNvPr id="10" name="Chart 9"/>
-          <p:cNvGraphicFramePr/>
-          <p:nvPr>
-            <p:extLst>
-              <p:ext uri="{D42A27DB-BD31-4B8C-83A1-F6EECF244321}">
-                <p14:modId xmlns:p14="http://schemas.microsoft.com/office/powerpoint/2010/main" val="2586779863"/>
-              </p:ext>
-            </p:extLst>
-          </p:nvPr>
-        </p:nvGraphicFramePr>
-        <p:xfrm>
-          <a:off x="1600200" y="2667000"/>
-          <a:ext cx="6096000" cy="4064000"/>
-        </p:xfrm>
-        <a:graphic>
-          <a:graphicData uri="http://schemas.openxmlformats.org/drawingml/2006/chart">
-            <c:chart xmlns:c="http://schemas.openxmlformats.org/drawingml/2006/chart" xmlns:r="http://schemas.openxmlformats.org/officeDocument/2006/relationships" r:id="rId2"/>
-          </a:graphicData>
-        </a:graphic>
-      </p:graphicFrame>
-    </p:spTree>
-    <p:extLst>
-      <p:ext uri="{BB962C8B-B14F-4D97-AF65-F5344CB8AC3E}">
-        <p14:creationId xmlns:p14="http://schemas.microsoft.com/office/powerpoint/2010/main" val="3502831944"/>
-      </p:ext>
-    </p:extLst>
-  </p:cSld>
-  <p:clrMapOvr>
-    <a:masterClrMapping/>
-  </p:clrMapOvr>
-  <p:transition>
-    <p:fade/>
-  </p:transition>
-  <p:timing>
-    <p:tnLst>
-      <p:par>
-        <p:cTn id="1" dur="indefinite" restart="never" nodeType="tmRoot">
-          <p:childTnLst>
-            <p:seq concurrent="1" nextAc="seek">
-              <p:cTn id="2" dur="indefinite" nodeType="mainSeq">
-                <p:childTnLst>
-                  <p:par>
-                    <p:cTn id="3" fill="hold">
-                      <p:stCondLst>
-                        <p:cond delay="indefinite"/>
-                      </p:stCondLst>
-                      <p:childTnLst>
-                        <p:par>
-                          <p:cTn id="4" fill="hold">
-                            <p:stCondLst>
-                              <p:cond delay="0"/>
-                            </p:stCondLst>
-                            <p:childTnLst>
-                              <p:par>
-                                <p:cTn id="5" presetID="10" presetClass="entr" presetSubtype="0" fill="hold" grpId="0" nodeType="clickEffect">
-                                  <p:stCondLst>
-                                    <p:cond delay="0"/>
-                                  </p:stCondLst>
-                                  <p:childTnLst>
-                                    <p:set>
-                                      <p:cBhvr>
-                                        <p:cTn id="6" dur="1" fill="hold">
-                                          <p:stCondLst>
-                                            <p:cond delay="0"/>
-                                          </p:stCondLst>
-                                        </p:cTn>
-                                        <p:tgtEl>
-                                          <p:spTgt spid="10"/>
-                                        </p:tgtEl>
-                                        <p:attrNameLst>
-                                          <p:attrName>style.visibility</p:attrName>
-                                        </p:attrNameLst>
-                                      </p:cBhvr>
-                                      <p:to>
-                                        <p:strVal val="visible"/>
-                                      </p:to>
-                                    </p:set>
-                                    <p:animEffect transition="in" filter="fade">
-                                      <p:cBhvr>
-                                        <p:cTn id="7" dur="500"/>
-                                        <p:tgtEl>
-                                          <p:spTgt spid="10"/>
-                                        </p:tgtEl>
-                                      </p:cBhvr>
-                                    </p:animEffect>
-                                  </p:childTnLst>
-                                </p:cTn>
-                              </p:par>
-                            </p:childTnLst>
-                          </p:cTn>
-                        </p:par>
-                      </p:childTnLst>
-                    </p:cTn>
-                  </p:par>
-                </p:childTnLst>
-              </p:cTn>
-              <p:prevCondLst>
-                <p:cond evt="onPrev" delay="0">
-                  <p:tgtEl>
-                    <p:sldTgt/>
-                  </p:tgtEl>
-                </p:cond>
-              </p:prevCondLst>
-              <p:nextCondLst>
-                <p:cond evt="onNext" delay="0">
-                  <p:tgtEl>
-                    <p:sldTgt/>
-                  </p:tgtEl>
-                </p:cond>
-              </p:nextCondLst>
-            </p:seq>
-          </p:childTnLst>
-        </p:cTn>
-      </p:par>
-    </p:tnLst>
-    <p:bldLst>
-      <p:bldGraphic spid="10" grpId="0">
-        <p:bldAsOne/>
-      </p:bldGraphic>
-    </p:bldLst>
-  </p:timing>
-</p:sld>
-</file>
-
-<file path=ppt/slides/slide9.xml><?xml version="1.0" encoding="utf-8"?>
-<p:sld xmlns:a="http://schemas.openxmlformats.org/drawingml/2006/main" xmlns:r="http://schemas.openxmlformats.org/officeDocument/2006/relationships" xmlns:p="http://schemas.openxmlformats.org/presentationml/2006/main">
-  <p:cSld>
-    <p:spTree>
-      <p:nvGrpSpPr>
-        <p:cNvPr id="1" name=""/>
-        <p:cNvGrpSpPr/>
-        <p:nvPr/>
-      </p:nvGrpSpPr>
-      <p:grpSpPr>
-        <a:xfrm>
-          <a:off x="0" y="0"/>
-          <a:ext cx="0" cy="0"/>
-          <a:chOff x="0" y="0"/>
-          <a:chExt cx="0" cy="0"/>
-        </a:xfrm>
-      </p:grpSpPr>
-      <p:sp>
-        <p:nvSpPr>
-          <p:cNvPr id="2" name="Title 1"/>
-          <p:cNvSpPr>
-            <a:spLocks noGrp="1"/>
-          </p:cNvSpPr>
-          <p:nvPr>
-            <p:ph type="title"/>
-          </p:nvPr>
-        </p:nvSpPr>
-        <p:spPr/>
-        <p:txBody>
-          <a:bodyPr/>
-          <a:lstStyle/>
-          <a:p>
-            <a:r>
-              <a:rPr lang="en-US" dirty="0" smtClean="0"/>
               <a:t>Problem</a:t>
             </a:r>
             <a:endParaRPr lang="en-US" dirty="0"/>
@@ -19089,6 +17741,193 @@
                                         <p:cTn id="7" dur="500"/>
                                         <p:tgtEl>
                                           <p:spTgt spid="4"/>
+                                        </p:tgtEl>
+                                      </p:cBhvr>
+                                    </p:animEffect>
+                                  </p:childTnLst>
+                                </p:cTn>
+                              </p:par>
+                            </p:childTnLst>
+                          </p:cTn>
+                        </p:par>
+                      </p:childTnLst>
+                    </p:cTn>
+                  </p:par>
+                </p:childTnLst>
+              </p:cTn>
+              <p:prevCondLst>
+                <p:cond evt="onPrev" delay="0">
+                  <p:tgtEl>
+                    <p:sldTgt/>
+                  </p:tgtEl>
+                </p:cond>
+              </p:prevCondLst>
+              <p:nextCondLst>
+                <p:cond evt="onNext" delay="0">
+                  <p:tgtEl>
+                    <p:sldTgt/>
+                  </p:tgtEl>
+                </p:cond>
+              </p:nextCondLst>
+            </p:seq>
+          </p:childTnLst>
+        </p:cTn>
+      </p:par>
+    </p:tnLst>
+  </p:timing>
+</p:sld>
+</file>
+
+<file path=ppt/slides/slide9.xml><?xml version="1.0" encoding="utf-8"?>
+<p:sld xmlns:a="http://schemas.openxmlformats.org/drawingml/2006/main" xmlns:r="http://schemas.openxmlformats.org/officeDocument/2006/relationships" xmlns:p="http://schemas.openxmlformats.org/presentationml/2006/main">
+  <p:cSld>
+    <p:spTree>
+      <p:nvGrpSpPr>
+        <p:cNvPr id="1" name=""/>
+        <p:cNvGrpSpPr/>
+        <p:nvPr/>
+      </p:nvGrpSpPr>
+      <p:grpSpPr>
+        <a:xfrm>
+          <a:off x="0" y="0"/>
+          <a:ext cx="0" cy="0"/>
+          <a:chOff x="0" y="0"/>
+          <a:chExt cx="0" cy="0"/>
+        </a:xfrm>
+      </p:grpSpPr>
+      <p:sp>
+        <p:nvSpPr>
+          <p:cNvPr id="2" name="Title 1"/>
+          <p:cNvSpPr>
+            <a:spLocks noGrp="1"/>
+          </p:cNvSpPr>
+          <p:nvPr>
+            <p:ph type="title"/>
+          </p:nvPr>
+        </p:nvSpPr>
+        <p:spPr/>
+        <p:txBody>
+          <a:bodyPr/>
+          <a:lstStyle/>
+          <a:p>
+            <a:r>
+              <a:rPr lang="en-US" dirty="0" smtClean="0"/>
+              <a:t>Solution: let</a:t>
+            </a:r>
+            <a:endParaRPr lang="en-US" dirty="0"/>
+          </a:p>
+        </p:txBody>
+      </p:sp>
+      <p:pic>
+        <p:nvPicPr>
+          <p:cNvPr id="4" name="Picture 3"/>
+          <p:cNvPicPr>
+            <a:picLocks noChangeAspect="1"/>
+          </p:cNvPicPr>
+          <p:nvPr/>
+        </p:nvPicPr>
+        <p:blipFill>
+          <a:blip r:embed="rId2"/>
+          <a:stretch>
+            <a:fillRect/>
+          </a:stretch>
+        </p:blipFill>
+        <p:spPr>
+          <a:xfrm>
+            <a:off x="533400" y="1600200"/>
+            <a:ext cx="6596158" cy="2486025"/>
+          </a:xfrm>
+          <a:prstGeom prst="rect">
+            <a:avLst/>
+          </a:prstGeom>
+        </p:spPr>
+      </p:pic>
+      <p:pic>
+        <p:nvPicPr>
+          <p:cNvPr id="5" name="Picture 4"/>
+          <p:cNvPicPr>
+            <a:picLocks noChangeAspect="1"/>
+          </p:cNvPicPr>
+          <p:nvPr/>
+        </p:nvPicPr>
+        <p:blipFill>
+          <a:blip r:embed="rId3"/>
+          <a:stretch>
+            <a:fillRect/>
+          </a:stretch>
+        </p:blipFill>
+        <p:spPr>
+          <a:xfrm>
+            <a:off x="3657600" y="4343400"/>
+            <a:ext cx="4486275" cy="1628775"/>
+          </a:xfrm>
+          <a:prstGeom prst="rect">
+            <a:avLst/>
+          </a:prstGeom>
+        </p:spPr>
+      </p:pic>
+    </p:spTree>
+    <p:extLst>
+      <p:ext uri="{BB962C8B-B14F-4D97-AF65-F5344CB8AC3E}">
+        <p14:creationId xmlns:p14="http://schemas.microsoft.com/office/powerpoint/2010/main" val="2229719437"/>
+      </p:ext>
+    </p:extLst>
+  </p:cSld>
+  <p:clrMapOvr>
+    <a:masterClrMapping/>
+  </p:clrMapOvr>
+  <p:transition>
+    <p:fade/>
+  </p:transition>
+  <p:timing>
+    <p:tnLst>
+      <p:par>
+        <p:cTn id="1" dur="indefinite" restart="never" nodeType="tmRoot">
+          <p:childTnLst>
+            <p:seq concurrent="1" nextAc="seek">
+              <p:cTn id="2" dur="indefinite" nodeType="mainSeq">
+                <p:childTnLst>
+                  <p:par>
+                    <p:cTn id="3" fill="hold">
+                      <p:stCondLst>
+                        <p:cond delay="indefinite"/>
+                      </p:stCondLst>
+                      <p:childTnLst>
+                        <p:par>
+                          <p:cTn id="4" fill="hold">
+                            <p:stCondLst>
+                              <p:cond delay="0"/>
+                            </p:stCondLst>
+                            <p:childTnLst>
+                              <p:par>
+                                <p:cTn id="5" presetID="10" presetClass="entr" presetSubtype="0" fill="hold" nodeType="clickEffect">
+                                  <p:stCondLst>
+                                    <p:cond delay="0"/>
+                                  </p:stCondLst>
+                                  <p:childTnLst>
+                                    <p:set>
+                                      <p:cBhvr>
+                                        <p:cTn id="6" dur="1" fill="hold">
+                                          <p:stCondLst>
+                                            <p:cond delay="0"/>
+                                          </p:stCondLst>
+                                        </p:cTn>
+                                        <p:tgtEl>
+                                          <p:spTgt spid="5"/>
+                                        </p:tgtEl>
+                                        <p:attrNameLst>
+                                          <p:attrName>style.visibility</p:attrName>
+                                        </p:attrNameLst>
+                                      </p:cBhvr>
+                                      <p:to>
+                                        <p:strVal val="visible"/>
+                                      </p:to>
+                                    </p:set>
+                                    <p:animEffect transition="in" filter="fade">
+                                      <p:cBhvr>
+                                        <p:cTn id="7" dur="500"/>
+                                        <p:tgtEl>
+                                          <p:spTgt spid="5"/>
                                         </p:tgtEl>
                                       </p:cBhvr>
                                     </p:animEffect>

--- a/assorted/evolution_of_js.pptx
+++ b/assorted/evolution_of_js.pptx
@@ -7,10 +7,10 @@
     <p:sldMasterId id="2147483800" r:id="rId3"/>
   </p:sldMasterIdLst>
   <p:notesMasterIdLst>
-    <p:notesMasterId r:id="rId53"/>
+    <p:notesMasterId r:id="rId52"/>
   </p:notesMasterIdLst>
   <p:handoutMasterIdLst>
-    <p:handoutMasterId r:id="rId54"/>
+    <p:handoutMasterId r:id="rId53"/>
   </p:handoutMasterIdLst>
   <p:sldIdLst>
     <p:sldId id="327" r:id="rId4"/>
@@ -20,48 +20,47 @@
     <p:sldId id="426" r:id="rId8"/>
     <p:sldId id="427" r:id="rId9"/>
     <p:sldId id="387" r:id="rId10"/>
-    <p:sldId id="385" r:id="rId11"/>
-    <p:sldId id="350" r:id="rId12"/>
-    <p:sldId id="386" r:id="rId13"/>
-    <p:sldId id="351" r:id="rId14"/>
-    <p:sldId id="352" r:id="rId15"/>
-    <p:sldId id="388" r:id="rId16"/>
-    <p:sldId id="389" r:id="rId17"/>
-    <p:sldId id="390" r:id="rId18"/>
-    <p:sldId id="391" r:id="rId19"/>
-    <p:sldId id="392" r:id="rId20"/>
-    <p:sldId id="393" r:id="rId21"/>
-    <p:sldId id="394" r:id="rId22"/>
-    <p:sldId id="395" r:id="rId23"/>
-    <p:sldId id="396" r:id="rId24"/>
-    <p:sldId id="397" r:id="rId25"/>
-    <p:sldId id="399" r:id="rId26"/>
-    <p:sldId id="400" r:id="rId27"/>
-    <p:sldId id="402" r:id="rId28"/>
-    <p:sldId id="401" r:id="rId29"/>
-    <p:sldId id="403" r:id="rId30"/>
-    <p:sldId id="404" r:id="rId31"/>
-    <p:sldId id="405" r:id="rId32"/>
-    <p:sldId id="406" r:id="rId33"/>
-    <p:sldId id="407" r:id="rId34"/>
-    <p:sldId id="408" r:id="rId35"/>
-    <p:sldId id="409" r:id="rId36"/>
-    <p:sldId id="410" r:id="rId37"/>
-    <p:sldId id="411" r:id="rId38"/>
-    <p:sldId id="412" r:id="rId39"/>
-    <p:sldId id="413" r:id="rId40"/>
-    <p:sldId id="414" r:id="rId41"/>
-    <p:sldId id="415" r:id="rId42"/>
-    <p:sldId id="418" r:id="rId43"/>
-    <p:sldId id="416" r:id="rId44"/>
-    <p:sldId id="417" r:id="rId45"/>
-    <p:sldId id="419" r:id="rId46"/>
-    <p:sldId id="420" r:id="rId47"/>
-    <p:sldId id="421" r:id="rId48"/>
-    <p:sldId id="329" r:id="rId49"/>
-    <p:sldId id="422" r:id="rId50"/>
-    <p:sldId id="423" r:id="rId51"/>
-    <p:sldId id="428" r:id="rId52"/>
+    <p:sldId id="395" r:id="rId11"/>
+    <p:sldId id="396" r:id="rId12"/>
+    <p:sldId id="399" r:id="rId13"/>
+    <p:sldId id="400" r:id="rId14"/>
+    <p:sldId id="401" r:id="rId15"/>
+    <p:sldId id="405" r:id="rId16"/>
+    <p:sldId id="406" r:id="rId17"/>
+    <p:sldId id="407" r:id="rId18"/>
+    <p:sldId id="408" r:id="rId19"/>
+    <p:sldId id="409" r:id="rId20"/>
+    <p:sldId id="410" r:id="rId21"/>
+    <p:sldId id="411" r:id="rId22"/>
+    <p:sldId id="412" r:id="rId23"/>
+    <p:sldId id="413" r:id="rId24"/>
+    <p:sldId id="414" r:id="rId25"/>
+    <p:sldId id="415" r:id="rId26"/>
+    <p:sldId id="418" r:id="rId27"/>
+    <p:sldId id="416" r:id="rId28"/>
+    <p:sldId id="417" r:id="rId29"/>
+    <p:sldId id="419" r:id="rId30"/>
+    <p:sldId id="420" r:id="rId31"/>
+    <p:sldId id="421" r:id="rId32"/>
+    <p:sldId id="329" r:id="rId33"/>
+    <p:sldId id="422" r:id="rId34"/>
+    <p:sldId id="423" r:id="rId35"/>
+    <p:sldId id="429" r:id="rId36"/>
+    <p:sldId id="430" r:id="rId37"/>
+    <p:sldId id="431" r:id="rId38"/>
+    <p:sldId id="432" r:id="rId39"/>
+    <p:sldId id="433" r:id="rId40"/>
+    <p:sldId id="434" r:id="rId41"/>
+    <p:sldId id="435" r:id="rId42"/>
+    <p:sldId id="436" r:id="rId43"/>
+    <p:sldId id="437" r:id="rId44"/>
+    <p:sldId id="438" r:id="rId45"/>
+    <p:sldId id="439" r:id="rId46"/>
+    <p:sldId id="441" r:id="rId47"/>
+    <p:sldId id="442" r:id="rId48"/>
+    <p:sldId id="444" r:id="rId49"/>
+    <p:sldId id="453" r:id="rId50"/>
+    <p:sldId id="428" r:id="rId51"/>
   </p:sldIdLst>
   <p:sldSz cx="9144000" cy="6858000" type="screen4x3"/>
   <p:notesSz cx="7302500" cy="9588500"/>
@@ -9675,7 +9674,15 @@
             </a:br>
             <a:r>
               <a:rPr lang="en-US" dirty="0" smtClean="0"/>
-              <a:t>(and the features of ES2015)</a:t>
+              <a:t>(and the </a:t>
+            </a:r>
+            <a:r>
+              <a:rPr lang="en-US" dirty="0" smtClean="0"/>
+              <a:t>immediate future frameworks)</a:t>
+            </a:r>
+            <a:r>
+              <a:rPr lang="en-US" dirty="0" smtClean="0"/>
+              <a:t/>
             </a:r>
             <a:br>
               <a:rPr lang="en-US" dirty="0" smtClean="0"/>
@@ -9754,7 +9761,7 @@
           <a:p>
             <a:r>
               <a:rPr lang="en-US" dirty="0" smtClean="0"/>
-              <a:t>Problem</a:t>
+              <a:t>Classes</a:t>
             </a:r>
             <a:endParaRPr lang="en-US" dirty="0"/>
           </a:p>
@@ -9775,10 +9782,6 @@
           <a:bodyPr/>
           <a:lstStyle/>
           <a:p>
-            <a:r>
-              <a:rPr lang="en-US" dirty="0" smtClean="0"/>
-              <a:t>All variables are mutable</a:t>
-            </a:r>
             <a:endParaRPr lang="en-US" dirty="0"/>
           </a:p>
         </p:txBody>
@@ -9792,71 +9795,741 @@
           <p:nvPr/>
         </p:nvPicPr>
         <p:blipFill>
-          <a:blip r:embed="rId2" cstate="print">
-            <a:extLst>
-              <a:ext uri="{28A0092B-C50C-407E-A947-70E740481C1C}">
-                <a14:useLocalDpi xmlns:a14="http://schemas.microsoft.com/office/drawing/2010/main" val="0"/>
-              </a:ext>
-            </a:extLst>
-          </a:blip>
+          <a:blip r:embed="rId2"/>
           <a:stretch>
             <a:fillRect/>
           </a:stretch>
         </p:blipFill>
         <p:spPr>
           <a:xfrm>
-            <a:off x="2819400" y="2819400"/>
-            <a:ext cx="1809750" cy="1751272"/>
+            <a:off x="1852612" y="1455150"/>
+            <a:ext cx="5310188" cy="4869450"/>
           </a:xfrm>
           <a:prstGeom prst="rect">
             <a:avLst/>
           </a:prstGeom>
         </p:spPr>
       </p:pic>
-      <p:sp>
-        <p:nvSpPr>
-          <p:cNvPr id="5" name="TextBox 4"/>
-          <p:cNvSpPr txBox="1"/>
+    </p:spTree>
+    <p:extLst>
+      <p:ext uri="{BB962C8B-B14F-4D97-AF65-F5344CB8AC3E}">
+        <p14:creationId xmlns:p14="http://schemas.microsoft.com/office/powerpoint/2010/main" val="533521394"/>
+      </p:ext>
+    </p:extLst>
+  </p:cSld>
+  <p:clrMapOvr>
+    <a:masterClrMapping/>
+  </p:clrMapOvr>
+  <p:transition>
+    <p:fade/>
+  </p:transition>
+  <p:timing>
+    <p:tnLst>
+      <p:par>
+        <p:cTn id="1" dur="indefinite" restart="never" nodeType="tmRoot"/>
+      </p:par>
+    </p:tnLst>
+  </p:timing>
+</p:sld>
+</file>
+
+<file path=ppt/slides/slide11.xml><?xml version="1.0" encoding="utf-8"?>
+<p:sld xmlns:a="http://schemas.openxmlformats.org/drawingml/2006/main" xmlns:r="http://schemas.openxmlformats.org/officeDocument/2006/relationships" xmlns:p="http://schemas.openxmlformats.org/presentationml/2006/main">
+  <p:cSld>
+    <p:spTree>
+      <p:nvGrpSpPr>
+        <p:cNvPr id="1" name=""/>
+        <p:cNvGrpSpPr/>
+        <p:nvPr/>
+      </p:nvGrpSpPr>
+      <p:grpSpPr>
+        <a:xfrm>
+          <a:off x="0" y="0"/>
+          <a:ext cx="0" cy="0"/>
+          <a:chOff x="0" y="0"/>
+          <a:chExt cx="0" cy="0"/>
+        </a:xfrm>
+      </p:grpSpPr>
+      <p:sp>
+        <p:nvSpPr>
+          <p:cNvPr id="2" name="Title 1"/>
+          <p:cNvSpPr>
+            <a:spLocks noGrp="1"/>
+          </p:cNvSpPr>
+          <p:nvPr>
+            <p:ph type="title"/>
+          </p:nvPr>
+        </p:nvSpPr>
+        <p:spPr/>
+        <p:txBody>
+          <a:bodyPr/>
+          <a:lstStyle/>
+          <a:p>
+            <a:r>
+              <a:rPr lang="en-US" dirty="0" smtClean="0"/>
+              <a:t>Inheritance</a:t>
+            </a:r>
+            <a:endParaRPr lang="en-US" dirty="0"/>
+          </a:p>
+        </p:txBody>
+      </p:sp>
+      <p:sp>
+        <p:nvSpPr>
+          <p:cNvPr id="3" name="Text Placeholder 2"/>
+          <p:cNvSpPr>
+            <a:spLocks noGrp="1"/>
+          </p:cNvSpPr>
+          <p:nvPr>
+            <p:ph type="body" idx="1"/>
+          </p:nvPr>
+        </p:nvSpPr>
+        <p:spPr/>
+        <p:txBody>
+          <a:bodyPr/>
+          <a:lstStyle/>
+          <a:p>
+            <a:endParaRPr lang="en-US" dirty="0"/>
+          </a:p>
+        </p:txBody>
+      </p:sp>
+      <p:pic>
+        <p:nvPicPr>
+          <p:cNvPr id="4" name="Picture 3"/>
+          <p:cNvPicPr>
+            <a:picLocks noChangeAspect="1"/>
+          </p:cNvPicPr>
           <p:nvPr/>
-        </p:nvSpPr>
-        <p:spPr bwMode="auto">
+        </p:nvPicPr>
+        <p:blipFill>
+          <a:blip r:embed="rId2"/>
+          <a:stretch>
+            <a:fillRect/>
+          </a:stretch>
+        </p:blipFill>
+        <p:spPr>
           <a:xfrm>
-            <a:off x="4572000" y="2895600"/>
-            <a:ext cx="1354858" cy="1323439"/>
+            <a:off x="457200" y="1473200"/>
+            <a:ext cx="4752975" cy="3200400"/>
           </a:xfrm>
           <a:prstGeom prst="rect">
             <a:avLst/>
           </a:prstGeom>
-          <a:noFill/>
-          <a:ln w="9525">
-            <a:noFill/>
-            <a:miter lim="800000"/>
-            <a:headEnd/>
-            <a:tailEnd/>
-          </a:ln>
         </p:spPr>
-        <p:txBody>
-          <a:bodyPr wrap="none" rtlCol="0">
-            <a:spAutoFit/>
-          </a:bodyPr>
-          <a:lstStyle/>
-          <a:p>
-            <a:r>
-              <a:rPr lang="en-US" sz="8000" dirty="0" smtClean="0">
-                <a:latin typeface="Tekton Pro" pitchFamily="34" charset="0"/>
-              </a:rPr>
-              <a:t>=4</a:t>
-            </a:r>
-            <a:endParaRPr lang="en-US" sz="8000" dirty="0">
-              <a:latin typeface="Tekton Pro" pitchFamily="34" charset="0"/>
-            </a:endParaRPr>
-          </a:p>
-        </p:txBody>
-      </p:sp>
+      </p:pic>
+      <p:pic>
+        <p:nvPicPr>
+          <p:cNvPr id="5" name="Picture 4"/>
+          <p:cNvPicPr>
+            <a:picLocks noChangeAspect="1"/>
+          </p:cNvPicPr>
+          <p:nvPr/>
+        </p:nvPicPr>
+        <p:blipFill>
+          <a:blip r:embed="rId3"/>
+          <a:stretch>
+            <a:fillRect/>
+          </a:stretch>
+        </p:blipFill>
+        <p:spPr>
+          <a:xfrm>
+            <a:off x="2590800" y="2514600"/>
+            <a:ext cx="5705475" cy="3609975"/>
+          </a:xfrm>
+          <a:prstGeom prst="rect">
+            <a:avLst/>
+          </a:prstGeom>
+        </p:spPr>
+      </p:pic>
     </p:spTree>
     <p:extLst>
       <p:ext uri="{BB962C8B-B14F-4D97-AF65-F5344CB8AC3E}">
-        <p14:creationId xmlns:p14="http://schemas.microsoft.com/office/powerpoint/2010/main" val="1499767001"/>
+        <p14:creationId xmlns:p14="http://schemas.microsoft.com/office/powerpoint/2010/main" val="989503368"/>
+      </p:ext>
+    </p:extLst>
+  </p:cSld>
+  <p:clrMapOvr>
+    <a:masterClrMapping/>
+  </p:clrMapOvr>
+  <p:transition>
+    <p:fade/>
+  </p:transition>
+  <p:timing>
+    <p:tnLst>
+      <p:par>
+        <p:cTn id="1" dur="indefinite" restart="never" nodeType="tmRoot"/>
+      </p:par>
+    </p:tnLst>
+  </p:timing>
+</p:sld>
+</file>
+
+<file path=ppt/slides/slide12.xml><?xml version="1.0" encoding="utf-8"?>
+<p:sld xmlns:a="http://schemas.openxmlformats.org/drawingml/2006/main" xmlns:r="http://schemas.openxmlformats.org/officeDocument/2006/relationships" xmlns:p="http://schemas.openxmlformats.org/presentationml/2006/main">
+  <p:cSld>
+    <p:spTree>
+      <p:nvGrpSpPr>
+        <p:cNvPr id="1" name=""/>
+        <p:cNvGrpSpPr/>
+        <p:nvPr/>
+      </p:nvGrpSpPr>
+      <p:grpSpPr>
+        <a:xfrm>
+          <a:off x="0" y="0"/>
+          <a:ext cx="0" cy="0"/>
+          <a:chOff x="0" y="0"/>
+          <a:chExt cx="0" cy="0"/>
+        </a:xfrm>
+      </p:grpSpPr>
+      <p:sp>
+        <p:nvSpPr>
+          <p:cNvPr id="2" name="Title 1"/>
+          <p:cNvSpPr>
+            <a:spLocks noGrp="1"/>
+          </p:cNvSpPr>
+          <p:nvPr>
+            <p:ph type="title"/>
+          </p:nvPr>
+        </p:nvSpPr>
+        <p:spPr/>
+        <p:txBody>
+          <a:bodyPr/>
+          <a:lstStyle/>
+          <a:p>
+            <a:r>
+              <a:rPr lang="en-US" dirty="0" smtClean="0"/>
+              <a:t>Arrow Functions</a:t>
+            </a:r>
+            <a:endParaRPr lang="en-US" dirty="0"/>
+          </a:p>
+        </p:txBody>
+      </p:sp>
+      <p:sp>
+        <p:nvSpPr>
+          <p:cNvPr id="3" name="Text Placeholder 2"/>
+          <p:cNvSpPr>
+            <a:spLocks noGrp="1"/>
+          </p:cNvSpPr>
+          <p:nvPr>
+            <p:ph type="body" idx="1"/>
+          </p:nvPr>
+        </p:nvSpPr>
+        <p:spPr/>
+        <p:txBody>
+          <a:bodyPr/>
+          <a:lstStyle/>
+          <a:p>
+            <a:r>
+              <a:rPr lang="en-US" dirty="0" smtClean="0"/>
+              <a:t>Expressive syntax</a:t>
+            </a:r>
+          </a:p>
+          <a:p>
+            <a:r>
+              <a:rPr lang="en-US" dirty="0" smtClean="0"/>
+              <a:t>Familiar to C# developers</a:t>
+            </a:r>
+            <a:endParaRPr lang="en-US" dirty="0"/>
+          </a:p>
+        </p:txBody>
+      </p:sp>
+      <p:pic>
+        <p:nvPicPr>
+          <p:cNvPr id="4" name="Picture 3"/>
+          <p:cNvPicPr>
+            <a:picLocks noChangeAspect="1"/>
+          </p:cNvPicPr>
+          <p:nvPr/>
+        </p:nvPicPr>
+        <p:blipFill>
+          <a:blip r:embed="rId2"/>
+          <a:stretch>
+            <a:fillRect/>
+          </a:stretch>
+        </p:blipFill>
+        <p:spPr>
+          <a:xfrm>
+            <a:off x="1181100" y="2981325"/>
+            <a:ext cx="6781800" cy="2505075"/>
+          </a:xfrm>
+          <a:prstGeom prst="rect">
+            <a:avLst/>
+          </a:prstGeom>
+        </p:spPr>
+      </p:pic>
+    </p:spTree>
+    <p:extLst>
+      <p:ext uri="{BB962C8B-B14F-4D97-AF65-F5344CB8AC3E}">
+        <p14:creationId xmlns:p14="http://schemas.microsoft.com/office/powerpoint/2010/main" val="1237943148"/>
+      </p:ext>
+    </p:extLst>
+  </p:cSld>
+  <p:clrMapOvr>
+    <a:masterClrMapping/>
+  </p:clrMapOvr>
+  <p:transition>
+    <p:fade/>
+  </p:transition>
+  <p:timing>
+    <p:tnLst>
+      <p:par>
+        <p:cTn id="1" dur="indefinite" restart="never" nodeType="tmRoot"/>
+      </p:par>
+    </p:tnLst>
+  </p:timing>
+</p:sld>
+</file>
+
+<file path=ppt/slides/slide13.xml><?xml version="1.0" encoding="utf-8"?>
+<p:sld xmlns:a="http://schemas.openxmlformats.org/drawingml/2006/main" xmlns:r="http://schemas.openxmlformats.org/officeDocument/2006/relationships" xmlns:p="http://schemas.openxmlformats.org/presentationml/2006/main">
+  <p:cSld>
+    <p:spTree>
+      <p:nvGrpSpPr>
+        <p:cNvPr id="1" name=""/>
+        <p:cNvGrpSpPr/>
+        <p:nvPr/>
+      </p:nvGrpSpPr>
+      <p:grpSpPr>
+        <a:xfrm>
+          <a:off x="0" y="0"/>
+          <a:ext cx="0" cy="0"/>
+          <a:chOff x="0" y="0"/>
+          <a:chExt cx="0" cy="0"/>
+        </a:xfrm>
+      </p:grpSpPr>
+      <p:sp>
+        <p:nvSpPr>
+          <p:cNvPr id="2" name="Title 1"/>
+          <p:cNvSpPr>
+            <a:spLocks noGrp="1"/>
+          </p:cNvSpPr>
+          <p:nvPr>
+            <p:ph type="title"/>
+          </p:nvPr>
+        </p:nvSpPr>
+        <p:spPr/>
+        <p:txBody>
+          <a:bodyPr/>
+          <a:lstStyle/>
+          <a:p>
+            <a:r>
+              <a:rPr lang="en-US" dirty="0" smtClean="0"/>
+              <a:t>Problem: Encapsulating Collections</a:t>
+            </a:r>
+            <a:endParaRPr lang="en-US" dirty="0"/>
+          </a:p>
+        </p:txBody>
+      </p:sp>
+      <p:sp>
+        <p:nvSpPr>
+          <p:cNvPr id="3" name="Text Placeholder 2"/>
+          <p:cNvSpPr>
+            <a:spLocks noGrp="1"/>
+          </p:cNvSpPr>
+          <p:nvPr>
+            <p:ph type="body" idx="1"/>
+          </p:nvPr>
+        </p:nvSpPr>
+        <p:spPr/>
+        <p:txBody>
+          <a:bodyPr/>
+          <a:lstStyle/>
+          <a:p>
+            <a:endParaRPr lang="en-US"/>
+          </a:p>
+        </p:txBody>
+      </p:sp>
+      <p:pic>
+        <p:nvPicPr>
+          <p:cNvPr id="4" name="Picture 3"/>
+          <p:cNvPicPr>
+            <a:picLocks noChangeAspect="1"/>
+          </p:cNvPicPr>
+          <p:nvPr/>
+        </p:nvPicPr>
+        <p:blipFill>
+          <a:blip r:embed="rId2"/>
+          <a:stretch>
+            <a:fillRect/>
+          </a:stretch>
+        </p:blipFill>
+        <p:spPr>
+          <a:xfrm>
+            <a:off x="1023937" y="2033587"/>
+            <a:ext cx="7096125" cy="3324225"/>
+          </a:xfrm>
+          <a:prstGeom prst="rect">
+            <a:avLst/>
+          </a:prstGeom>
+        </p:spPr>
+      </p:pic>
+    </p:spTree>
+    <p:extLst>
+      <p:ext uri="{BB962C8B-B14F-4D97-AF65-F5344CB8AC3E}">
+        <p14:creationId xmlns:p14="http://schemas.microsoft.com/office/powerpoint/2010/main" val="3253405000"/>
+      </p:ext>
+    </p:extLst>
+  </p:cSld>
+  <p:clrMapOvr>
+    <a:masterClrMapping/>
+  </p:clrMapOvr>
+  <p:transition>
+    <p:fade/>
+  </p:transition>
+  <p:timing>
+    <p:tnLst>
+      <p:par>
+        <p:cTn id="1" dur="indefinite" restart="never" nodeType="tmRoot"/>
+      </p:par>
+    </p:tnLst>
+  </p:timing>
+</p:sld>
+</file>
+
+<file path=ppt/slides/slide14.xml><?xml version="1.0" encoding="utf-8"?>
+<p:sld xmlns:a="http://schemas.openxmlformats.org/drawingml/2006/main" xmlns:r="http://schemas.openxmlformats.org/officeDocument/2006/relationships" xmlns:p="http://schemas.openxmlformats.org/presentationml/2006/main">
+  <p:cSld>
+    <p:spTree>
+      <p:nvGrpSpPr>
+        <p:cNvPr id="1" name=""/>
+        <p:cNvGrpSpPr/>
+        <p:nvPr/>
+      </p:nvGrpSpPr>
+      <p:grpSpPr>
+        <a:xfrm>
+          <a:off x="0" y="0"/>
+          <a:ext cx="0" cy="0"/>
+          <a:chOff x="0" y="0"/>
+          <a:chExt cx="0" cy="0"/>
+        </a:xfrm>
+      </p:grpSpPr>
+      <p:sp>
+        <p:nvSpPr>
+          <p:cNvPr id="2" name="Title 1"/>
+          <p:cNvSpPr>
+            <a:spLocks noGrp="1"/>
+          </p:cNvSpPr>
+          <p:nvPr>
+            <p:ph type="title"/>
+          </p:nvPr>
+        </p:nvSpPr>
+        <p:spPr/>
+        <p:txBody>
+          <a:bodyPr/>
+          <a:lstStyle/>
+          <a:p>
+            <a:r>
+              <a:rPr lang="en-US" dirty="0" smtClean="0"/>
+              <a:t>Solution: Iterators and Iterables</a:t>
+            </a:r>
+            <a:endParaRPr lang="en-US" dirty="0"/>
+          </a:p>
+        </p:txBody>
+      </p:sp>
+      <p:sp>
+        <p:nvSpPr>
+          <p:cNvPr id="3" name="Text Placeholder 2"/>
+          <p:cNvSpPr>
+            <a:spLocks noGrp="1"/>
+          </p:cNvSpPr>
+          <p:nvPr>
+            <p:ph type="body" idx="1"/>
+          </p:nvPr>
+        </p:nvSpPr>
+        <p:spPr/>
+        <p:txBody>
+          <a:bodyPr/>
+          <a:lstStyle/>
+          <a:p>
+            <a:endParaRPr lang="en-US"/>
+          </a:p>
+        </p:txBody>
+      </p:sp>
+      <p:pic>
+        <p:nvPicPr>
+          <p:cNvPr id="4" name="Picture 3"/>
+          <p:cNvPicPr>
+            <a:picLocks noChangeAspect="1"/>
+          </p:cNvPicPr>
+          <p:nvPr/>
+        </p:nvPicPr>
+        <p:blipFill>
+          <a:blip r:embed="rId2"/>
+          <a:stretch>
+            <a:fillRect/>
+          </a:stretch>
+        </p:blipFill>
+        <p:spPr>
+          <a:xfrm>
+            <a:off x="1447800" y="1752600"/>
+            <a:ext cx="6562725" cy="3657600"/>
+          </a:xfrm>
+          <a:prstGeom prst="rect">
+            <a:avLst/>
+          </a:prstGeom>
+        </p:spPr>
+      </p:pic>
+    </p:spTree>
+    <p:extLst>
+      <p:ext uri="{BB962C8B-B14F-4D97-AF65-F5344CB8AC3E}">
+        <p14:creationId xmlns:p14="http://schemas.microsoft.com/office/powerpoint/2010/main" val="1902682904"/>
+      </p:ext>
+    </p:extLst>
+  </p:cSld>
+  <p:clrMapOvr>
+    <a:masterClrMapping/>
+  </p:clrMapOvr>
+  <p:transition>
+    <p:fade/>
+  </p:transition>
+  <p:timing>
+    <p:tnLst>
+      <p:par>
+        <p:cTn id="1" dur="indefinite" restart="never" nodeType="tmRoot"/>
+      </p:par>
+    </p:tnLst>
+  </p:timing>
+</p:sld>
+</file>
+
+<file path=ppt/slides/slide15.xml><?xml version="1.0" encoding="utf-8"?>
+<p:sld xmlns:a="http://schemas.openxmlformats.org/drawingml/2006/main" xmlns:r="http://schemas.openxmlformats.org/officeDocument/2006/relationships" xmlns:p="http://schemas.openxmlformats.org/presentationml/2006/main">
+  <p:cSld>
+    <p:spTree>
+      <p:nvGrpSpPr>
+        <p:cNvPr id="1" name=""/>
+        <p:cNvGrpSpPr/>
+        <p:nvPr/>
+      </p:nvGrpSpPr>
+      <p:grpSpPr>
+        <a:xfrm>
+          <a:off x="0" y="0"/>
+          <a:ext cx="0" cy="0"/>
+          <a:chOff x="0" y="0"/>
+          <a:chExt cx="0" cy="0"/>
+        </a:xfrm>
+      </p:grpSpPr>
+      <p:sp>
+        <p:nvSpPr>
+          <p:cNvPr id="2" name="Title 1"/>
+          <p:cNvSpPr>
+            <a:spLocks noGrp="1"/>
+          </p:cNvSpPr>
+          <p:nvPr>
+            <p:ph type="title"/>
+          </p:nvPr>
+        </p:nvSpPr>
+        <p:spPr/>
+        <p:txBody>
+          <a:bodyPr/>
+          <a:lstStyle/>
+          <a:p>
+            <a:r>
+              <a:rPr lang="en-US" dirty="0"/>
+              <a:t>f</a:t>
+            </a:r>
+            <a:r>
+              <a:rPr lang="en-US" dirty="0" smtClean="0"/>
+              <a:t>or of</a:t>
+            </a:r>
+            <a:endParaRPr lang="en-US" dirty="0"/>
+          </a:p>
+        </p:txBody>
+      </p:sp>
+      <p:sp>
+        <p:nvSpPr>
+          <p:cNvPr id="3" name="Text Placeholder 2"/>
+          <p:cNvSpPr>
+            <a:spLocks noGrp="1"/>
+          </p:cNvSpPr>
+          <p:nvPr>
+            <p:ph type="body" idx="1"/>
+          </p:nvPr>
+        </p:nvSpPr>
+        <p:spPr/>
+        <p:txBody>
+          <a:bodyPr/>
+          <a:lstStyle/>
+          <a:p>
+            <a:endParaRPr lang="en-US"/>
+          </a:p>
+        </p:txBody>
+      </p:sp>
+      <p:pic>
+        <p:nvPicPr>
+          <p:cNvPr id="4" name="Picture 3"/>
+          <p:cNvPicPr>
+            <a:picLocks noChangeAspect="1"/>
+          </p:cNvPicPr>
+          <p:nvPr/>
+        </p:nvPicPr>
+        <p:blipFill>
+          <a:blip r:embed="rId2"/>
+          <a:stretch>
+            <a:fillRect/>
+          </a:stretch>
+        </p:blipFill>
+        <p:spPr>
+          <a:xfrm>
+            <a:off x="1447800" y="2081212"/>
+            <a:ext cx="6248400" cy="2695575"/>
+          </a:xfrm>
+          <a:prstGeom prst="rect">
+            <a:avLst/>
+          </a:prstGeom>
+        </p:spPr>
+      </p:pic>
+    </p:spTree>
+    <p:extLst>
+      <p:ext uri="{BB962C8B-B14F-4D97-AF65-F5344CB8AC3E}">
+        <p14:creationId xmlns:p14="http://schemas.microsoft.com/office/powerpoint/2010/main" val="3647026316"/>
+      </p:ext>
+    </p:extLst>
+  </p:cSld>
+  <p:clrMapOvr>
+    <a:masterClrMapping/>
+  </p:clrMapOvr>
+  <p:transition>
+    <p:fade/>
+  </p:transition>
+  <p:timing>
+    <p:tnLst>
+      <p:par>
+        <p:cTn id="1" dur="indefinite" restart="never" nodeType="tmRoot"/>
+      </p:par>
+    </p:tnLst>
+  </p:timing>
+</p:sld>
+</file>
+
+<file path=ppt/slides/slide16.xml><?xml version="1.0" encoding="utf-8"?>
+<p:sld xmlns:a="http://schemas.openxmlformats.org/drawingml/2006/main" xmlns:r="http://schemas.openxmlformats.org/officeDocument/2006/relationships" xmlns:p="http://schemas.openxmlformats.org/presentationml/2006/main">
+  <p:cSld>
+    <p:spTree>
+      <p:nvGrpSpPr>
+        <p:cNvPr id="1" name=""/>
+        <p:cNvGrpSpPr/>
+        <p:nvPr/>
+      </p:nvGrpSpPr>
+      <p:grpSpPr>
+        <a:xfrm>
+          <a:off x="0" y="0"/>
+          <a:ext cx="0" cy="0"/>
+          <a:chOff x="0" y="0"/>
+          <a:chExt cx="0" cy="0"/>
+        </a:xfrm>
+      </p:grpSpPr>
+      <p:sp>
+        <p:nvSpPr>
+          <p:cNvPr id="2" name="Title 1"/>
+          <p:cNvSpPr>
+            <a:spLocks noGrp="1"/>
+          </p:cNvSpPr>
+          <p:nvPr>
+            <p:ph type="title"/>
+          </p:nvPr>
+        </p:nvSpPr>
+        <p:spPr/>
+        <p:txBody>
+          <a:bodyPr/>
+          <a:lstStyle/>
+          <a:p>
+            <a:r>
+              <a:rPr lang="en-US" dirty="0" smtClean="0"/>
+              <a:t>Symbol</a:t>
+            </a:r>
+            <a:endParaRPr lang="en-US" dirty="0"/>
+          </a:p>
+        </p:txBody>
+      </p:sp>
+      <p:sp>
+        <p:nvSpPr>
+          <p:cNvPr id="3" name="Text Placeholder 2"/>
+          <p:cNvSpPr>
+            <a:spLocks noGrp="1"/>
+          </p:cNvSpPr>
+          <p:nvPr>
+            <p:ph type="body" idx="1"/>
+          </p:nvPr>
+        </p:nvSpPr>
+        <p:spPr/>
+        <p:txBody>
+          <a:bodyPr/>
+          <a:lstStyle/>
+          <a:p>
+            <a:r>
+              <a:rPr lang="en-US" dirty="0" smtClean="0"/>
+              <a:t>A new type where every value is </a:t>
+            </a:r>
+            <a:r>
+              <a:rPr lang="en-US" dirty="0"/>
+              <a:t>u</a:t>
+            </a:r>
+            <a:r>
+              <a:rPr lang="en-US" dirty="0" smtClean="0"/>
+              <a:t>nique and immutable</a:t>
+            </a:r>
+          </a:p>
+          <a:p>
+            <a:r>
+              <a:rPr lang="en-US" dirty="0" smtClean="0"/>
+              <a:t>Can use a symbol as a key into an object</a:t>
+            </a:r>
+            <a:endParaRPr lang="en-US" dirty="0"/>
+          </a:p>
+        </p:txBody>
+      </p:sp>
+      <p:pic>
+        <p:nvPicPr>
+          <p:cNvPr id="4" name="Picture 3"/>
+          <p:cNvPicPr>
+            <a:picLocks noChangeAspect="1"/>
+          </p:cNvPicPr>
+          <p:nvPr/>
+        </p:nvPicPr>
+        <p:blipFill>
+          <a:blip r:embed="rId2"/>
+          <a:stretch>
+            <a:fillRect/>
+          </a:stretch>
+        </p:blipFill>
+        <p:spPr>
+          <a:xfrm>
+            <a:off x="304800" y="2333625"/>
+            <a:ext cx="6800850" cy="1933575"/>
+          </a:xfrm>
+          <a:prstGeom prst="rect">
+            <a:avLst/>
+          </a:prstGeom>
+        </p:spPr>
+      </p:pic>
+      <p:pic>
+        <p:nvPicPr>
+          <p:cNvPr id="5" name="Picture 4"/>
+          <p:cNvPicPr>
+            <a:picLocks noChangeAspect="1"/>
+          </p:cNvPicPr>
+          <p:nvPr/>
+        </p:nvPicPr>
+        <p:blipFill>
+          <a:blip r:embed="rId3"/>
+          <a:stretch>
+            <a:fillRect/>
+          </a:stretch>
+        </p:blipFill>
+        <p:spPr>
+          <a:xfrm>
+            <a:off x="2209800" y="2971800"/>
+            <a:ext cx="6324600" cy="3248025"/>
+          </a:xfrm>
+          <a:prstGeom prst="rect">
+            <a:avLst/>
+          </a:prstGeom>
+        </p:spPr>
+      </p:pic>
+    </p:spTree>
+    <p:extLst>
+      <p:ext uri="{BB962C8B-B14F-4D97-AF65-F5344CB8AC3E}">
+        <p14:creationId xmlns:p14="http://schemas.microsoft.com/office/powerpoint/2010/main" val="3501542250"/>
       </p:ext>
     </p:extLst>
   </p:cSld>
@@ -9940,7 +10613,7 @@
                             </p:stCondLst>
                             <p:childTnLst>
                               <p:par>
-                                <p:cTn id="10" presetID="10" presetClass="entr" presetSubtype="0" fill="hold" grpId="0" nodeType="clickEffect">
+                                <p:cTn id="10" presetID="10" presetClass="entr" presetSubtype="0" fill="hold" nodeType="clickEffect">
                                   <p:stCondLst>
                                     <p:cond delay="0"/>
                                   </p:stCondLst>
@@ -10001,14 +10674,11 @@
         </p:cTn>
       </p:par>
     </p:tnLst>
-    <p:bldLst>
-      <p:bldP spid="5" grpId="0"/>
-    </p:bldLst>
   </p:timing>
 </p:sld>
 </file>
 
-<file path=ppt/slides/slide11.xml><?xml version="1.0" encoding="utf-8"?>
+<file path=ppt/slides/slide17.xml><?xml version="1.0" encoding="utf-8"?>
 <p:sld xmlns:a="http://schemas.openxmlformats.org/drawingml/2006/main" xmlns:r="http://schemas.openxmlformats.org/officeDocument/2006/relationships" xmlns:p="http://schemas.openxmlformats.org/presentationml/2006/main">
   <p:cSld>
     <p:spTree>
@@ -10041,12 +10711,31 @@
           <a:lstStyle/>
           <a:p>
             <a:r>
+              <a:rPr lang="en-US" dirty="0" err="1" smtClean="0"/>
+              <a:t>Symbol.iterator</a:t>
+            </a:r>
+            <a:endParaRPr lang="en-US" dirty="0"/>
+          </a:p>
+        </p:txBody>
+      </p:sp>
+      <p:sp>
+        <p:nvSpPr>
+          <p:cNvPr id="3" name="Text Placeholder 2"/>
+          <p:cNvSpPr>
+            <a:spLocks noGrp="1"/>
+          </p:cNvSpPr>
+          <p:nvPr>
+            <p:ph type="body" idx="1"/>
+          </p:nvPr>
+        </p:nvSpPr>
+        <p:spPr/>
+        <p:txBody>
+          <a:bodyPr/>
+          <a:lstStyle/>
+          <a:p>
+            <a:r>
               <a:rPr lang="en-US" dirty="0" smtClean="0"/>
-              <a:t>Solution: </a:t>
-            </a:r>
-            <a:r>
-              <a:rPr lang="en-US" dirty="0" err="1" smtClean="0"/>
-              <a:t>const</a:t>
+              <a:t>A magic method that makes an object iterable</a:t>
             </a:r>
             <a:endParaRPr lang="en-US" dirty="0"/>
           </a:p>
@@ -10054,7 +10743,7 @@
       </p:sp>
       <p:pic>
         <p:nvPicPr>
-          <p:cNvPr id="3" name="Picture 2"/>
+          <p:cNvPr id="4" name="Picture 3"/>
           <p:cNvPicPr>
             <a:picLocks noChangeAspect="1"/>
           </p:cNvPicPr>
@@ -10068,8 +10757,8 @@
         </p:blipFill>
         <p:spPr>
           <a:xfrm>
-            <a:off x="1738312" y="2057400"/>
-            <a:ext cx="5667375" cy="2114550"/>
+            <a:off x="223837" y="2124075"/>
+            <a:ext cx="8696325" cy="2609850"/>
           </a:xfrm>
           <a:prstGeom prst="rect">
             <a:avLst/>
@@ -10079,7 +10768,7 @@
     </p:spTree>
     <p:extLst>
       <p:ext uri="{BB962C8B-B14F-4D97-AF65-F5344CB8AC3E}">
-        <p14:creationId xmlns:p14="http://schemas.microsoft.com/office/powerpoint/2010/main" val="1439712674"/>
+        <p14:creationId xmlns:p14="http://schemas.microsoft.com/office/powerpoint/2010/main" val="2187852041"/>
       </p:ext>
     </p:extLst>
   </p:cSld>
@@ -10099,7 +10788,7 @@
 </p:sld>
 </file>
 
-<file path=ppt/slides/slide12.xml><?xml version="1.0" encoding="utf-8"?>
+<file path=ppt/slides/slide18.xml><?xml version="1.0" encoding="utf-8"?>
 <p:sld xmlns:a="http://schemas.openxmlformats.org/drawingml/2006/main" xmlns:r="http://schemas.openxmlformats.org/officeDocument/2006/relationships" xmlns:p="http://schemas.openxmlformats.org/presentationml/2006/main">
   <p:cSld>
     <p:spTree>
@@ -10132,8 +10821,8 @@
           <a:lstStyle/>
           <a:p>
             <a:r>
-              <a:rPr lang="en-US" dirty="0" err="1" smtClean="0"/>
-              <a:t>Destructuring</a:t>
+              <a:rPr lang="en-US" dirty="0" smtClean="0"/>
+              <a:t>Make Your Own Iterable</a:t>
             </a:r>
             <a:endParaRPr lang="en-US" dirty="0"/>
           </a:p>
@@ -10154,11 +10843,7 @@
           <a:bodyPr/>
           <a:lstStyle/>
           <a:p>
-            <a:r>
-              <a:rPr lang="en-US" dirty="0" smtClean="0"/>
-              <a:t>The opposite of constructing is destructing</a:t>
-            </a:r>
-            <a:endParaRPr lang="en-US" dirty="0"/>
+            <a:endParaRPr lang="en-US"/>
           </a:p>
         </p:txBody>
       </p:sp>
@@ -10178,8 +10863,8 @@
         </p:blipFill>
         <p:spPr>
           <a:xfrm>
-            <a:off x="685800" y="2209800"/>
-            <a:ext cx="5133975" cy="2409825"/>
+            <a:off x="381000" y="1143000"/>
+            <a:ext cx="7324725" cy="3457575"/>
           </a:xfrm>
           <a:prstGeom prst="rect">
             <a:avLst/>
@@ -10202,8 +10887,8 @@
         </p:blipFill>
         <p:spPr>
           <a:xfrm>
-            <a:off x="2514600" y="3019425"/>
-            <a:ext cx="6229350" cy="3200400"/>
+            <a:off x="609600" y="1441450"/>
+            <a:ext cx="8248650" cy="4876800"/>
           </a:xfrm>
           <a:prstGeom prst="rect">
             <a:avLst/>
@@ -10213,7 +10898,7 @@
     </p:spTree>
     <p:extLst>
       <p:ext uri="{BB962C8B-B14F-4D97-AF65-F5344CB8AC3E}">
-        <p14:creationId xmlns:p14="http://schemas.microsoft.com/office/powerpoint/2010/main" val="4187059143"/>
+        <p14:creationId xmlns:p14="http://schemas.microsoft.com/office/powerpoint/2010/main" val="456951398"/>
       </p:ext>
     </p:extLst>
   </p:cSld>
@@ -10309,766 +10994,6 @@
 </p:sld>
 </file>
 
-<file path=ppt/slides/slide13.xml><?xml version="1.0" encoding="utf-8"?>
-<p:sld xmlns:a="http://schemas.openxmlformats.org/drawingml/2006/main" xmlns:r="http://schemas.openxmlformats.org/officeDocument/2006/relationships" xmlns:p="http://schemas.openxmlformats.org/presentationml/2006/main">
-  <p:cSld>
-    <p:spTree>
-      <p:nvGrpSpPr>
-        <p:cNvPr id="1" name=""/>
-        <p:cNvGrpSpPr/>
-        <p:nvPr/>
-      </p:nvGrpSpPr>
-      <p:grpSpPr>
-        <a:xfrm>
-          <a:off x="0" y="0"/>
-          <a:ext cx="0" cy="0"/>
-          <a:chOff x="0" y="0"/>
-          <a:chExt cx="0" cy="0"/>
-        </a:xfrm>
-      </p:grpSpPr>
-      <p:sp>
-        <p:nvSpPr>
-          <p:cNvPr id="2" name="Title 1"/>
-          <p:cNvSpPr>
-            <a:spLocks noGrp="1"/>
-          </p:cNvSpPr>
-          <p:nvPr>
-            <p:ph type="title"/>
-          </p:nvPr>
-        </p:nvSpPr>
-        <p:spPr/>
-        <p:txBody>
-          <a:bodyPr/>
-          <a:lstStyle/>
-          <a:p>
-            <a:r>
-              <a:rPr lang="en-US" dirty="0" smtClean="0"/>
-              <a:t>Destructuring Objects</a:t>
-            </a:r>
-            <a:endParaRPr lang="en-US" dirty="0"/>
-          </a:p>
-        </p:txBody>
-      </p:sp>
-      <p:sp>
-        <p:nvSpPr>
-          <p:cNvPr id="3" name="Text Placeholder 2"/>
-          <p:cNvSpPr>
-            <a:spLocks noGrp="1"/>
-          </p:cNvSpPr>
-          <p:nvPr>
-            <p:ph type="body" idx="1"/>
-          </p:nvPr>
-        </p:nvSpPr>
-        <p:spPr/>
-        <p:txBody>
-          <a:bodyPr/>
-          <a:lstStyle/>
-          <a:p>
-            <a:endParaRPr lang="en-US"/>
-          </a:p>
-        </p:txBody>
-      </p:sp>
-      <p:pic>
-        <p:nvPicPr>
-          <p:cNvPr id="4" name="Picture 3"/>
-          <p:cNvPicPr>
-            <a:picLocks noChangeAspect="1"/>
-          </p:cNvPicPr>
-          <p:nvPr/>
-        </p:nvPicPr>
-        <p:blipFill>
-          <a:blip r:embed="rId2"/>
-          <a:stretch>
-            <a:fillRect/>
-          </a:stretch>
-        </p:blipFill>
-        <p:spPr>
-          <a:xfrm>
-            <a:off x="768350" y="2362200"/>
-            <a:ext cx="7924800" cy="2200275"/>
-          </a:xfrm>
-          <a:prstGeom prst="rect">
-            <a:avLst/>
-          </a:prstGeom>
-        </p:spPr>
-      </p:pic>
-    </p:spTree>
-    <p:extLst>
-      <p:ext uri="{BB962C8B-B14F-4D97-AF65-F5344CB8AC3E}">
-        <p14:creationId xmlns:p14="http://schemas.microsoft.com/office/powerpoint/2010/main" val="1118200525"/>
-      </p:ext>
-    </p:extLst>
-  </p:cSld>
-  <p:clrMapOvr>
-    <a:masterClrMapping/>
-  </p:clrMapOvr>
-  <p:transition>
-    <p:fade/>
-  </p:transition>
-  <p:timing>
-    <p:tnLst>
-      <p:par>
-        <p:cTn id="1" dur="indefinite" restart="never" nodeType="tmRoot"/>
-      </p:par>
-    </p:tnLst>
-  </p:timing>
-</p:sld>
-</file>
-
-<file path=ppt/slides/slide14.xml><?xml version="1.0" encoding="utf-8"?>
-<p:sld xmlns:a="http://schemas.openxmlformats.org/drawingml/2006/main" xmlns:r="http://schemas.openxmlformats.org/officeDocument/2006/relationships" xmlns:p="http://schemas.openxmlformats.org/presentationml/2006/main">
-  <p:cSld>
-    <p:spTree>
-      <p:nvGrpSpPr>
-        <p:cNvPr id="1" name=""/>
-        <p:cNvGrpSpPr/>
-        <p:nvPr/>
-      </p:nvGrpSpPr>
-      <p:grpSpPr>
-        <a:xfrm>
-          <a:off x="0" y="0"/>
-          <a:ext cx="0" cy="0"/>
-          <a:chOff x="0" y="0"/>
-          <a:chExt cx="0" cy="0"/>
-        </a:xfrm>
-      </p:grpSpPr>
-      <p:sp>
-        <p:nvSpPr>
-          <p:cNvPr id="2" name="Title 1"/>
-          <p:cNvSpPr>
-            <a:spLocks noGrp="1"/>
-          </p:cNvSpPr>
-          <p:nvPr>
-            <p:ph type="title"/>
-          </p:nvPr>
-        </p:nvSpPr>
-        <p:spPr/>
-        <p:txBody>
-          <a:bodyPr/>
-          <a:lstStyle/>
-          <a:p>
-            <a:r>
-              <a:rPr lang="en-US" dirty="0" smtClean="0"/>
-              <a:t>Problem: Default Values</a:t>
-            </a:r>
-            <a:endParaRPr lang="en-US" dirty="0"/>
-          </a:p>
-        </p:txBody>
-      </p:sp>
-      <p:sp>
-        <p:nvSpPr>
-          <p:cNvPr id="3" name="Text Placeholder 2"/>
-          <p:cNvSpPr>
-            <a:spLocks noGrp="1"/>
-          </p:cNvSpPr>
-          <p:nvPr>
-            <p:ph type="body" idx="1"/>
-          </p:nvPr>
-        </p:nvSpPr>
-        <p:spPr/>
-        <p:txBody>
-          <a:bodyPr/>
-          <a:lstStyle/>
-          <a:p>
-            <a:r>
-              <a:rPr lang="en-US" dirty="0" smtClean="0"/>
-              <a:t>Default are buried in the function code</a:t>
-            </a:r>
-            <a:endParaRPr lang="en-US" dirty="0"/>
-          </a:p>
-        </p:txBody>
-      </p:sp>
-      <p:pic>
-        <p:nvPicPr>
-          <p:cNvPr id="4" name="Picture 3"/>
-          <p:cNvPicPr>
-            <a:picLocks noChangeAspect="1"/>
-          </p:cNvPicPr>
-          <p:nvPr/>
-        </p:nvPicPr>
-        <p:blipFill>
-          <a:blip r:embed="rId2"/>
-          <a:stretch>
-            <a:fillRect/>
-          </a:stretch>
-        </p:blipFill>
-        <p:spPr>
-          <a:xfrm>
-            <a:off x="1843087" y="2514600"/>
-            <a:ext cx="5457825" cy="2667000"/>
-          </a:xfrm>
-          <a:prstGeom prst="rect">
-            <a:avLst/>
-          </a:prstGeom>
-        </p:spPr>
-      </p:pic>
-    </p:spTree>
-    <p:extLst>
-      <p:ext uri="{BB962C8B-B14F-4D97-AF65-F5344CB8AC3E}">
-        <p14:creationId xmlns:p14="http://schemas.microsoft.com/office/powerpoint/2010/main" val="2392952611"/>
-      </p:ext>
-    </p:extLst>
-  </p:cSld>
-  <p:clrMapOvr>
-    <a:masterClrMapping/>
-  </p:clrMapOvr>
-  <p:transition>
-    <p:fade/>
-  </p:transition>
-  <p:timing>
-    <p:tnLst>
-      <p:par>
-        <p:cTn id="1" dur="indefinite" restart="never" nodeType="tmRoot"/>
-      </p:par>
-    </p:tnLst>
-  </p:timing>
-</p:sld>
-</file>
-
-<file path=ppt/slides/slide15.xml><?xml version="1.0" encoding="utf-8"?>
-<p:sld xmlns:a="http://schemas.openxmlformats.org/drawingml/2006/main" xmlns:r="http://schemas.openxmlformats.org/officeDocument/2006/relationships" xmlns:p="http://schemas.openxmlformats.org/presentationml/2006/main">
-  <p:cSld>
-    <p:spTree>
-      <p:nvGrpSpPr>
-        <p:cNvPr id="1" name=""/>
-        <p:cNvGrpSpPr/>
-        <p:nvPr/>
-      </p:nvGrpSpPr>
-      <p:grpSpPr>
-        <a:xfrm>
-          <a:off x="0" y="0"/>
-          <a:ext cx="0" cy="0"/>
-          <a:chOff x="0" y="0"/>
-          <a:chExt cx="0" cy="0"/>
-        </a:xfrm>
-      </p:grpSpPr>
-      <p:sp>
-        <p:nvSpPr>
-          <p:cNvPr id="2" name="Title 1"/>
-          <p:cNvSpPr>
-            <a:spLocks noGrp="1"/>
-          </p:cNvSpPr>
-          <p:nvPr>
-            <p:ph type="title"/>
-          </p:nvPr>
-        </p:nvSpPr>
-        <p:spPr/>
-        <p:txBody>
-          <a:bodyPr/>
-          <a:lstStyle/>
-          <a:p>
-            <a:r>
-              <a:rPr lang="en-US" dirty="0" smtClean="0"/>
-              <a:t>Solution: Default Parameter Values</a:t>
-            </a:r>
-            <a:endParaRPr lang="en-US" dirty="0"/>
-          </a:p>
-        </p:txBody>
-      </p:sp>
-      <p:sp>
-        <p:nvSpPr>
-          <p:cNvPr id="3" name="Text Placeholder 2"/>
-          <p:cNvSpPr>
-            <a:spLocks noGrp="1"/>
-          </p:cNvSpPr>
-          <p:nvPr>
-            <p:ph type="body" idx="1"/>
-          </p:nvPr>
-        </p:nvSpPr>
-        <p:spPr/>
-        <p:txBody>
-          <a:bodyPr/>
-          <a:lstStyle/>
-          <a:p>
-            <a:endParaRPr lang="en-US" dirty="0"/>
-          </a:p>
-        </p:txBody>
-      </p:sp>
-      <p:pic>
-        <p:nvPicPr>
-          <p:cNvPr id="4" name="Picture 3"/>
-          <p:cNvPicPr>
-            <a:picLocks noChangeAspect="1"/>
-          </p:cNvPicPr>
-          <p:nvPr/>
-        </p:nvPicPr>
-        <p:blipFill>
-          <a:blip r:embed="rId2"/>
-          <a:stretch>
-            <a:fillRect/>
-          </a:stretch>
-        </p:blipFill>
-        <p:spPr>
-          <a:xfrm>
-            <a:off x="463550" y="1447800"/>
-            <a:ext cx="6172200" cy="2762250"/>
-          </a:xfrm>
-          <a:prstGeom prst="rect">
-            <a:avLst/>
-          </a:prstGeom>
-        </p:spPr>
-      </p:pic>
-      <p:pic>
-        <p:nvPicPr>
-          <p:cNvPr id="5" name="Picture 4"/>
-          <p:cNvPicPr>
-            <a:picLocks noChangeAspect="1"/>
-          </p:cNvPicPr>
-          <p:nvPr/>
-        </p:nvPicPr>
-        <p:blipFill>
-          <a:blip r:embed="rId3"/>
-          <a:stretch>
-            <a:fillRect/>
-          </a:stretch>
-        </p:blipFill>
-        <p:spPr>
-          <a:xfrm>
-            <a:off x="1752600" y="2162175"/>
-            <a:ext cx="6524625" cy="4391025"/>
-          </a:xfrm>
-          <a:prstGeom prst="rect">
-            <a:avLst/>
-          </a:prstGeom>
-        </p:spPr>
-      </p:pic>
-    </p:spTree>
-    <p:extLst>
-      <p:ext uri="{BB962C8B-B14F-4D97-AF65-F5344CB8AC3E}">
-        <p14:creationId xmlns:p14="http://schemas.microsoft.com/office/powerpoint/2010/main" val="1857714044"/>
-      </p:ext>
-    </p:extLst>
-  </p:cSld>
-  <p:clrMapOvr>
-    <a:masterClrMapping/>
-  </p:clrMapOvr>
-  <p:transition>
-    <p:fade/>
-  </p:transition>
-  <p:timing>
-    <p:tnLst>
-      <p:par>
-        <p:cTn id="1" dur="indefinite" restart="never" nodeType="tmRoot">
-          <p:childTnLst>
-            <p:seq concurrent="1" nextAc="seek">
-              <p:cTn id="2" dur="indefinite" nodeType="mainSeq">
-                <p:childTnLst>
-                  <p:par>
-                    <p:cTn id="3" fill="hold">
-                      <p:stCondLst>
-                        <p:cond delay="indefinite"/>
-                      </p:stCondLst>
-                      <p:childTnLst>
-                        <p:par>
-                          <p:cTn id="4" fill="hold">
-                            <p:stCondLst>
-                              <p:cond delay="0"/>
-                            </p:stCondLst>
-                            <p:childTnLst>
-                              <p:par>
-                                <p:cTn id="5" presetID="10" presetClass="entr" presetSubtype="0" fill="hold" nodeType="clickEffect">
-                                  <p:stCondLst>
-                                    <p:cond delay="0"/>
-                                  </p:stCondLst>
-                                  <p:childTnLst>
-                                    <p:set>
-                                      <p:cBhvr>
-                                        <p:cTn id="6" dur="1" fill="hold">
-                                          <p:stCondLst>
-                                            <p:cond delay="0"/>
-                                          </p:stCondLst>
-                                        </p:cTn>
-                                        <p:tgtEl>
-                                          <p:spTgt spid="5"/>
-                                        </p:tgtEl>
-                                        <p:attrNameLst>
-                                          <p:attrName>style.visibility</p:attrName>
-                                        </p:attrNameLst>
-                                      </p:cBhvr>
-                                      <p:to>
-                                        <p:strVal val="visible"/>
-                                      </p:to>
-                                    </p:set>
-                                    <p:animEffect transition="in" filter="fade">
-                                      <p:cBhvr>
-                                        <p:cTn id="7" dur="500"/>
-                                        <p:tgtEl>
-                                          <p:spTgt spid="5"/>
-                                        </p:tgtEl>
-                                      </p:cBhvr>
-                                    </p:animEffect>
-                                  </p:childTnLst>
-                                </p:cTn>
-                              </p:par>
-                            </p:childTnLst>
-                          </p:cTn>
-                        </p:par>
-                      </p:childTnLst>
-                    </p:cTn>
-                  </p:par>
-                </p:childTnLst>
-              </p:cTn>
-              <p:prevCondLst>
-                <p:cond evt="onPrev" delay="0">
-                  <p:tgtEl>
-                    <p:sldTgt/>
-                  </p:tgtEl>
-                </p:cond>
-              </p:prevCondLst>
-              <p:nextCondLst>
-                <p:cond evt="onNext" delay="0">
-                  <p:tgtEl>
-                    <p:sldTgt/>
-                  </p:tgtEl>
-                </p:cond>
-              </p:nextCondLst>
-            </p:seq>
-          </p:childTnLst>
-        </p:cTn>
-      </p:par>
-    </p:tnLst>
-  </p:timing>
-</p:sld>
-</file>
-
-<file path=ppt/slides/slide16.xml><?xml version="1.0" encoding="utf-8"?>
-<p:sld xmlns:a="http://schemas.openxmlformats.org/drawingml/2006/main" xmlns:r="http://schemas.openxmlformats.org/officeDocument/2006/relationships" xmlns:p="http://schemas.openxmlformats.org/presentationml/2006/main">
-  <p:cSld>
-    <p:spTree>
-      <p:nvGrpSpPr>
-        <p:cNvPr id="1" name=""/>
-        <p:cNvGrpSpPr/>
-        <p:nvPr/>
-      </p:nvGrpSpPr>
-      <p:grpSpPr>
-        <a:xfrm>
-          <a:off x="0" y="0"/>
-          <a:ext cx="0" cy="0"/>
-          <a:chOff x="0" y="0"/>
-          <a:chExt cx="0" cy="0"/>
-        </a:xfrm>
-      </p:grpSpPr>
-      <p:sp>
-        <p:nvSpPr>
-          <p:cNvPr id="2" name="Title 1"/>
-          <p:cNvSpPr>
-            <a:spLocks noGrp="1"/>
-          </p:cNvSpPr>
-          <p:nvPr>
-            <p:ph type="title"/>
-          </p:nvPr>
-        </p:nvSpPr>
-        <p:spPr/>
-        <p:txBody>
-          <a:bodyPr/>
-          <a:lstStyle/>
-          <a:p>
-            <a:r>
-              <a:rPr lang="en-US" dirty="0" smtClean="0"/>
-              <a:t>Problem: Variable Number of Arguments</a:t>
-            </a:r>
-            <a:endParaRPr lang="en-US" dirty="0"/>
-          </a:p>
-        </p:txBody>
-      </p:sp>
-      <p:sp>
-        <p:nvSpPr>
-          <p:cNvPr id="3" name="Text Placeholder 2"/>
-          <p:cNvSpPr>
-            <a:spLocks noGrp="1"/>
-          </p:cNvSpPr>
-          <p:nvPr>
-            <p:ph type="body" idx="1"/>
-          </p:nvPr>
-        </p:nvSpPr>
-        <p:spPr/>
-        <p:txBody>
-          <a:bodyPr/>
-          <a:lstStyle/>
-          <a:p>
-            <a:r>
-              <a:rPr lang="en-US" dirty="0" smtClean="0"/>
-              <a:t>Syntax is not obvious to the consumer</a:t>
-            </a:r>
-            <a:endParaRPr lang="en-US" dirty="0"/>
-          </a:p>
-        </p:txBody>
-      </p:sp>
-      <p:pic>
-        <p:nvPicPr>
-          <p:cNvPr id="4" name="Picture 3"/>
-          <p:cNvPicPr>
-            <a:picLocks noChangeAspect="1"/>
-          </p:cNvPicPr>
-          <p:nvPr/>
-        </p:nvPicPr>
-        <p:blipFill>
-          <a:blip r:embed="rId2"/>
-          <a:stretch>
-            <a:fillRect/>
-          </a:stretch>
-        </p:blipFill>
-        <p:spPr>
-          <a:xfrm>
-            <a:off x="709612" y="2543175"/>
-            <a:ext cx="7724775" cy="2562225"/>
-          </a:xfrm>
-          <a:prstGeom prst="rect">
-            <a:avLst/>
-          </a:prstGeom>
-        </p:spPr>
-      </p:pic>
-    </p:spTree>
-    <p:extLst>
-      <p:ext uri="{BB962C8B-B14F-4D97-AF65-F5344CB8AC3E}">
-        <p14:creationId xmlns:p14="http://schemas.microsoft.com/office/powerpoint/2010/main" val="197841808"/>
-      </p:ext>
-    </p:extLst>
-  </p:cSld>
-  <p:clrMapOvr>
-    <a:masterClrMapping/>
-  </p:clrMapOvr>
-  <p:transition>
-    <p:fade/>
-  </p:transition>
-  <p:timing>
-    <p:tnLst>
-      <p:par>
-        <p:cTn id="1" dur="indefinite" restart="never" nodeType="tmRoot"/>
-      </p:par>
-    </p:tnLst>
-  </p:timing>
-</p:sld>
-</file>
-
-<file path=ppt/slides/slide17.xml><?xml version="1.0" encoding="utf-8"?>
-<p:sld xmlns:a="http://schemas.openxmlformats.org/drawingml/2006/main" xmlns:r="http://schemas.openxmlformats.org/officeDocument/2006/relationships" xmlns:p="http://schemas.openxmlformats.org/presentationml/2006/main">
-  <p:cSld>
-    <p:spTree>
-      <p:nvGrpSpPr>
-        <p:cNvPr id="1" name=""/>
-        <p:cNvGrpSpPr/>
-        <p:nvPr/>
-      </p:nvGrpSpPr>
-      <p:grpSpPr>
-        <a:xfrm>
-          <a:off x="0" y="0"/>
-          <a:ext cx="0" cy="0"/>
-          <a:chOff x="0" y="0"/>
-          <a:chExt cx="0" cy="0"/>
-        </a:xfrm>
-      </p:grpSpPr>
-      <p:sp>
-        <p:nvSpPr>
-          <p:cNvPr id="2" name="Title 1"/>
-          <p:cNvSpPr>
-            <a:spLocks noGrp="1"/>
-          </p:cNvSpPr>
-          <p:nvPr>
-            <p:ph type="title"/>
-          </p:nvPr>
-        </p:nvSpPr>
-        <p:spPr/>
-        <p:txBody>
-          <a:bodyPr/>
-          <a:lstStyle/>
-          <a:p>
-            <a:r>
-              <a:rPr lang="en-US" dirty="0" smtClean="0"/>
-              <a:t>Solution: Rest Parameters</a:t>
-            </a:r>
-            <a:endParaRPr lang="en-US" dirty="0"/>
-          </a:p>
-        </p:txBody>
-      </p:sp>
-      <p:sp>
-        <p:nvSpPr>
-          <p:cNvPr id="3" name="Text Placeholder 2"/>
-          <p:cNvSpPr>
-            <a:spLocks noGrp="1"/>
-          </p:cNvSpPr>
-          <p:nvPr>
-            <p:ph type="body" idx="1"/>
-          </p:nvPr>
-        </p:nvSpPr>
-        <p:spPr/>
-        <p:txBody>
-          <a:bodyPr/>
-          <a:lstStyle/>
-          <a:p>
-            <a:r>
-              <a:rPr lang="en-US" dirty="0" smtClean="0"/>
-              <a:t>Let the last parameter take the </a:t>
-            </a:r>
-            <a:r>
-              <a:rPr lang="en-US" b="0" i="1" dirty="0" smtClean="0"/>
-              <a:t>rest</a:t>
-            </a:r>
-            <a:r>
-              <a:rPr lang="en-US" dirty="0" smtClean="0"/>
-              <a:t> of the arguments</a:t>
-            </a:r>
-            <a:endParaRPr lang="en-US" dirty="0"/>
-          </a:p>
-        </p:txBody>
-      </p:sp>
-      <p:pic>
-        <p:nvPicPr>
-          <p:cNvPr id="4" name="Picture 3"/>
-          <p:cNvPicPr>
-            <a:picLocks noChangeAspect="1"/>
-          </p:cNvPicPr>
-          <p:nvPr/>
-        </p:nvPicPr>
-        <p:blipFill>
-          <a:blip r:embed="rId2"/>
-          <a:stretch>
-            <a:fillRect/>
-          </a:stretch>
-        </p:blipFill>
-        <p:spPr>
-          <a:xfrm>
-            <a:off x="1143000" y="2209800"/>
-            <a:ext cx="6619875" cy="3524250"/>
-          </a:xfrm>
-          <a:prstGeom prst="rect">
-            <a:avLst/>
-          </a:prstGeom>
-        </p:spPr>
-      </p:pic>
-    </p:spTree>
-    <p:extLst>
-      <p:ext uri="{BB962C8B-B14F-4D97-AF65-F5344CB8AC3E}">
-        <p14:creationId xmlns:p14="http://schemas.microsoft.com/office/powerpoint/2010/main" val="3698353894"/>
-      </p:ext>
-    </p:extLst>
-  </p:cSld>
-  <p:clrMapOvr>
-    <a:masterClrMapping/>
-  </p:clrMapOvr>
-  <p:transition>
-    <p:fade/>
-  </p:transition>
-  <p:timing>
-    <p:tnLst>
-      <p:par>
-        <p:cTn id="1" dur="indefinite" restart="never" nodeType="tmRoot"/>
-      </p:par>
-    </p:tnLst>
-  </p:timing>
-</p:sld>
-</file>
-
-<file path=ppt/slides/slide18.xml><?xml version="1.0" encoding="utf-8"?>
-<p:sld xmlns:a="http://schemas.openxmlformats.org/drawingml/2006/main" xmlns:r="http://schemas.openxmlformats.org/officeDocument/2006/relationships" xmlns:p="http://schemas.openxmlformats.org/presentationml/2006/main">
-  <p:cSld>
-    <p:spTree>
-      <p:nvGrpSpPr>
-        <p:cNvPr id="1" name=""/>
-        <p:cNvGrpSpPr/>
-        <p:nvPr/>
-      </p:nvGrpSpPr>
-      <p:grpSpPr>
-        <a:xfrm>
-          <a:off x="0" y="0"/>
-          <a:ext cx="0" cy="0"/>
-          <a:chOff x="0" y="0"/>
-          <a:chExt cx="0" cy="0"/>
-        </a:xfrm>
-      </p:grpSpPr>
-      <p:sp>
-        <p:nvSpPr>
-          <p:cNvPr id="2" name="Title 1"/>
-          <p:cNvSpPr>
-            <a:spLocks noGrp="1"/>
-          </p:cNvSpPr>
-          <p:nvPr>
-            <p:ph type="title"/>
-          </p:nvPr>
-        </p:nvSpPr>
-        <p:spPr/>
-        <p:txBody>
-          <a:bodyPr/>
-          <a:lstStyle/>
-          <a:p>
-            <a:r>
-              <a:rPr lang="en-US" dirty="0" smtClean="0"/>
-              <a:t>Spread Operator</a:t>
-            </a:r>
-            <a:endParaRPr lang="en-US" dirty="0"/>
-          </a:p>
-        </p:txBody>
-      </p:sp>
-      <p:sp>
-        <p:nvSpPr>
-          <p:cNvPr id="3" name="Text Placeholder 2"/>
-          <p:cNvSpPr>
-            <a:spLocks noGrp="1"/>
-          </p:cNvSpPr>
-          <p:nvPr>
-            <p:ph type="body" idx="1"/>
-          </p:nvPr>
-        </p:nvSpPr>
-        <p:spPr/>
-        <p:txBody>
-          <a:bodyPr/>
-          <a:lstStyle/>
-          <a:p>
-            <a:r>
-              <a:rPr lang="en-US" dirty="0" smtClean="0"/>
-              <a:t>Spread an array across the parameters</a:t>
-            </a:r>
-            <a:endParaRPr lang="en-US" dirty="0"/>
-          </a:p>
-        </p:txBody>
-      </p:sp>
-      <p:pic>
-        <p:nvPicPr>
-          <p:cNvPr id="4" name="Picture 3"/>
-          <p:cNvPicPr>
-            <a:picLocks noChangeAspect="1"/>
-          </p:cNvPicPr>
-          <p:nvPr/>
-        </p:nvPicPr>
-        <p:blipFill>
-          <a:blip r:embed="rId2"/>
-          <a:stretch>
-            <a:fillRect/>
-          </a:stretch>
-        </p:blipFill>
-        <p:spPr>
-          <a:xfrm>
-            <a:off x="1524000" y="2514600"/>
-            <a:ext cx="5934075" cy="2676525"/>
-          </a:xfrm>
-          <a:prstGeom prst="rect">
-            <a:avLst/>
-          </a:prstGeom>
-        </p:spPr>
-      </p:pic>
-    </p:spTree>
-    <p:extLst>
-      <p:ext uri="{BB962C8B-B14F-4D97-AF65-F5344CB8AC3E}">
-        <p14:creationId xmlns:p14="http://schemas.microsoft.com/office/powerpoint/2010/main" val="1648088190"/>
-      </p:ext>
-    </p:extLst>
-  </p:cSld>
-  <p:clrMapOvr>
-    <a:masterClrMapping/>
-  </p:clrMapOvr>
-  <p:transition>
-    <p:fade/>
-  </p:transition>
-  <p:timing>
-    <p:tnLst>
-      <p:par>
-        <p:cTn id="1" dur="indefinite" restart="never" nodeType="tmRoot"/>
-      </p:par>
-    </p:tnLst>
-  </p:timing>
-</p:sld>
-</file>
-
 <file path=ppt/slides/slide19.xml><?xml version="1.0" encoding="utf-8"?>
 <p:sld xmlns:a="http://schemas.openxmlformats.org/drawingml/2006/main" xmlns:r="http://schemas.openxmlformats.org/officeDocument/2006/relationships" xmlns:p="http://schemas.openxmlformats.org/presentationml/2006/main">
   <p:cSld>
@@ -11103,7 +11028,7 @@
           <a:p>
             <a:r>
               <a:rPr lang="en-US" dirty="0" smtClean="0"/>
-              <a:t>Problem: String Concatenation Is Unpleasant</a:t>
+              <a:t>Generators</a:t>
             </a:r>
             <a:endParaRPr lang="en-US" dirty="0"/>
           </a:p>
@@ -11124,7 +11049,7 @@
           <a:bodyPr/>
           <a:lstStyle/>
           <a:p>
-            <a:endParaRPr lang="en-US"/>
+            <a:endParaRPr lang="en-US" dirty="0"/>
           </a:p>
         </p:txBody>
       </p:sp>
@@ -11144,8 +11069,8 @@
         </p:blipFill>
         <p:spPr>
           <a:xfrm>
-            <a:off x="295275" y="2533650"/>
-            <a:ext cx="8553450" cy="1790700"/>
+            <a:off x="1252537" y="1266825"/>
+            <a:ext cx="6638925" cy="4324350"/>
           </a:xfrm>
           <a:prstGeom prst="rect">
             <a:avLst/>
@@ -11155,7 +11080,7 @@
     </p:spTree>
     <p:extLst>
       <p:ext uri="{BB962C8B-B14F-4D97-AF65-F5344CB8AC3E}">
-        <p14:creationId xmlns:p14="http://schemas.microsoft.com/office/powerpoint/2010/main" val="3661513923"/>
+        <p14:creationId xmlns:p14="http://schemas.microsoft.com/office/powerpoint/2010/main" val="50432343"/>
       </p:ext>
     </p:extLst>
   </p:cSld>
@@ -11321,9 +11246,28 @@
           <a:p>
             <a:r>
               <a:rPr lang="en-US" dirty="0" smtClean="0"/>
-              <a:t>Solution: String Templates</a:t>
+              <a:t>Easy To Make Iterables</a:t>
             </a:r>
             <a:endParaRPr lang="en-US" dirty="0"/>
+          </a:p>
+        </p:txBody>
+      </p:sp>
+      <p:sp>
+        <p:nvSpPr>
+          <p:cNvPr id="3" name="Text Placeholder 2"/>
+          <p:cNvSpPr>
+            <a:spLocks noGrp="1"/>
+          </p:cNvSpPr>
+          <p:nvPr>
+            <p:ph type="body" idx="1"/>
+          </p:nvPr>
+        </p:nvSpPr>
+        <p:spPr/>
+        <p:txBody>
+          <a:bodyPr/>
+          <a:lstStyle/>
+          <a:p>
+            <a:endParaRPr lang="en-US"/>
           </a:p>
         </p:txBody>
       </p:sp>
@@ -11343,8 +11287,8 @@
         </p:blipFill>
         <p:spPr>
           <a:xfrm>
-            <a:off x="609600" y="1990725"/>
-            <a:ext cx="7543800" cy="1666875"/>
+            <a:off x="914400" y="1828800"/>
+            <a:ext cx="7724775" cy="3295650"/>
           </a:xfrm>
           <a:prstGeom prst="rect">
             <a:avLst/>
@@ -11354,7 +11298,7 @@
     </p:spTree>
     <p:extLst>
       <p:ext uri="{BB962C8B-B14F-4D97-AF65-F5344CB8AC3E}">
-        <p14:creationId xmlns:p14="http://schemas.microsoft.com/office/powerpoint/2010/main" val="2415355079"/>
+        <p14:creationId xmlns:p14="http://schemas.microsoft.com/office/powerpoint/2010/main" val="2770783712"/>
       </p:ext>
     </p:extLst>
   </p:cSld>
@@ -11408,27 +11352,16 @@
           <a:p>
             <a:r>
               <a:rPr lang="en-US" dirty="0" smtClean="0"/>
-              <a:t>Even Better: Tagged Templates</a:t>
-            </a:r>
-            <a:endParaRPr lang="en-US" dirty="0"/>
-          </a:p>
-        </p:txBody>
-      </p:sp>
-      <p:sp>
-        <p:nvSpPr>
-          <p:cNvPr id="3" name="Text Placeholder 2"/>
-          <p:cNvSpPr>
-            <a:spLocks noGrp="1"/>
-          </p:cNvSpPr>
-          <p:nvPr>
-            <p:ph type="body" idx="1"/>
-          </p:nvPr>
-        </p:nvSpPr>
-        <p:spPr/>
-        <p:txBody>
-          <a:bodyPr/>
-          <a:lstStyle/>
-          <a:p>
+              <a:t>Problem: </a:t>
+            </a:r>
+            <a:r>
+              <a:rPr lang="en-US" dirty="0" err="1" smtClean="0"/>
+              <a:t>Async</a:t>
+            </a:r>
+            <a:r>
+              <a:rPr lang="en-US" dirty="0" smtClean="0"/>
+              <a:t> Code</a:t>
+            </a:r>
             <a:endParaRPr lang="en-US" dirty="0"/>
           </a:p>
         </p:txBody>
@@ -11449,18 +11382,52 @@
         </p:blipFill>
         <p:spPr>
           <a:xfrm>
-            <a:off x="990600" y="1361926"/>
-            <a:ext cx="6915150" cy="4581674"/>
+            <a:off x="1066800" y="1371600"/>
+            <a:ext cx="7734300" cy="4008995"/>
           </a:xfrm>
           <a:prstGeom prst="rect">
             <a:avLst/>
           </a:prstGeom>
         </p:spPr>
       </p:pic>
+      <p:sp>
+        <p:nvSpPr>
+          <p:cNvPr id="5" name="Rectangle 4"/>
+          <p:cNvSpPr/>
+          <p:nvPr/>
+        </p:nvSpPr>
+        <p:spPr>
+          <a:xfrm>
+            <a:off x="685800" y="5638800"/>
+            <a:ext cx="8229600" cy="307777"/>
+          </a:xfrm>
+          <a:prstGeom prst="rect">
+            <a:avLst/>
+          </a:prstGeom>
+        </p:spPr>
+        <p:txBody>
+          <a:bodyPr wrap="square">
+            <a:spAutoFit/>
+          </a:bodyPr>
+          <a:lstStyle/>
+          <a:p>
+            <a:r>
+              <a:rPr lang="en-US" sz="1400" dirty="0">
+                <a:solidFill>
+                  <a:srgbClr val="000000"/>
+                </a:solidFill>
+                <a:latin typeface="Segoe UI" panose="020B0502040204020203" pitchFamily="34" charset="0"/>
+              </a:rPr>
+              <a:t>http://tritarget.org/blog/2012/11/28/the-pyramid-of-doom-a-javascript-style-trap/</a:t>
+            </a:r>
+            <a:endParaRPr lang="en-US" sz="1400" dirty="0"/>
+          </a:p>
+        </p:txBody>
+      </p:sp>
     </p:spTree>
     <p:extLst>
       <p:ext uri="{BB962C8B-B14F-4D97-AF65-F5344CB8AC3E}">
-        <p14:creationId xmlns:p14="http://schemas.microsoft.com/office/powerpoint/2010/main" val="3659674457"/>
+        <p14:creationId xmlns:p14="http://schemas.microsoft.com/office/powerpoint/2010/main" val="3878279200"/>
       </p:ext>
     </p:extLst>
   </p:cSld>
@@ -11514,7 +11481,7 @@
           <a:p>
             <a:r>
               <a:rPr lang="en-US" dirty="0" smtClean="0"/>
-              <a:t>Problem: Simulating OOP</a:t>
+              <a:t>Solution: Promises</a:t>
             </a:r>
             <a:endParaRPr lang="en-US" dirty="0"/>
           </a:p>
@@ -11536,37 +11503,18 @@
         </p:blipFill>
         <p:spPr>
           <a:xfrm>
-            <a:off x="1895475" y="1693543"/>
-            <a:ext cx="5495925" cy="4402457"/>
+            <a:off x="1752600" y="1295400"/>
+            <a:ext cx="6081443" cy="4705350"/>
           </a:xfrm>
           <a:prstGeom prst="rect">
             <a:avLst/>
           </a:prstGeom>
         </p:spPr>
       </p:pic>
-      <p:sp>
-        <p:nvSpPr>
-          <p:cNvPr id="3" name="Text Placeholder 2"/>
-          <p:cNvSpPr>
-            <a:spLocks noGrp="1"/>
-          </p:cNvSpPr>
-          <p:nvPr>
-            <p:ph type="body" idx="1"/>
-          </p:nvPr>
-        </p:nvSpPr>
-        <p:spPr/>
-        <p:txBody>
-          <a:bodyPr/>
-          <a:lstStyle/>
-          <a:p>
-            <a:endParaRPr lang="en-US" dirty="0"/>
-          </a:p>
-        </p:txBody>
-      </p:sp>
     </p:spTree>
     <p:extLst>
       <p:ext uri="{BB962C8B-B14F-4D97-AF65-F5344CB8AC3E}">
-        <p14:creationId xmlns:p14="http://schemas.microsoft.com/office/powerpoint/2010/main" val="1210690823"/>
+        <p14:creationId xmlns:p14="http://schemas.microsoft.com/office/powerpoint/2010/main" val="2409497983"/>
       </p:ext>
     </p:extLst>
   </p:cSld>
@@ -11620,7 +11568,7 @@
           <a:p>
             <a:r>
               <a:rPr lang="en-US" dirty="0" smtClean="0"/>
-              <a:t>Solution: class Keyword</a:t>
+              <a:t>Promises Chain</a:t>
             </a:r>
             <a:endParaRPr lang="en-US" dirty="0"/>
           </a:p>
@@ -11661,8 +11609,8 @@
         </p:blipFill>
         <p:spPr>
           <a:xfrm>
-            <a:off x="1852612" y="1455150"/>
-            <a:ext cx="5310188" cy="4869450"/>
+            <a:off x="2133600" y="1371600"/>
+            <a:ext cx="5381625" cy="4465164"/>
           </a:xfrm>
           <a:prstGeom prst="rect">
             <a:avLst/>
@@ -11672,7 +11620,7 @@
     </p:spTree>
     <p:extLst>
       <p:ext uri="{BB962C8B-B14F-4D97-AF65-F5344CB8AC3E}">
-        <p14:creationId xmlns:p14="http://schemas.microsoft.com/office/powerpoint/2010/main" val="533521394"/>
+        <p14:creationId xmlns:p14="http://schemas.microsoft.com/office/powerpoint/2010/main" val="714271279"/>
       </p:ext>
     </p:extLst>
   </p:cSld>
@@ -11725,10 +11673,9 @@
           <a:lstStyle/>
           <a:p>
             <a:r>
-              <a:rPr lang="en-US" dirty="0" smtClean="0"/>
-              <a:t>Inheritance</a:t>
-            </a:r>
-            <a:endParaRPr lang="en-US" dirty="0"/>
+              <a:rPr lang="en-US" dirty="0"/>
+              <a:t>Problem: Modularity &amp; Scope</a:t>
+            </a:r>
           </a:p>
         </p:txBody>
       </p:sp>
@@ -11747,7 +11694,7 @@
           <a:bodyPr/>
           <a:lstStyle/>
           <a:p>
-            <a:endParaRPr lang="en-US" dirty="0"/>
+            <a:endParaRPr lang="en-US"/>
           </a:p>
         </p:txBody>
       </p:sp>
@@ -11767,32 +11714,8 @@
         </p:blipFill>
         <p:spPr>
           <a:xfrm>
-            <a:off x="457200" y="1473200"/>
-            <a:ext cx="4752975" cy="3200400"/>
-          </a:xfrm>
-          <a:prstGeom prst="rect">
-            <a:avLst/>
-          </a:prstGeom>
-        </p:spPr>
-      </p:pic>
-      <p:pic>
-        <p:nvPicPr>
-          <p:cNvPr id="5" name="Picture 4"/>
-          <p:cNvPicPr>
-            <a:picLocks noChangeAspect="1"/>
-          </p:cNvPicPr>
-          <p:nvPr/>
-        </p:nvPicPr>
-        <p:blipFill>
-          <a:blip r:embed="rId3"/>
-          <a:stretch>
-            <a:fillRect/>
-          </a:stretch>
-        </p:blipFill>
-        <p:spPr>
-          <a:xfrm>
-            <a:off x="2590800" y="2514600"/>
-            <a:ext cx="5705475" cy="3609975"/>
+            <a:off x="1600200" y="1152525"/>
+            <a:ext cx="5943600" cy="4867275"/>
           </a:xfrm>
           <a:prstGeom prst="rect">
             <a:avLst/>
@@ -11802,7 +11725,7 @@
     </p:spTree>
     <p:extLst>
       <p:ext uri="{BB962C8B-B14F-4D97-AF65-F5344CB8AC3E}">
-        <p14:creationId xmlns:p14="http://schemas.microsoft.com/office/powerpoint/2010/main" val="989503368"/>
+        <p14:creationId xmlns:p14="http://schemas.microsoft.com/office/powerpoint/2010/main" val="2898753433"/>
       </p:ext>
     </p:extLst>
   </p:cSld>
@@ -11856,7 +11779,7 @@
           <a:p>
             <a:r>
               <a:rPr lang="en-US" dirty="0" smtClean="0"/>
-              <a:t>Problem: function is an 8 character word</a:t>
+              <a:t>Problem: Modularity &amp; Scope</a:t>
             </a:r>
             <a:endParaRPr lang="en-US" dirty="0"/>
           </a:p>
@@ -11877,38 +11800,75 @@
           <a:bodyPr/>
           <a:lstStyle/>
           <a:p>
-            <a:endParaRPr lang="en-US"/>
-          </a:p>
-        </p:txBody>
-      </p:sp>
-      <p:pic>
-        <p:nvPicPr>
-          <p:cNvPr id="4" name="Picture 3"/>
-          <p:cNvPicPr>
-            <a:picLocks noChangeAspect="1"/>
-          </p:cNvPicPr>
-          <p:nvPr/>
-        </p:nvPicPr>
-        <p:blipFill>
-          <a:blip r:embed="rId2"/>
-          <a:stretch>
-            <a:fillRect/>
-          </a:stretch>
-        </p:blipFill>
-        <p:spPr>
-          <a:xfrm>
-            <a:off x="2133600" y="1981200"/>
-            <a:ext cx="4686300" cy="3228975"/>
-          </a:xfrm>
-          <a:prstGeom prst="rect">
-            <a:avLst/>
-          </a:prstGeom>
-        </p:spPr>
-      </p:pic>
+            <a:r>
+              <a:rPr lang="en-US" dirty="0" smtClean="0"/>
+              <a:t>Possible solutions</a:t>
+            </a:r>
+          </a:p>
+          <a:p>
+            <a:pPr lvl="1"/>
+            <a:r>
+              <a:rPr lang="en-US" dirty="0" smtClean="0"/>
+              <a:t>Common JS</a:t>
+            </a:r>
+          </a:p>
+          <a:p>
+            <a:pPr lvl="1"/>
+            <a:r>
+              <a:rPr lang="en-US" dirty="0" smtClean="0"/>
+              <a:t>Asynchronous Module Definitions</a:t>
+            </a:r>
+          </a:p>
+          <a:p>
+            <a:pPr lvl="1"/>
+            <a:r>
+              <a:rPr lang="en-US" dirty="0" smtClean="0"/>
+              <a:t>IFFE and </a:t>
+            </a:r>
+            <a:r>
+              <a:rPr lang="en-US" dirty="0" err="1" smtClean="0"/>
+              <a:t>Globals</a:t>
+            </a:r>
+            <a:endParaRPr lang="en-US" dirty="0" smtClean="0"/>
+          </a:p>
+          <a:p>
+            <a:r>
+              <a:rPr lang="en-US" dirty="0" smtClean="0"/>
+              <a:t>Think about how current libraries are designed</a:t>
+            </a:r>
+          </a:p>
+          <a:p>
+            <a:pPr lvl="1"/>
+            <a:r>
+              <a:rPr lang="en-US" dirty="0" smtClean="0"/>
+              <a:t>jQuery -&gt; $</a:t>
+            </a:r>
+          </a:p>
+          <a:p>
+            <a:pPr lvl="1"/>
+            <a:r>
+              <a:rPr lang="en-US" dirty="0" smtClean="0"/>
+              <a:t>Angular -&gt; angular</a:t>
+            </a:r>
+          </a:p>
+          <a:p>
+            <a:pPr lvl="1"/>
+            <a:r>
+              <a:rPr lang="en-US" dirty="0" err="1" smtClean="0"/>
+              <a:t>Lodash</a:t>
+            </a:r>
+            <a:r>
+              <a:rPr lang="en-US" dirty="0" smtClean="0"/>
+              <a:t> -&gt; _</a:t>
+            </a:r>
+            <a:endParaRPr lang="en-US" dirty="0"/>
+          </a:p>
+        </p:txBody>
+      </p:sp>
     </p:spTree>
     <p:extLst>
       <p:ext uri="{BB962C8B-B14F-4D97-AF65-F5344CB8AC3E}">
-        <p14:creationId xmlns:p14="http://schemas.microsoft.com/office/powerpoint/2010/main" val="2458651166"/>
+        <p14:creationId xmlns:p14="http://schemas.microsoft.com/office/powerpoint/2010/main" val="2133708177"/>
       </p:ext>
     </p:extLst>
   </p:cSld>
@@ -11962,7 +11922,7 @@
           <a:p>
             <a:r>
               <a:rPr lang="en-US" dirty="0" smtClean="0"/>
-              <a:t>Arrow Functions</a:t>
+              <a:t>Solution: Real Modules!</a:t>
             </a:r>
             <a:endParaRPr lang="en-US" dirty="0"/>
           </a:p>
@@ -11985,13 +11945,7 @@
           <a:p>
             <a:r>
               <a:rPr lang="en-US" dirty="0" smtClean="0"/>
-              <a:t>Expressive syntax</a:t>
-            </a:r>
-          </a:p>
-          <a:p>
-            <a:r>
-              <a:rPr lang="en-US" dirty="0" smtClean="0"/>
-              <a:t>Familiar to C# developers</a:t>
+              <a:t>Think “module” not “file”</a:t>
             </a:r>
             <a:endParaRPr lang="en-US" dirty="0"/>
           </a:p>
@@ -12013,8 +11967,8 @@
         </p:blipFill>
         <p:spPr>
           <a:xfrm>
-            <a:off x="1181100" y="2981325"/>
-            <a:ext cx="6781800" cy="2505075"/>
+            <a:off x="1295400" y="2114550"/>
+            <a:ext cx="6553200" cy="4133850"/>
           </a:xfrm>
           <a:prstGeom prst="rect">
             <a:avLst/>
@@ -12024,7 +11978,7 @@
     </p:spTree>
     <p:extLst>
       <p:ext uri="{BB962C8B-B14F-4D97-AF65-F5344CB8AC3E}">
-        <p14:creationId xmlns:p14="http://schemas.microsoft.com/office/powerpoint/2010/main" val="1237943148"/>
+        <p14:creationId xmlns:p14="http://schemas.microsoft.com/office/powerpoint/2010/main" val="1130584943"/>
       </p:ext>
     </p:extLst>
   </p:cSld>
@@ -12077,12 +12031,8 @@
           <a:lstStyle/>
           <a:p>
             <a:r>
-              <a:rPr lang="en-US" dirty="0" err="1" smtClean="0"/>
-              <a:t>LINQish</a:t>
-            </a:r>
-            <a:r>
               <a:rPr lang="en-US" dirty="0" smtClean="0"/>
-              <a:t> Arrows</a:t>
+              <a:t>Imports</a:t>
             </a:r>
             <a:endParaRPr lang="en-US" dirty="0"/>
           </a:p>
@@ -12103,7 +12053,7 @@
           <a:bodyPr/>
           <a:lstStyle/>
           <a:p>
-            <a:endParaRPr lang="en-US"/>
+            <a:endParaRPr lang="en-US" dirty="0"/>
           </a:p>
         </p:txBody>
       </p:sp>
@@ -12123,8 +12073,8 @@
         </p:blipFill>
         <p:spPr>
           <a:xfrm>
-            <a:off x="1457325" y="2185987"/>
-            <a:ext cx="6229350" cy="2486025"/>
+            <a:off x="533400" y="1976980"/>
+            <a:ext cx="8196262" cy="3123657"/>
           </a:xfrm>
           <a:prstGeom prst="rect">
             <a:avLst/>
@@ -12134,7 +12084,7 @@
     </p:spTree>
     <p:extLst>
       <p:ext uri="{BB962C8B-B14F-4D97-AF65-F5344CB8AC3E}">
-        <p14:creationId xmlns:p14="http://schemas.microsoft.com/office/powerpoint/2010/main" val="2685471026"/>
+        <p14:creationId xmlns:p14="http://schemas.microsoft.com/office/powerpoint/2010/main" val="2518291001"/>
       </p:ext>
     </p:extLst>
   </p:cSld>
@@ -12188,7 +12138,7 @@
           <a:p>
             <a:r>
               <a:rPr lang="en-US" dirty="0" smtClean="0"/>
-              <a:t>Arrow Functions Lexically Bind this</a:t>
+              <a:t>Multiple Exports</a:t>
             </a:r>
             <a:endParaRPr lang="en-US" dirty="0"/>
           </a:p>
@@ -12229,8 +12179,8 @@
         </p:blipFill>
         <p:spPr>
           <a:xfrm>
-            <a:off x="728662" y="1652587"/>
-            <a:ext cx="7686675" cy="3552825"/>
+            <a:off x="1752600" y="1252537"/>
+            <a:ext cx="6139229" cy="4886325"/>
           </a:xfrm>
           <a:prstGeom prst="rect">
             <a:avLst/>
@@ -12240,7 +12190,7 @@
     </p:spTree>
     <p:extLst>
       <p:ext uri="{BB962C8B-B14F-4D97-AF65-F5344CB8AC3E}">
-        <p14:creationId xmlns:p14="http://schemas.microsoft.com/office/powerpoint/2010/main" val="2173389175"/>
+        <p14:creationId xmlns:p14="http://schemas.microsoft.com/office/powerpoint/2010/main" val="4204329791"/>
       </p:ext>
     </p:extLst>
   </p:cSld>
@@ -12294,7 +12244,7 @@
           <a:p>
             <a:r>
               <a:rPr lang="en-US" dirty="0" smtClean="0"/>
-              <a:t>Problem: Encapsulating Collections</a:t>
+              <a:t>Making It Work</a:t>
             </a:r>
             <a:endParaRPr lang="en-US" dirty="0"/>
           </a:p>
@@ -12319,9 +12269,43 @@
           </a:p>
         </p:txBody>
       </p:sp>
+      <p:sp>
+        <p:nvSpPr>
+          <p:cNvPr id="4" name="Rectangle 3"/>
+          <p:cNvSpPr/>
+          <p:nvPr/>
+        </p:nvSpPr>
+        <p:spPr>
+          <a:xfrm>
+            <a:off x="2362200" y="990600"/>
+            <a:ext cx="4445063" cy="338554"/>
+          </a:xfrm>
+          <a:prstGeom prst="rect">
+            <a:avLst/>
+          </a:prstGeom>
+        </p:spPr>
+        <p:txBody>
+          <a:bodyPr wrap="none">
+            <a:spAutoFit/>
+          </a:bodyPr>
+          <a:lstStyle/>
+          <a:p>
+            <a:r>
+              <a:rPr lang="en-US" dirty="0">
+                <a:solidFill>
+                  <a:srgbClr val="000000"/>
+                </a:solidFill>
+                <a:latin typeface="Segoe UI" panose="020B0502040204020203" pitchFamily="34" charset="0"/>
+              </a:rPr>
+              <a:t>https://kangax.github.io/compat-table/es6/</a:t>
+            </a:r>
+            <a:endParaRPr lang="en-US" dirty="0"/>
+          </a:p>
+        </p:txBody>
+      </p:sp>
       <p:pic>
         <p:nvPicPr>
-          <p:cNvPr id="4" name="Picture 3"/>
+          <p:cNvPr id="5" name="Picture 4"/>
           <p:cNvPicPr>
             <a:picLocks noChangeAspect="1"/>
           </p:cNvPicPr>
@@ -12335,8 +12319,8 @@
         </p:blipFill>
         <p:spPr>
           <a:xfrm>
-            <a:off x="1023937" y="2033587"/>
-            <a:ext cx="7096125" cy="3324225"/>
+            <a:off x="785812" y="1459832"/>
+            <a:ext cx="7572375" cy="4929330"/>
           </a:xfrm>
           <a:prstGeom prst="rect">
             <a:avLst/>
@@ -12346,7 +12330,7 @@
     </p:spTree>
     <p:extLst>
       <p:ext uri="{BB962C8B-B14F-4D97-AF65-F5344CB8AC3E}">
-        <p14:creationId xmlns:p14="http://schemas.microsoft.com/office/powerpoint/2010/main" val="3253405000"/>
+        <p14:creationId xmlns:p14="http://schemas.microsoft.com/office/powerpoint/2010/main" val="1631893286"/>
       </p:ext>
     </p:extLst>
   </p:cSld>
@@ -13173,7 +13157,7 @@
           <a:p>
             <a:r>
               <a:rPr lang="en-US" dirty="0" smtClean="0"/>
-              <a:t>Solution: Iterators and Iterables</a:t>
+              <a:t>Build Your JavaScript</a:t>
             </a:r>
             <a:endParaRPr lang="en-US" dirty="0"/>
           </a:p>
@@ -13194,13 +13178,44 @@
           <a:bodyPr/>
           <a:lstStyle/>
           <a:p>
-            <a:endParaRPr lang="en-US"/>
+            <a:r>
+              <a:rPr lang="en-US" dirty="0" smtClean="0"/>
+              <a:t>Use with Grunt, Gulp, </a:t>
+            </a:r>
+            <a:r>
+              <a:rPr lang="en-US" dirty="0" err="1" smtClean="0"/>
+              <a:t>WebPack</a:t>
+            </a:r>
+            <a:r>
+              <a:rPr lang="en-US" dirty="0" smtClean="0"/>
+              <a:t>, JSPM</a:t>
+            </a:r>
+          </a:p>
+          <a:p>
+            <a:pPr lvl="1"/>
+            <a:r>
+              <a:rPr lang="en-US" dirty="0" smtClean="0"/>
+              <a:t>Many others</a:t>
+            </a:r>
+            <a:endParaRPr lang="en-US" dirty="0"/>
+          </a:p>
+          <a:p>
+            <a:pPr lvl="1"/>
+            <a:r>
+              <a:rPr lang="en-US" dirty="0"/>
+              <a:t>O</a:t>
+            </a:r>
+            <a:r>
+              <a:rPr lang="en-US" dirty="0" smtClean="0"/>
+              <a:t>r . . . directly in a browser</a:t>
+            </a:r>
+            <a:endParaRPr lang="en-US" dirty="0"/>
           </a:p>
         </p:txBody>
       </p:sp>
       <p:pic>
         <p:nvPicPr>
-          <p:cNvPr id="4" name="Picture 3"/>
+          <p:cNvPr id="5" name="Picture 4"/>
           <p:cNvPicPr>
             <a:picLocks noChangeAspect="1"/>
           </p:cNvPicPr>
@@ -13214,18 +13229,52 @@
         </p:blipFill>
         <p:spPr>
           <a:xfrm>
-            <a:off x="1447800" y="1752600"/>
-            <a:ext cx="6562725" cy="3657600"/>
+            <a:off x="990600" y="2967038"/>
+            <a:ext cx="7332777" cy="2519362"/>
           </a:xfrm>
           <a:prstGeom prst="rect">
             <a:avLst/>
           </a:prstGeom>
         </p:spPr>
       </p:pic>
+      <p:sp>
+        <p:nvSpPr>
+          <p:cNvPr id="6" name="Rectangle 5"/>
+          <p:cNvSpPr/>
+          <p:nvPr/>
+        </p:nvSpPr>
+        <p:spPr>
+          <a:xfrm>
+            <a:off x="3402446" y="990600"/>
+            <a:ext cx="1931554" cy="338554"/>
+          </a:xfrm>
+          <a:prstGeom prst="rect">
+            <a:avLst/>
+          </a:prstGeom>
+        </p:spPr>
+        <p:txBody>
+          <a:bodyPr wrap="none">
+            <a:spAutoFit/>
+          </a:bodyPr>
+          <a:lstStyle/>
+          <a:p>
+            <a:r>
+              <a:rPr lang="en-US" dirty="0">
+                <a:solidFill>
+                  <a:srgbClr val="000000"/>
+                </a:solidFill>
+                <a:latin typeface="Segoe UI" panose="020B0502040204020203" pitchFamily="34" charset="0"/>
+              </a:rPr>
+              <a:t>https://babeljs.io/</a:t>
+            </a:r>
+            <a:endParaRPr lang="en-US" dirty="0"/>
+          </a:p>
+        </p:txBody>
+      </p:sp>
     </p:spTree>
     <p:extLst>
       <p:ext uri="{BB962C8B-B14F-4D97-AF65-F5344CB8AC3E}">
-        <p14:creationId xmlns:p14="http://schemas.microsoft.com/office/powerpoint/2010/main" val="1902682904"/>
+        <p14:creationId xmlns:p14="http://schemas.microsoft.com/office/powerpoint/2010/main" val="1082727983"/>
       </p:ext>
     </p:extLst>
   </p:cSld>
@@ -13278,12 +13327,12 @@
           <a:lstStyle/>
           <a:p>
             <a:r>
-              <a:rPr lang="en-US" dirty="0"/>
-              <a:t>f</a:t>
+              <a:rPr lang="en-US" dirty="0" err="1" smtClean="0"/>
+              <a:t>Polyfill</a:t>
             </a:r>
             <a:r>
               <a:rPr lang="en-US" dirty="0" smtClean="0"/>
-              <a:t>or of</a:t>
+              <a:t> Your Browser</a:t>
             </a:r>
             <a:endParaRPr lang="en-US" dirty="0"/>
           </a:p>
@@ -13304,7 +13353,11 @@
           <a:bodyPr/>
           <a:lstStyle/>
           <a:p>
-            <a:endParaRPr lang="en-US"/>
+            <a:r>
+              <a:rPr lang="en-US" dirty="0" smtClean="0"/>
+              <a:t>Almost automatic with many bundling tools</a:t>
+            </a:r>
+            <a:endParaRPr lang="en-US" dirty="0"/>
           </a:p>
         </p:txBody>
       </p:sp>
@@ -13324,8 +13377,8 @@
         </p:blipFill>
         <p:spPr>
           <a:xfrm>
-            <a:off x="1447800" y="2081212"/>
-            <a:ext cx="6248400" cy="2695575"/>
+            <a:off x="1066800" y="2286000"/>
+            <a:ext cx="7205662" cy="2531369"/>
           </a:xfrm>
           <a:prstGeom prst="rect">
             <a:avLst/>
@@ -13335,7 +13388,7 @@
     </p:spTree>
     <p:extLst>
       <p:ext uri="{BB962C8B-B14F-4D97-AF65-F5344CB8AC3E}">
-        <p14:creationId xmlns:p14="http://schemas.microsoft.com/office/powerpoint/2010/main" val="3647026316"/>
+        <p14:creationId xmlns:p14="http://schemas.microsoft.com/office/powerpoint/2010/main" val="3744934740"/>
       </p:ext>
     </p:extLst>
   </p:cSld>
@@ -13389,7 +13442,7 @@
           <a:p>
             <a:r>
               <a:rPr lang="en-US" dirty="0" smtClean="0"/>
-              <a:t>Symbol</a:t>
+              <a:t>Build Your Modules</a:t>
             </a:r>
             <a:endParaRPr lang="en-US" dirty="0"/>
           </a:p>
@@ -13412,21 +13465,7 @@
           <a:p>
             <a:r>
               <a:rPr lang="en-US" dirty="0" smtClean="0"/>
-              <a:t>A new type where every value is </a:t>
-            </a:r>
-            <a:r>
-              <a:rPr lang="en-US" dirty="0"/>
-              <a:t>u</a:t>
-            </a:r>
-            <a:r>
-              <a:rPr lang="en-US" dirty="0" smtClean="0"/>
-              <a:t>nique and immutable</a:t>
-            </a:r>
-          </a:p>
-          <a:p>
-            <a:r>
-              <a:rPr lang="en-US" dirty="0" smtClean="0"/>
-              <a:t>Can use a symbol as a key into an object</a:t>
+              <a:t>Bundle them, too</a:t>
             </a:r>
             <a:endParaRPr lang="en-US" dirty="0"/>
           </a:p>
@@ -13448,42 +13487,52 @@
         </p:blipFill>
         <p:spPr>
           <a:xfrm>
-            <a:off x="304800" y="2333625"/>
-            <a:ext cx="6800850" cy="1933575"/>
+            <a:off x="1524000" y="2667000"/>
+            <a:ext cx="6225208" cy="2921204"/>
           </a:xfrm>
           <a:prstGeom prst="rect">
             <a:avLst/>
           </a:prstGeom>
         </p:spPr>
       </p:pic>
-      <p:pic>
-        <p:nvPicPr>
-          <p:cNvPr id="5" name="Picture 4"/>
-          <p:cNvPicPr>
-            <a:picLocks noChangeAspect="1"/>
-          </p:cNvPicPr>
+      <p:sp>
+        <p:nvSpPr>
+          <p:cNvPr id="5" name="Rectangle 4"/>
+          <p:cNvSpPr/>
           <p:nvPr/>
-        </p:nvPicPr>
-        <p:blipFill>
-          <a:blip r:embed="rId3"/>
-          <a:stretch>
-            <a:fillRect/>
-          </a:stretch>
-        </p:blipFill>
+        </p:nvSpPr>
         <p:spPr>
           <a:xfrm>
-            <a:off x="2209800" y="2971800"/>
-            <a:ext cx="6324600" cy="3248025"/>
+            <a:off x="3124200" y="1066800"/>
+            <a:ext cx="2714589" cy="338554"/>
           </a:xfrm>
           <a:prstGeom prst="rect">
             <a:avLst/>
           </a:prstGeom>
         </p:spPr>
-      </p:pic>
+        <p:txBody>
+          <a:bodyPr wrap="none">
+            <a:spAutoFit/>
+          </a:bodyPr>
+          <a:lstStyle/>
+          <a:p>
+            <a:r>
+              <a:rPr lang="en-US" dirty="0">
+                <a:solidFill>
+                  <a:srgbClr val="000000"/>
+                </a:solidFill>
+                <a:latin typeface="Segoe UI" panose="020B0502040204020203" pitchFamily="34" charset="0"/>
+              </a:rPr>
+              <a:t>http://webpack.github.io/</a:t>
+            </a:r>
+            <a:endParaRPr lang="en-US" dirty="0"/>
+          </a:p>
+        </p:txBody>
+      </p:sp>
     </p:spTree>
     <p:extLst>
       <p:ext uri="{BB962C8B-B14F-4D97-AF65-F5344CB8AC3E}">
-        <p14:creationId xmlns:p14="http://schemas.microsoft.com/office/powerpoint/2010/main" val="3501542250"/>
+        <p14:creationId xmlns:p14="http://schemas.microsoft.com/office/powerpoint/2010/main" val="1429225010"/>
       </p:ext>
     </p:extLst>
   </p:cSld>
@@ -13496,136 +13545,7 @@
   <p:timing>
     <p:tnLst>
       <p:par>
-        <p:cTn id="1" dur="indefinite" restart="never" nodeType="tmRoot">
-          <p:childTnLst>
-            <p:seq concurrent="1" nextAc="seek">
-              <p:cTn id="2" dur="indefinite" nodeType="mainSeq">
-                <p:childTnLst>
-                  <p:par>
-                    <p:cTn id="3" fill="hold">
-                      <p:stCondLst>
-                        <p:cond delay="indefinite"/>
-                      </p:stCondLst>
-                      <p:childTnLst>
-                        <p:par>
-                          <p:cTn id="4" fill="hold">
-                            <p:stCondLst>
-                              <p:cond delay="0"/>
-                            </p:stCondLst>
-                            <p:childTnLst>
-                              <p:par>
-                                <p:cTn id="5" presetID="10" presetClass="entr" presetSubtype="0" fill="hold" nodeType="clickEffect">
-                                  <p:stCondLst>
-                                    <p:cond delay="0"/>
-                                  </p:stCondLst>
-                                  <p:childTnLst>
-                                    <p:set>
-                                      <p:cBhvr>
-                                        <p:cTn id="6" dur="1" fill="hold">
-                                          <p:stCondLst>
-                                            <p:cond delay="0"/>
-                                          </p:stCondLst>
-                                        </p:cTn>
-                                        <p:tgtEl>
-                                          <p:spTgt spid="4"/>
-                                        </p:tgtEl>
-                                        <p:attrNameLst>
-                                          <p:attrName>style.visibility</p:attrName>
-                                        </p:attrNameLst>
-                                      </p:cBhvr>
-                                      <p:to>
-                                        <p:strVal val="visible"/>
-                                      </p:to>
-                                    </p:set>
-                                    <p:animEffect transition="in" filter="fade">
-                                      <p:cBhvr>
-                                        <p:cTn id="7" dur="500"/>
-                                        <p:tgtEl>
-                                          <p:spTgt spid="4"/>
-                                        </p:tgtEl>
-                                      </p:cBhvr>
-                                    </p:animEffect>
-                                  </p:childTnLst>
-                                </p:cTn>
-                              </p:par>
-                            </p:childTnLst>
-                          </p:cTn>
-                        </p:par>
-                      </p:childTnLst>
-                    </p:cTn>
-                  </p:par>
-                  <p:par>
-                    <p:cTn id="8" fill="hold">
-                      <p:stCondLst>
-                        <p:cond delay="indefinite"/>
-                      </p:stCondLst>
-                      <p:childTnLst>
-                        <p:par>
-                          <p:cTn id="9" fill="hold">
-                            <p:stCondLst>
-                              <p:cond delay="0"/>
-                            </p:stCondLst>
-                            <p:childTnLst>
-                              <p:par>
-                                <p:cTn id="10" presetID="10" presetClass="entr" presetSubtype="0" fill="hold" nodeType="clickEffect">
-                                  <p:stCondLst>
-                                    <p:cond delay="0"/>
-                                  </p:stCondLst>
-                                  <p:childTnLst>
-                                    <p:set>
-                                      <p:cBhvr>
-                                        <p:cTn id="11" dur="1" fill="hold">
-                                          <p:stCondLst>
-                                            <p:cond delay="0"/>
-                                          </p:stCondLst>
-                                        </p:cTn>
-                                        <p:tgtEl>
-                                          <p:spTgt spid="5"/>
-                                        </p:tgtEl>
-                                        <p:attrNameLst>
-                                          <p:attrName>style.visibility</p:attrName>
-                                        </p:attrNameLst>
-                                      </p:cBhvr>
-                                      <p:to>
-                                        <p:strVal val="visible"/>
-                                      </p:to>
-                                    </p:set>
-                                    <p:animEffect transition="in" filter="fade">
-                                      <p:cBhvr>
-                                        <p:cTn id="12" dur="500"/>
-                                        <p:tgtEl>
-                                          <p:spTgt spid="5"/>
-                                        </p:tgtEl>
-                                      </p:cBhvr>
-                                    </p:animEffect>
-                                  </p:childTnLst>
-                                </p:cTn>
-                              </p:par>
-                            </p:childTnLst>
-                          </p:cTn>
-                        </p:par>
-                      </p:childTnLst>
-                    </p:cTn>
-                  </p:par>
-                </p:childTnLst>
-              </p:cTn>
-              <p:prevCondLst>
-                <p:cond evt="onPrev" delay="0">
-                  <p:tgtEl>
-                    <p:sldTgt/>
-                  </p:tgtEl>
-                </p:cond>
-              </p:prevCondLst>
-              <p:nextCondLst>
-                <p:cond evt="onNext" delay="0">
-                  <p:tgtEl>
-                    <p:sldTgt/>
-                  </p:tgtEl>
-                </p:cond>
-              </p:nextCondLst>
-            </p:seq>
-          </p:childTnLst>
-        </p:cTn>
+        <p:cTn id="1" dur="indefinite" restart="never" nodeType="tmRoot"/>
       </p:par>
     </p:tnLst>
   </p:timing>
@@ -13665,31 +13585,8 @@
           <a:lstStyle/>
           <a:p>
             <a:r>
-              <a:rPr lang="en-US" dirty="0" err="1" smtClean="0"/>
-              <a:t>Symbol.iterator</a:t>
-            </a:r>
-            <a:endParaRPr lang="en-US" dirty="0"/>
-          </a:p>
-        </p:txBody>
-      </p:sp>
-      <p:sp>
-        <p:nvSpPr>
-          <p:cNvPr id="3" name="Text Placeholder 2"/>
-          <p:cNvSpPr>
-            <a:spLocks noGrp="1"/>
-          </p:cNvSpPr>
-          <p:nvPr>
-            <p:ph type="body" idx="1"/>
-          </p:nvPr>
-        </p:nvSpPr>
-        <p:spPr/>
-        <p:txBody>
-          <a:bodyPr/>
-          <a:lstStyle/>
-          <a:p>
-            <a:r>
               <a:rPr lang="en-US" dirty="0" smtClean="0"/>
-              <a:t>A magic method that makes an object iterable</a:t>
+              <a:t>Example: Aurelia</a:t>
             </a:r>
             <a:endParaRPr lang="en-US" dirty="0"/>
           </a:p>
@@ -13697,7 +13594,7 @@
       </p:sp>
       <p:pic>
         <p:nvPicPr>
-          <p:cNvPr id="4" name="Picture 3"/>
+          <p:cNvPr id="5" name="Picture 4"/>
           <p:cNvPicPr>
             <a:picLocks noChangeAspect="1"/>
           </p:cNvPicPr>
@@ -13711,18 +13608,59 @@
         </p:blipFill>
         <p:spPr>
           <a:xfrm>
-            <a:off x="223837" y="2124075"/>
-            <a:ext cx="8696325" cy="2609850"/>
+            <a:off x="990600" y="3105150"/>
+            <a:ext cx="7381875" cy="933450"/>
           </a:xfrm>
           <a:prstGeom prst="rect">
             <a:avLst/>
           </a:prstGeom>
         </p:spPr>
       </p:pic>
+      <p:pic>
+        <p:nvPicPr>
+          <p:cNvPr id="2052" name="Picture 4" descr="Creating your first Aurelia app: From authentication to calling an API"/>
+          <p:cNvPicPr>
+            <a:picLocks noChangeAspect="1" noChangeArrowheads="1"/>
+          </p:cNvPicPr>
+          <p:nvPr/>
+        </p:nvPicPr>
+        <p:blipFill>
+          <a:blip r:embed="rId3">
+            <a:extLst>
+              <a:ext uri="{28A0092B-C50C-407E-A947-70E740481C1C}">
+                <a14:useLocalDpi xmlns:a14="http://schemas.microsoft.com/office/drawing/2010/main" val="0"/>
+              </a:ext>
+            </a:extLst>
+          </a:blip>
+          <a:srcRect/>
+          <a:stretch>
+            <a:fillRect/>
+          </a:stretch>
+        </p:blipFill>
+        <p:spPr bwMode="auto">
+          <a:xfrm>
+            <a:off x="990600" y="1352550"/>
+            <a:ext cx="1447800" cy="1447800"/>
+          </a:xfrm>
+          <a:prstGeom prst="rect">
+            <a:avLst/>
+          </a:prstGeom>
+          <a:noFill/>
+          <a:extLst>
+            <a:ext uri="{909E8E84-426E-40DD-AFC4-6F175D3DCCD1}">
+              <a14:hiddenFill xmlns:a14="http://schemas.microsoft.com/office/drawing/2010/main">
+                <a:solidFill>
+                  <a:srgbClr val="FFFFFF"/>
+                </a:solidFill>
+              </a14:hiddenFill>
+            </a:ext>
+          </a:extLst>
+        </p:spPr>
+      </p:pic>
     </p:spTree>
     <p:extLst>
       <p:ext uri="{BB962C8B-B14F-4D97-AF65-F5344CB8AC3E}">
-        <p14:creationId xmlns:p14="http://schemas.microsoft.com/office/powerpoint/2010/main" val="2187852041"/>
+        <p14:creationId xmlns:p14="http://schemas.microsoft.com/office/powerpoint/2010/main" val="1165096336"/>
       </p:ext>
     </p:extLst>
   </p:cSld>
@@ -13776,7 +13714,7 @@
           <a:p>
             <a:r>
               <a:rPr lang="en-US" dirty="0" smtClean="0"/>
-              <a:t>Make Your Own Iterable</a:t>
+              <a:t>Next Gen</a:t>
             </a:r>
             <a:endParaRPr lang="en-US" dirty="0"/>
           </a:p>
@@ -13797,62 +13735,115 @@
           <a:bodyPr/>
           <a:lstStyle/>
           <a:p>
-            <a:endParaRPr lang="en-US"/>
+            <a:r>
+              <a:rPr lang="en-US" dirty="0" smtClean="0"/>
+              <a:t>Written with ES 2015 &amp; 2016</a:t>
+            </a:r>
+          </a:p>
+          <a:p>
+            <a:r>
+              <a:rPr lang="en-US" dirty="0" smtClean="0"/>
+              <a:t>Integration with future standards</a:t>
+            </a:r>
+            <a:endParaRPr lang="en-US" dirty="0"/>
           </a:p>
         </p:txBody>
       </p:sp>
       <p:pic>
         <p:nvPicPr>
-          <p:cNvPr id="4" name="Picture 3"/>
+          <p:cNvPr id="3080" name="Picture 8" descr="Web Components"/>
           <p:cNvPicPr>
-            <a:picLocks noChangeAspect="1"/>
+            <a:picLocks noChangeAspect="1" noChangeArrowheads="1"/>
           </p:cNvPicPr>
           <p:nvPr/>
         </p:nvPicPr>
         <p:blipFill>
-          <a:blip r:embed="rId2"/>
+          <a:blip r:embed="rId2">
+            <a:extLst>
+              <a:ext uri="{28A0092B-C50C-407E-A947-70E740481C1C}">
+                <a14:useLocalDpi xmlns:a14="http://schemas.microsoft.com/office/drawing/2010/main" val="0"/>
+              </a:ext>
+            </a:extLst>
+          </a:blip>
+          <a:srcRect/>
           <a:stretch>
             <a:fillRect/>
           </a:stretch>
         </p:blipFill>
-        <p:spPr>
+        <p:spPr bwMode="auto">
           <a:xfrm>
-            <a:off x="381000" y="1143000"/>
-            <a:ext cx="7324725" cy="3457575"/>
+            <a:off x="4800600" y="2541436"/>
+            <a:ext cx="2590800" cy="2590800"/>
           </a:xfrm>
           <a:prstGeom prst="rect">
             <a:avLst/>
           </a:prstGeom>
+          <a:ln>
+            <a:noFill/>
+          </a:ln>
+          <a:effectLst>
+            <a:outerShdw blurRad="292100" dist="139700" dir="2700000" algn="tl" rotWithShape="0">
+              <a:srgbClr val="333333">
+                <a:alpha val="65000"/>
+              </a:srgbClr>
+            </a:outerShdw>
+          </a:effectLst>
+          <a:extLst>
+            <a:ext uri="{909E8E84-426E-40DD-AFC4-6F175D3DCCD1}">
+              <a14:hiddenFill xmlns:a14="http://schemas.microsoft.com/office/drawing/2010/main">
+                <a:solidFill>
+                  <a:srgbClr val="FFFFFF"/>
+                </a:solidFill>
+              </a14:hiddenFill>
+            </a:ext>
+          </a:extLst>
         </p:spPr>
       </p:pic>
       <p:pic>
         <p:nvPicPr>
-          <p:cNvPr id="5" name="Picture 4"/>
+          <p:cNvPr id="8" name="Picture 4" descr="Creating your first Aurelia app: From authentication to calling an API"/>
           <p:cNvPicPr>
-            <a:picLocks noChangeAspect="1"/>
+            <a:picLocks noChangeAspect="1" noChangeArrowheads="1"/>
           </p:cNvPicPr>
           <p:nvPr/>
         </p:nvPicPr>
         <p:blipFill>
-          <a:blip r:embed="rId3"/>
+          <a:blip r:embed="rId3">
+            <a:extLst>
+              <a:ext uri="{28A0092B-C50C-407E-A947-70E740481C1C}">
+                <a14:useLocalDpi xmlns:a14="http://schemas.microsoft.com/office/drawing/2010/main" val="0"/>
+              </a:ext>
+            </a:extLst>
+          </a:blip>
+          <a:srcRect/>
           <a:stretch>
             <a:fillRect/>
           </a:stretch>
         </p:blipFill>
-        <p:spPr>
+        <p:spPr bwMode="auto">
           <a:xfrm>
-            <a:off x="609600" y="1441450"/>
-            <a:ext cx="8248650" cy="4876800"/>
+            <a:off x="1524000" y="2503336"/>
+            <a:ext cx="2667000" cy="2667000"/>
           </a:xfrm>
           <a:prstGeom prst="rect">
             <a:avLst/>
           </a:prstGeom>
+          <a:noFill/>
+          <a:extLst>
+            <a:ext uri="{909E8E84-426E-40DD-AFC4-6F175D3DCCD1}">
+              <a14:hiddenFill xmlns:a14="http://schemas.microsoft.com/office/drawing/2010/main">
+                <a:solidFill>
+                  <a:srgbClr val="FFFFFF"/>
+                </a:solidFill>
+              </a14:hiddenFill>
+            </a:ext>
+          </a:extLst>
         </p:spPr>
       </p:pic>
     </p:spTree>
     <p:extLst>
       <p:ext uri="{BB962C8B-B14F-4D97-AF65-F5344CB8AC3E}">
-        <p14:creationId xmlns:p14="http://schemas.microsoft.com/office/powerpoint/2010/main" val="456951398"/>
+        <p14:creationId xmlns:p14="http://schemas.microsoft.com/office/powerpoint/2010/main" val="1654548594"/>
       </p:ext>
     </p:extLst>
   </p:cSld>
@@ -13865,83 +13856,7 @@
   <p:timing>
     <p:tnLst>
       <p:par>
-        <p:cTn id="1" dur="indefinite" restart="never" nodeType="tmRoot">
-          <p:childTnLst>
-            <p:seq concurrent="1" nextAc="seek">
-              <p:cTn id="2" dur="indefinite" nodeType="mainSeq">
-                <p:childTnLst>
-                  <p:par>
-                    <p:cTn id="3" fill="hold">
-                      <p:stCondLst>
-                        <p:cond delay="indefinite"/>
-                      </p:stCondLst>
-                      <p:childTnLst>
-                        <p:par>
-                          <p:cTn id="4" fill="hold">
-                            <p:stCondLst>
-                              <p:cond delay="0"/>
-                            </p:stCondLst>
-                            <p:childTnLst>
-                              <p:par>
-                                <p:cTn id="5" presetID="10" presetClass="entr" presetSubtype="0" fill="hold" nodeType="clickEffect">
-                                  <p:stCondLst>
-                                    <p:cond delay="0"/>
-                                  </p:stCondLst>
-                                  <p:childTnLst>
-                                    <p:set>
-                                      <p:cBhvr>
-                                        <p:cTn id="6" dur="1" fill="hold">
-                                          <p:stCondLst>
-                                            <p:cond delay="0"/>
-                                          </p:stCondLst>
-                                        </p:cTn>
-                                        <p:tgtEl>
-                                          <p:spTgt spid="5"/>
-                                        </p:tgtEl>
-                                        <p:attrNameLst>
-                                          <p:attrName>style.visibility</p:attrName>
-                                        </p:attrNameLst>
-                                      </p:cBhvr>
-                                      <p:to>
-                                        <p:strVal val="visible"/>
-                                      </p:to>
-                                    </p:set>
-                                    <p:animEffect transition="in" filter="fade">
-                                      <p:cBhvr>
-                                        <p:cTn id="7" dur="500"/>
-                                        <p:tgtEl>
-                                          <p:spTgt spid="5"/>
-                                        </p:tgtEl>
-                                      </p:cBhvr>
-                                    </p:animEffect>
-                                  </p:childTnLst>
-                                </p:cTn>
-                              </p:par>
-                            </p:childTnLst>
-                          </p:cTn>
-                        </p:par>
-                      </p:childTnLst>
-                    </p:cTn>
-                  </p:par>
-                </p:childTnLst>
-              </p:cTn>
-              <p:prevCondLst>
-                <p:cond evt="onPrev" delay="0">
-                  <p:tgtEl>
-                    <p:sldTgt/>
-                  </p:tgtEl>
-                </p:cond>
-              </p:prevCondLst>
-              <p:nextCondLst>
-                <p:cond evt="onNext" delay="0">
-                  <p:tgtEl>
-                    <p:sldTgt/>
-                  </p:tgtEl>
-                </p:cond>
-              </p:nextCondLst>
-            </p:seq>
-          </p:childTnLst>
-        </p:cTn>
+        <p:cTn id="1" dur="indefinite" restart="never" nodeType="tmRoot"/>
       </p:par>
     </p:tnLst>
   </p:timing>
@@ -13982,7 +13897,7 @@
           <a:p>
             <a:r>
               <a:rPr lang="en-US" dirty="0" smtClean="0"/>
-              <a:t>Generators</a:t>
+              <a:t>JavaScript Framework</a:t>
             </a:r>
             <a:endParaRPr lang="en-US" dirty="0"/>
           </a:p>
@@ -13990,51 +13905,554 @@
       </p:sp>
       <p:sp>
         <p:nvSpPr>
-          <p:cNvPr id="3" name="Text Placeholder 2"/>
-          <p:cNvSpPr>
-            <a:spLocks noGrp="1"/>
-          </p:cNvSpPr>
-          <p:nvPr>
-            <p:ph type="body" idx="1"/>
-          </p:nvPr>
-        </p:nvSpPr>
-        <p:spPr/>
-        <p:txBody>
-          <a:bodyPr/>
-          <a:lstStyle/>
-          <a:p>
-            <a:endParaRPr lang="en-US" dirty="0"/>
-          </a:p>
-        </p:txBody>
-      </p:sp>
-      <p:pic>
-        <p:nvPicPr>
-          <p:cNvPr id="4" name="Picture 3"/>
-          <p:cNvPicPr>
-            <a:picLocks noChangeAspect="1"/>
-          </p:cNvPicPr>
+          <p:cNvPr id="4" name="Rectangle 3"/>
+          <p:cNvSpPr/>
           <p:nvPr/>
-        </p:nvPicPr>
-        <p:blipFill>
-          <a:blip r:embed="rId2"/>
-          <a:stretch>
-            <a:fillRect/>
-          </a:stretch>
-        </p:blipFill>
-        <p:spPr>
+        </p:nvSpPr>
+        <p:spPr bwMode="auto">
           <a:xfrm>
-            <a:off x="1252537" y="1266825"/>
-            <a:ext cx="6638925" cy="4324350"/>
+            <a:off x="2971800" y="1905000"/>
+            <a:ext cx="3276600" cy="1905000"/>
           </a:xfrm>
           <a:prstGeom prst="rect">
             <a:avLst/>
           </a:prstGeom>
+          <a:solidFill>
+            <a:srgbClr val="A4D289"/>
+          </a:solidFill>
+          <a:ln w="9525" algn="ctr">
+            <a:solidFill>
+              <a:schemeClr val="tx1"/>
+            </a:solidFill>
+            <a:miter lim="800000"/>
+            <a:headEnd/>
+            <a:tailEnd/>
+          </a:ln>
+          <a:effectLst>
+            <a:outerShdw blurRad="50800" dist="38100" dir="2700000" algn="tl" rotWithShape="0">
+              <a:prstClr val="black">
+                <a:alpha val="40000"/>
+              </a:prstClr>
+            </a:outerShdw>
+          </a:effectLst>
         </p:spPr>
-      </p:pic>
+        <p:txBody>
+          <a:bodyPr wrap="none" rtlCol="0" anchor="t" anchorCtr="0"/>
+          <a:lstStyle/>
+          <a:p>
+            <a:pPr algn="ctr"/>
+            <a:r>
+              <a:rPr lang="en-US" sz="2000" dirty="0" smtClean="0">
+                <a:latin typeface="Tekton Pro" pitchFamily="34" charset="0"/>
+              </a:rPr>
+              <a:t>Aurelia Framework</a:t>
+            </a:r>
+            <a:endParaRPr lang="en-US" sz="2000" dirty="0">
+              <a:latin typeface="Tekton Pro" pitchFamily="34" charset="0"/>
+            </a:endParaRPr>
+          </a:p>
+        </p:txBody>
+      </p:sp>
+      <p:sp>
+        <p:nvSpPr>
+          <p:cNvPr id="5" name="Rectangle 4"/>
+          <p:cNvSpPr/>
+          <p:nvPr/>
+        </p:nvSpPr>
+        <p:spPr bwMode="auto">
+          <a:xfrm>
+            <a:off x="2971800" y="3886200"/>
+            <a:ext cx="3276600" cy="457200"/>
+          </a:xfrm>
+          <a:prstGeom prst="rect">
+            <a:avLst/>
+          </a:prstGeom>
+          <a:solidFill>
+            <a:srgbClr val="EAEAEA"/>
+          </a:solidFill>
+          <a:ln w="9525" algn="ctr">
+            <a:solidFill>
+              <a:schemeClr val="tx1"/>
+            </a:solidFill>
+            <a:miter lim="800000"/>
+            <a:headEnd/>
+            <a:tailEnd/>
+          </a:ln>
+          <a:effectLst>
+            <a:outerShdw blurRad="50800" dist="38100" dir="2700000" algn="tl" rotWithShape="0">
+              <a:prstClr val="black">
+                <a:alpha val="40000"/>
+              </a:prstClr>
+            </a:outerShdw>
+          </a:effectLst>
+        </p:spPr>
+        <p:txBody>
+          <a:bodyPr wrap="none" rtlCol="0" anchor="t" anchorCtr="0"/>
+          <a:lstStyle/>
+          <a:p>
+            <a:pPr algn="ctr"/>
+            <a:r>
+              <a:rPr lang="en-US" sz="2000" dirty="0" err="1" smtClean="0">
+                <a:latin typeface="Tekton Pro" pitchFamily="34" charset="0"/>
+              </a:rPr>
+              <a:t>Polyfills</a:t>
+            </a:r>
+            <a:endParaRPr lang="en-US" sz="2000" dirty="0">
+              <a:latin typeface="Tekton Pro" pitchFamily="34" charset="0"/>
+            </a:endParaRPr>
+          </a:p>
+        </p:txBody>
+      </p:sp>
+      <p:sp>
+        <p:nvSpPr>
+          <p:cNvPr id="7" name="Rectangle 6"/>
+          <p:cNvSpPr/>
+          <p:nvPr/>
+        </p:nvSpPr>
+        <p:spPr bwMode="auto">
+          <a:xfrm>
+            <a:off x="3124200" y="2286000"/>
+            <a:ext cx="533400" cy="381000"/>
+          </a:xfrm>
+          <a:prstGeom prst="rect">
+            <a:avLst/>
+          </a:prstGeom>
+          <a:solidFill>
+            <a:srgbClr val="A4D289"/>
+          </a:solidFill>
+          <a:ln w="9525" algn="ctr">
+            <a:solidFill>
+              <a:schemeClr val="tx1"/>
+            </a:solidFill>
+            <a:miter lim="800000"/>
+            <a:headEnd/>
+            <a:tailEnd/>
+          </a:ln>
+          <a:effectLst>
+            <a:outerShdw blurRad="50800" dist="38100" dir="2700000" algn="tl" rotWithShape="0">
+              <a:prstClr val="black">
+                <a:alpha val="40000"/>
+              </a:prstClr>
+            </a:outerShdw>
+          </a:effectLst>
+        </p:spPr>
+        <p:txBody>
+          <a:bodyPr wrap="none" rtlCol="0" anchor="t" anchorCtr="0"/>
+          <a:lstStyle/>
+          <a:p>
+            <a:pPr algn="ctr"/>
+            <a:endParaRPr lang="en-US" sz="2000" dirty="0">
+              <a:latin typeface="Tekton Pro" pitchFamily="34" charset="0"/>
+            </a:endParaRPr>
+          </a:p>
+        </p:txBody>
+      </p:sp>
+      <p:sp>
+        <p:nvSpPr>
+          <p:cNvPr id="8" name="Rectangle 7"/>
+          <p:cNvSpPr/>
+          <p:nvPr/>
+        </p:nvSpPr>
+        <p:spPr bwMode="auto">
+          <a:xfrm>
+            <a:off x="3810000" y="2286000"/>
+            <a:ext cx="533400" cy="381000"/>
+          </a:xfrm>
+          <a:prstGeom prst="rect">
+            <a:avLst/>
+          </a:prstGeom>
+          <a:solidFill>
+            <a:srgbClr val="A4D289"/>
+          </a:solidFill>
+          <a:ln w="9525" algn="ctr">
+            <a:solidFill>
+              <a:schemeClr val="tx1"/>
+            </a:solidFill>
+            <a:miter lim="800000"/>
+            <a:headEnd/>
+            <a:tailEnd/>
+          </a:ln>
+          <a:effectLst>
+            <a:outerShdw blurRad="50800" dist="38100" dir="2700000" algn="tl" rotWithShape="0">
+              <a:prstClr val="black">
+                <a:alpha val="40000"/>
+              </a:prstClr>
+            </a:outerShdw>
+          </a:effectLst>
+        </p:spPr>
+        <p:txBody>
+          <a:bodyPr wrap="none" rtlCol="0" anchor="t" anchorCtr="0"/>
+          <a:lstStyle/>
+          <a:p>
+            <a:pPr algn="ctr"/>
+            <a:endParaRPr lang="en-US" sz="2000" dirty="0">
+              <a:latin typeface="Tekton Pro" pitchFamily="34" charset="0"/>
+            </a:endParaRPr>
+          </a:p>
+        </p:txBody>
+      </p:sp>
+      <p:sp>
+        <p:nvSpPr>
+          <p:cNvPr id="9" name="Rectangle 8"/>
+          <p:cNvSpPr/>
+          <p:nvPr/>
+        </p:nvSpPr>
+        <p:spPr bwMode="auto">
+          <a:xfrm>
+            <a:off x="3124200" y="2743200"/>
+            <a:ext cx="533400" cy="381000"/>
+          </a:xfrm>
+          <a:prstGeom prst="rect">
+            <a:avLst/>
+          </a:prstGeom>
+          <a:solidFill>
+            <a:srgbClr val="A4D289"/>
+          </a:solidFill>
+          <a:ln w="9525" algn="ctr">
+            <a:solidFill>
+              <a:schemeClr val="tx1"/>
+            </a:solidFill>
+            <a:miter lim="800000"/>
+            <a:headEnd/>
+            <a:tailEnd/>
+          </a:ln>
+          <a:effectLst>
+            <a:outerShdw blurRad="50800" dist="38100" dir="2700000" algn="tl" rotWithShape="0">
+              <a:prstClr val="black">
+                <a:alpha val="40000"/>
+              </a:prstClr>
+            </a:outerShdw>
+          </a:effectLst>
+        </p:spPr>
+        <p:txBody>
+          <a:bodyPr wrap="none" rtlCol="0" anchor="t" anchorCtr="0"/>
+          <a:lstStyle/>
+          <a:p>
+            <a:pPr algn="ctr"/>
+            <a:endParaRPr lang="en-US" sz="2000" dirty="0">
+              <a:latin typeface="Tekton Pro" pitchFamily="34" charset="0"/>
+            </a:endParaRPr>
+          </a:p>
+        </p:txBody>
+      </p:sp>
+      <p:sp>
+        <p:nvSpPr>
+          <p:cNvPr id="10" name="Rectangle 9"/>
+          <p:cNvSpPr/>
+          <p:nvPr/>
+        </p:nvSpPr>
+        <p:spPr bwMode="auto">
+          <a:xfrm>
+            <a:off x="3810000" y="2743200"/>
+            <a:ext cx="533400" cy="381000"/>
+          </a:xfrm>
+          <a:prstGeom prst="rect">
+            <a:avLst/>
+          </a:prstGeom>
+          <a:solidFill>
+            <a:srgbClr val="A4D289"/>
+          </a:solidFill>
+          <a:ln w="9525" algn="ctr">
+            <a:solidFill>
+              <a:schemeClr val="tx1"/>
+            </a:solidFill>
+            <a:miter lim="800000"/>
+            <a:headEnd/>
+            <a:tailEnd/>
+          </a:ln>
+          <a:effectLst>
+            <a:outerShdw blurRad="50800" dist="38100" dir="2700000" algn="tl" rotWithShape="0">
+              <a:prstClr val="black">
+                <a:alpha val="40000"/>
+              </a:prstClr>
+            </a:outerShdw>
+          </a:effectLst>
+        </p:spPr>
+        <p:txBody>
+          <a:bodyPr wrap="none" rtlCol="0" anchor="t" anchorCtr="0"/>
+          <a:lstStyle/>
+          <a:p>
+            <a:pPr algn="ctr"/>
+            <a:endParaRPr lang="en-US" sz="2000" dirty="0">
+              <a:latin typeface="Tekton Pro" pitchFamily="34" charset="0"/>
+            </a:endParaRPr>
+          </a:p>
+        </p:txBody>
+      </p:sp>
+      <p:sp>
+        <p:nvSpPr>
+          <p:cNvPr id="11" name="Rectangle 10"/>
+          <p:cNvSpPr/>
+          <p:nvPr/>
+        </p:nvSpPr>
+        <p:spPr bwMode="auto">
+          <a:xfrm>
+            <a:off x="3810000" y="3200400"/>
+            <a:ext cx="533400" cy="381000"/>
+          </a:xfrm>
+          <a:prstGeom prst="rect">
+            <a:avLst/>
+          </a:prstGeom>
+          <a:solidFill>
+            <a:srgbClr val="A4D289"/>
+          </a:solidFill>
+          <a:ln w="9525" algn="ctr">
+            <a:solidFill>
+              <a:schemeClr val="tx1"/>
+            </a:solidFill>
+            <a:miter lim="800000"/>
+            <a:headEnd/>
+            <a:tailEnd/>
+          </a:ln>
+          <a:effectLst>
+            <a:outerShdw blurRad="50800" dist="38100" dir="2700000" algn="tl" rotWithShape="0">
+              <a:prstClr val="black">
+                <a:alpha val="40000"/>
+              </a:prstClr>
+            </a:outerShdw>
+          </a:effectLst>
+        </p:spPr>
+        <p:txBody>
+          <a:bodyPr wrap="none" rtlCol="0" anchor="t" anchorCtr="0"/>
+          <a:lstStyle/>
+          <a:p>
+            <a:pPr algn="ctr"/>
+            <a:endParaRPr lang="en-US" sz="2000" dirty="0">
+              <a:latin typeface="Tekton Pro" pitchFamily="34" charset="0"/>
+            </a:endParaRPr>
+          </a:p>
+        </p:txBody>
+      </p:sp>
+      <p:sp>
+        <p:nvSpPr>
+          <p:cNvPr id="12" name="Rectangle 11"/>
+          <p:cNvSpPr/>
+          <p:nvPr/>
+        </p:nvSpPr>
+        <p:spPr bwMode="auto">
+          <a:xfrm>
+            <a:off x="3124200" y="3200400"/>
+            <a:ext cx="533400" cy="381000"/>
+          </a:xfrm>
+          <a:prstGeom prst="rect">
+            <a:avLst/>
+          </a:prstGeom>
+          <a:solidFill>
+            <a:srgbClr val="A4D289"/>
+          </a:solidFill>
+          <a:ln w="9525" algn="ctr">
+            <a:solidFill>
+              <a:schemeClr val="tx1"/>
+            </a:solidFill>
+            <a:miter lim="800000"/>
+            <a:headEnd/>
+            <a:tailEnd/>
+          </a:ln>
+          <a:effectLst>
+            <a:outerShdw blurRad="50800" dist="38100" dir="2700000" algn="tl" rotWithShape="0">
+              <a:prstClr val="black">
+                <a:alpha val="40000"/>
+              </a:prstClr>
+            </a:outerShdw>
+          </a:effectLst>
+        </p:spPr>
+        <p:txBody>
+          <a:bodyPr wrap="none" rtlCol="0" anchor="t" anchorCtr="0"/>
+          <a:lstStyle/>
+          <a:p>
+            <a:pPr algn="ctr"/>
+            <a:endParaRPr lang="en-US" sz="2000" dirty="0">
+              <a:latin typeface="Tekton Pro" pitchFamily="34" charset="0"/>
+            </a:endParaRPr>
+          </a:p>
+        </p:txBody>
+      </p:sp>
+      <p:sp>
+        <p:nvSpPr>
+          <p:cNvPr id="13" name="Rectangle 12"/>
+          <p:cNvSpPr/>
+          <p:nvPr/>
+        </p:nvSpPr>
+        <p:spPr bwMode="auto">
+          <a:xfrm>
+            <a:off x="4495800" y="2286000"/>
+            <a:ext cx="533400" cy="381000"/>
+          </a:xfrm>
+          <a:prstGeom prst="rect">
+            <a:avLst/>
+          </a:prstGeom>
+          <a:solidFill>
+            <a:srgbClr val="A4D289"/>
+          </a:solidFill>
+          <a:ln w="9525" algn="ctr">
+            <a:solidFill>
+              <a:schemeClr val="tx1"/>
+            </a:solidFill>
+            <a:miter lim="800000"/>
+            <a:headEnd/>
+            <a:tailEnd/>
+          </a:ln>
+          <a:effectLst>
+            <a:outerShdw blurRad="50800" dist="38100" dir="2700000" algn="tl" rotWithShape="0">
+              <a:prstClr val="black">
+                <a:alpha val="40000"/>
+              </a:prstClr>
+            </a:outerShdw>
+          </a:effectLst>
+        </p:spPr>
+        <p:txBody>
+          <a:bodyPr wrap="none" rtlCol="0" anchor="t" anchorCtr="0"/>
+          <a:lstStyle/>
+          <a:p>
+            <a:pPr algn="ctr"/>
+            <a:endParaRPr lang="en-US" sz="2000" dirty="0">
+              <a:latin typeface="Tekton Pro" pitchFamily="34" charset="0"/>
+            </a:endParaRPr>
+          </a:p>
+        </p:txBody>
+      </p:sp>
+      <p:sp>
+        <p:nvSpPr>
+          <p:cNvPr id="14" name="Rectangle 13"/>
+          <p:cNvSpPr/>
+          <p:nvPr/>
+        </p:nvSpPr>
+        <p:spPr bwMode="auto">
+          <a:xfrm>
+            <a:off x="4495800" y="2743200"/>
+            <a:ext cx="533400" cy="381000"/>
+          </a:xfrm>
+          <a:prstGeom prst="rect">
+            <a:avLst/>
+          </a:prstGeom>
+          <a:solidFill>
+            <a:srgbClr val="A4D289"/>
+          </a:solidFill>
+          <a:ln w="9525" algn="ctr">
+            <a:solidFill>
+              <a:schemeClr val="tx1"/>
+            </a:solidFill>
+            <a:miter lim="800000"/>
+            <a:headEnd/>
+            <a:tailEnd/>
+          </a:ln>
+          <a:effectLst>
+            <a:outerShdw blurRad="50800" dist="38100" dir="2700000" algn="tl" rotWithShape="0">
+              <a:prstClr val="black">
+                <a:alpha val="40000"/>
+              </a:prstClr>
+            </a:outerShdw>
+          </a:effectLst>
+        </p:spPr>
+        <p:txBody>
+          <a:bodyPr wrap="none" rtlCol="0" anchor="t" anchorCtr="0"/>
+          <a:lstStyle/>
+          <a:p>
+            <a:pPr algn="ctr"/>
+            <a:endParaRPr lang="en-US" sz="2000" dirty="0">
+              <a:latin typeface="Tekton Pro" pitchFamily="34" charset="0"/>
+            </a:endParaRPr>
+          </a:p>
+        </p:txBody>
+      </p:sp>
+      <p:sp>
+        <p:nvSpPr>
+          <p:cNvPr id="15" name="Rectangle 14"/>
+          <p:cNvSpPr/>
+          <p:nvPr/>
+        </p:nvSpPr>
+        <p:spPr bwMode="auto">
+          <a:xfrm>
+            <a:off x="4495800" y="3200400"/>
+            <a:ext cx="533400" cy="381000"/>
+          </a:xfrm>
+          <a:prstGeom prst="rect">
+            <a:avLst/>
+          </a:prstGeom>
+          <a:solidFill>
+            <a:srgbClr val="A4D289"/>
+          </a:solidFill>
+          <a:ln w="9525" algn="ctr">
+            <a:solidFill>
+              <a:schemeClr val="tx1"/>
+            </a:solidFill>
+            <a:miter lim="800000"/>
+            <a:headEnd/>
+            <a:tailEnd/>
+          </a:ln>
+          <a:effectLst>
+            <a:outerShdw blurRad="50800" dist="38100" dir="2700000" algn="tl" rotWithShape="0">
+              <a:prstClr val="black">
+                <a:alpha val="40000"/>
+              </a:prstClr>
+            </a:outerShdw>
+          </a:effectLst>
+        </p:spPr>
+        <p:txBody>
+          <a:bodyPr wrap="none" rtlCol="0" anchor="t" anchorCtr="0"/>
+          <a:lstStyle/>
+          <a:p>
+            <a:pPr algn="ctr"/>
+            <a:endParaRPr lang="en-US" sz="2000" dirty="0">
+              <a:latin typeface="Tekton Pro" pitchFamily="34" charset="0"/>
+            </a:endParaRPr>
+          </a:p>
+        </p:txBody>
+      </p:sp>
+      <p:sp>
+        <p:nvSpPr>
+          <p:cNvPr id="6" name="Rectangle 5"/>
+          <p:cNvSpPr/>
+          <p:nvPr/>
+        </p:nvSpPr>
+        <p:spPr bwMode="auto">
+          <a:xfrm>
+            <a:off x="4800600" y="2438400"/>
+            <a:ext cx="2286000" cy="990600"/>
+          </a:xfrm>
+          <a:prstGeom prst="rect">
+            <a:avLst/>
+          </a:prstGeom>
+          <a:solidFill>
+            <a:srgbClr val="FFFFCC"/>
+          </a:solidFill>
+          <a:ln w="9525" algn="ctr">
+            <a:solidFill>
+              <a:schemeClr val="tx1"/>
+            </a:solidFill>
+            <a:miter lim="800000"/>
+            <a:headEnd/>
+            <a:tailEnd/>
+          </a:ln>
+          <a:effectLst>
+            <a:outerShdw blurRad="50800" dist="38100" dir="2700000" algn="tl" rotWithShape="0">
+              <a:prstClr val="black">
+                <a:alpha val="40000"/>
+              </a:prstClr>
+            </a:outerShdw>
+          </a:effectLst>
+        </p:spPr>
+        <p:txBody>
+          <a:bodyPr wrap="none" rtlCol="0" anchor="ctr" anchorCtr="0"/>
+          <a:lstStyle/>
+          <a:p>
+            <a:pPr algn="ctr"/>
+            <a:r>
+              <a:rPr lang="en-US" sz="2000" dirty="0" smtClean="0">
+                <a:latin typeface="Tekton Pro" pitchFamily="34" charset="0"/>
+              </a:rPr>
+              <a:t>Application Code</a:t>
+            </a:r>
+            <a:endParaRPr lang="en-US" sz="2000" dirty="0">
+              <a:latin typeface="Tekton Pro" pitchFamily="34" charset="0"/>
+            </a:endParaRPr>
+          </a:p>
+        </p:txBody>
+      </p:sp>
     </p:spTree>
     <p:extLst>
       <p:ext uri="{BB962C8B-B14F-4D97-AF65-F5344CB8AC3E}">
-        <p14:creationId xmlns:p14="http://schemas.microsoft.com/office/powerpoint/2010/main" val="50432343"/>
+        <p14:creationId xmlns:p14="http://schemas.microsoft.com/office/powerpoint/2010/main" val="2003139331"/>
       </p:ext>
     </p:extLst>
   </p:cSld>
@@ -14088,7 +14506,7 @@
           <a:p>
             <a:r>
               <a:rPr lang="en-US" dirty="0" smtClean="0"/>
-              <a:t>Easy To Make Iterables</a:t>
+              <a:t>Mobile Desktop and Web</a:t>
             </a:r>
             <a:endParaRPr lang="en-US" dirty="0"/>
           </a:p>
@@ -14109,38 +14527,178 @@
           <a:bodyPr/>
           <a:lstStyle/>
           <a:p>
-            <a:endParaRPr lang="en-US"/>
+            <a:endParaRPr lang="en-US" dirty="0"/>
           </a:p>
         </p:txBody>
       </p:sp>
       <p:pic>
         <p:nvPicPr>
-          <p:cNvPr id="4" name="Picture 3"/>
+          <p:cNvPr id="4098" name="Picture 2" descr="https://cdn1.vox-cdn.com/uploads/chorus_asset/file/3665120/Microsoft_Edge_logo.svg.0.png"/>
           <p:cNvPicPr>
-            <a:picLocks noChangeAspect="1"/>
+            <a:picLocks noChangeAspect="1" noChangeArrowheads="1"/>
           </p:cNvPicPr>
           <p:nvPr/>
         </p:nvPicPr>
         <p:blipFill>
-          <a:blip r:embed="rId2"/>
+          <a:blip r:embed="rId2" cstate="print">
+            <a:extLst>
+              <a:ext uri="{28A0092B-C50C-407E-A947-70E740481C1C}">
+                <a14:useLocalDpi xmlns:a14="http://schemas.microsoft.com/office/drawing/2010/main" val="0"/>
+              </a:ext>
+            </a:extLst>
+          </a:blip>
+          <a:srcRect/>
           <a:stretch>
             <a:fillRect/>
           </a:stretch>
         </p:blipFill>
-        <p:spPr>
+        <p:spPr bwMode="auto">
           <a:xfrm>
-            <a:off x="914400" y="1828800"/>
-            <a:ext cx="7724775" cy="3295650"/>
+            <a:off x="228600" y="2797922"/>
+            <a:ext cx="1543050" cy="1670278"/>
           </a:xfrm>
           <a:prstGeom prst="rect">
             <a:avLst/>
           </a:prstGeom>
+          <a:noFill/>
+          <a:extLst>
+            <a:ext uri="{909E8E84-426E-40DD-AFC4-6F175D3DCCD1}">
+              <a14:hiddenFill xmlns:a14="http://schemas.microsoft.com/office/drawing/2010/main">
+                <a:solidFill>
+                  <a:srgbClr val="FFFFFF"/>
+                </a:solidFill>
+              </a14:hiddenFill>
+            </a:ext>
+          </a:extLst>
+        </p:spPr>
+      </p:pic>
+      <p:pic>
+        <p:nvPicPr>
+          <p:cNvPr id="4102" name="Picture 6" descr="https://cdn1.iconfinder.com/data/icons/appicns/513/appicns_Safari.png"/>
+          <p:cNvPicPr>
+            <a:picLocks noChangeAspect="1" noChangeArrowheads="1"/>
+          </p:cNvPicPr>
+          <p:nvPr/>
+        </p:nvPicPr>
+        <p:blipFill>
+          <a:blip r:embed="rId3" cstate="print">
+            <a:extLst>
+              <a:ext uri="{28A0092B-C50C-407E-A947-70E740481C1C}">
+                <a14:useLocalDpi xmlns:a14="http://schemas.microsoft.com/office/drawing/2010/main" val="0"/>
+              </a:ext>
+            </a:extLst>
+          </a:blip>
+          <a:srcRect/>
+          <a:stretch>
+            <a:fillRect/>
+          </a:stretch>
+        </p:blipFill>
+        <p:spPr bwMode="auto">
+          <a:xfrm>
+            <a:off x="2018289" y="2590800"/>
+            <a:ext cx="2088594" cy="2084523"/>
+          </a:xfrm>
+          <a:prstGeom prst="rect">
+            <a:avLst/>
+          </a:prstGeom>
+          <a:noFill/>
+          <a:extLst>
+            <a:ext uri="{909E8E84-426E-40DD-AFC4-6F175D3DCCD1}">
+              <a14:hiddenFill xmlns:a14="http://schemas.microsoft.com/office/drawing/2010/main">
+                <a:solidFill>
+                  <a:srgbClr val="FFFFFF"/>
+                </a:solidFill>
+              </a14:hiddenFill>
+            </a:ext>
+          </a:extLst>
+        </p:spPr>
+      </p:pic>
+      <p:pic>
+        <p:nvPicPr>
+          <p:cNvPr id="4104" name="Picture 8" descr="https://upload.wikimedia.org/wikipedia/commons/thumb/5/5f/Chromium_11_Logo.svg/256px-Chromium_11_Logo.svg.png"/>
+          <p:cNvPicPr>
+            <a:picLocks noChangeAspect="1" noChangeArrowheads="1"/>
+          </p:cNvPicPr>
+          <p:nvPr/>
+        </p:nvPicPr>
+        <p:blipFill>
+          <a:blip r:embed="rId4">
+            <a:extLst>
+              <a:ext uri="{28A0092B-C50C-407E-A947-70E740481C1C}">
+                <a14:useLocalDpi xmlns:a14="http://schemas.microsoft.com/office/drawing/2010/main" val="0"/>
+              </a:ext>
+            </a:extLst>
+          </a:blip>
+          <a:srcRect/>
+          <a:stretch>
+            <a:fillRect/>
+          </a:stretch>
+        </p:blipFill>
+        <p:spPr bwMode="auto">
+          <a:xfrm>
+            <a:off x="4353522" y="2604361"/>
+            <a:ext cx="2057400" cy="2057400"/>
+          </a:xfrm>
+          <a:prstGeom prst="rect">
+            <a:avLst/>
+          </a:prstGeom>
+          <a:noFill/>
+          <a:extLst>
+            <a:ext uri="{909E8E84-426E-40DD-AFC4-6F175D3DCCD1}">
+              <a14:hiddenFill xmlns:a14="http://schemas.microsoft.com/office/drawing/2010/main">
+                <a:solidFill>
+                  <a:srgbClr val="FFFFFF"/>
+                </a:solidFill>
+              </a14:hiddenFill>
+            </a:ext>
+          </a:extLst>
+        </p:spPr>
+      </p:pic>
+      <p:pic>
+        <p:nvPicPr>
+          <p:cNvPr id="4106" name="Picture 10" descr="http://findicons.com/files/icons/1161/hp_dock/512/hp_firefox_dock.png"/>
+          <p:cNvPicPr>
+            <a:picLocks noChangeAspect="1" noChangeArrowheads="1"/>
+          </p:cNvPicPr>
+          <p:nvPr/>
+        </p:nvPicPr>
+        <p:blipFill>
+          <a:blip r:embed="rId5" cstate="print">
+            <a:extLst>
+              <a:ext uri="{28A0092B-C50C-407E-A947-70E740481C1C}">
+                <a14:useLocalDpi xmlns:a14="http://schemas.microsoft.com/office/drawing/2010/main" val="0"/>
+              </a:ext>
+            </a:extLst>
+          </a:blip>
+          <a:srcRect/>
+          <a:stretch>
+            <a:fillRect/>
+          </a:stretch>
+        </p:blipFill>
+        <p:spPr bwMode="auto">
+          <a:xfrm>
+            <a:off x="6657562" y="2642461"/>
+            <a:ext cx="1981199" cy="1981200"/>
+          </a:xfrm>
+          <a:prstGeom prst="rect">
+            <a:avLst/>
+          </a:prstGeom>
+          <a:noFill/>
+          <a:extLst>
+            <a:ext uri="{909E8E84-426E-40DD-AFC4-6F175D3DCCD1}">
+              <a14:hiddenFill xmlns:a14="http://schemas.microsoft.com/office/drawing/2010/main">
+                <a:solidFill>
+                  <a:srgbClr val="FFFFFF"/>
+                </a:solidFill>
+              </a14:hiddenFill>
+            </a:ext>
+          </a:extLst>
         </p:spPr>
       </p:pic>
     </p:spTree>
     <p:extLst>
       <p:ext uri="{BB962C8B-B14F-4D97-AF65-F5344CB8AC3E}">
-        <p14:creationId xmlns:p14="http://schemas.microsoft.com/office/powerpoint/2010/main" val="2770783712"/>
+        <p14:creationId xmlns:p14="http://schemas.microsoft.com/office/powerpoint/2010/main" val="1787360544"/>
       </p:ext>
     </p:extLst>
   </p:cSld>
@@ -14194,82 +14752,166 @@
           <a:p>
             <a:r>
               <a:rPr lang="en-US" dirty="0" smtClean="0"/>
-              <a:t>Problem: </a:t>
-            </a:r>
-            <a:r>
-              <a:rPr lang="en-US" dirty="0" err="1" smtClean="0"/>
-              <a:t>Async</a:t>
-            </a:r>
-            <a:r>
-              <a:rPr lang="en-US" dirty="0" smtClean="0"/>
-              <a:t> Code</a:t>
+              <a:t>Simple conventions</a:t>
             </a:r>
             <a:endParaRPr lang="en-US" dirty="0"/>
           </a:p>
         </p:txBody>
       </p:sp>
-      <p:pic>
-        <p:nvPicPr>
-          <p:cNvPr id="4" name="Picture 3"/>
-          <p:cNvPicPr>
-            <a:picLocks noChangeAspect="1"/>
-          </p:cNvPicPr>
+      <p:sp>
+        <p:nvSpPr>
+          <p:cNvPr id="4" name="Rectangle 3"/>
+          <p:cNvSpPr/>
           <p:nvPr/>
-        </p:nvPicPr>
-        <p:blipFill>
-          <a:blip r:embed="rId2"/>
-          <a:stretch>
-            <a:fillRect/>
-          </a:stretch>
-        </p:blipFill>
-        <p:spPr>
+        </p:nvSpPr>
+        <p:spPr bwMode="auto">
           <a:xfrm>
-            <a:off x="1066800" y="1371600"/>
-            <a:ext cx="7734300" cy="4008995"/>
+            <a:off x="1562100" y="2095500"/>
+            <a:ext cx="2438400" cy="1981200"/>
           </a:xfrm>
           <a:prstGeom prst="rect">
             <a:avLst/>
           </a:prstGeom>
+          <a:solidFill>
+            <a:srgbClr val="EAEAEA"/>
+          </a:solidFill>
+          <a:ln w="9525" algn="ctr">
+            <a:solidFill>
+              <a:schemeClr val="tx1"/>
+            </a:solidFill>
+            <a:miter lim="800000"/>
+            <a:headEnd/>
+            <a:tailEnd/>
+          </a:ln>
+          <a:effectLst>
+            <a:outerShdw blurRad="50800" dist="38100" dir="2700000" algn="tl" rotWithShape="0">
+              <a:prstClr val="black">
+                <a:alpha val="40000"/>
+              </a:prstClr>
+            </a:outerShdw>
+          </a:effectLst>
         </p:spPr>
-      </p:pic>
+        <p:txBody>
+          <a:bodyPr wrap="none" rtlCol="0" anchor="ctr"/>
+          <a:lstStyle/>
+          <a:p>
+            <a:pPr algn="ctr"/>
+            <a:r>
+              <a:rPr lang="en-US" sz="2000" dirty="0" err="1" smtClean="0">
+                <a:latin typeface="Tekton Pro" pitchFamily="34" charset="0"/>
+              </a:rPr>
+              <a:t>ViewModel</a:t>
+            </a:r>
+            <a:endParaRPr lang="en-US" sz="2000" dirty="0">
+              <a:latin typeface="Tekton Pro" pitchFamily="34" charset="0"/>
+            </a:endParaRPr>
+          </a:p>
+        </p:txBody>
+      </p:sp>
       <p:sp>
         <p:nvSpPr>
           <p:cNvPr id="5" name="Rectangle 4"/>
           <p:cNvSpPr/>
           <p:nvPr/>
         </p:nvSpPr>
-        <p:spPr>
+        <p:spPr bwMode="auto">
           <a:xfrm>
-            <a:off x="685800" y="5638800"/>
-            <a:ext cx="8229600" cy="307777"/>
+            <a:off x="5257800" y="2095500"/>
+            <a:ext cx="2438400" cy="1981200"/>
           </a:xfrm>
           <a:prstGeom prst="rect">
             <a:avLst/>
           </a:prstGeom>
+          <a:solidFill>
+            <a:srgbClr val="EAEAEA"/>
+          </a:solidFill>
+          <a:ln w="9525" algn="ctr">
+            <a:solidFill>
+              <a:schemeClr val="tx1"/>
+            </a:solidFill>
+            <a:miter lim="800000"/>
+            <a:headEnd/>
+            <a:tailEnd/>
+          </a:ln>
+          <a:effectLst>
+            <a:outerShdw blurRad="50800" dist="38100" dir="2700000" algn="tl" rotWithShape="0">
+              <a:prstClr val="black">
+                <a:alpha val="40000"/>
+              </a:prstClr>
+            </a:outerShdw>
+          </a:effectLst>
         </p:spPr>
         <p:txBody>
-          <a:bodyPr wrap="square">
-            <a:spAutoFit/>
-          </a:bodyPr>
+          <a:bodyPr wrap="none" rtlCol="0" anchor="ctr"/>
           <a:lstStyle/>
           <a:p>
-            <a:r>
-              <a:rPr lang="en-US" sz="1400" dirty="0">
-                <a:solidFill>
-                  <a:srgbClr val="000000"/>
-                </a:solidFill>
-                <a:latin typeface="Segoe UI" panose="020B0502040204020203" pitchFamily="34" charset="0"/>
+            <a:pPr algn="ctr"/>
+            <a:r>
+              <a:rPr lang="en-US" sz="2000" dirty="0" smtClean="0">
+                <a:latin typeface="Tekton Pro" pitchFamily="34" charset="0"/>
               </a:rPr>
-              <a:t>http://tritarget.org/blog/2012/11/28/the-pyramid-of-doom-a-javascript-style-trap/</a:t>
-            </a:r>
-            <a:endParaRPr lang="en-US" sz="1400" dirty="0"/>
+              <a:t>View</a:t>
+            </a:r>
+            <a:endParaRPr lang="en-US" sz="2000" dirty="0">
+              <a:latin typeface="Tekton Pro" pitchFamily="34" charset="0"/>
+            </a:endParaRPr>
+          </a:p>
+        </p:txBody>
+      </p:sp>
+      <p:sp>
+        <p:nvSpPr>
+          <p:cNvPr id="6" name="Rectangle 5"/>
+          <p:cNvSpPr/>
+          <p:nvPr/>
+        </p:nvSpPr>
+        <p:spPr bwMode="auto">
+          <a:xfrm>
+            <a:off x="4324350" y="2819400"/>
+            <a:ext cx="609600" cy="381000"/>
+          </a:xfrm>
+          <a:prstGeom prst="rect">
+            <a:avLst/>
+          </a:prstGeom>
+          <a:solidFill>
+            <a:srgbClr val="EAEAEA"/>
+          </a:solidFill>
+          <a:ln w="9525" algn="ctr">
+            <a:solidFill>
+              <a:schemeClr val="tx1"/>
+            </a:solidFill>
+            <a:miter lim="800000"/>
+            <a:headEnd/>
+            <a:tailEnd/>
+          </a:ln>
+          <a:effectLst>
+            <a:outerShdw blurRad="50800" dist="38100" dir="2700000" algn="tl" rotWithShape="0">
+              <a:prstClr val="black">
+                <a:alpha val="40000"/>
+              </a:prstClr>
+            </a:outerShdw>
+          </a:effectLst>
+        </p:spPr>
+        <p:txBody>
+          <a:bodyPr wrap="none" rtlCol="0" anchor="ctr"/>
+          <a:lstStyle/>
+          <a:p>
+            <a:pPr algn="ctr"/>
+            <a:r>
+              <a:rPr lang="en-US" sz="2000" dirty="0" smtClean="0">
+                <a:latin typeface="Tekton Pro" pitchFamily="34" charset="0"/>
+              </a:rPr>
+              <a:t>+</a:t>
+            </a:r>
+            <a:endParaRPr lang="en-US" sz="2000" dirty="0">
+              <a:latin typeface="Tekton Pro" pitchFamily="34" charset="0"/>
+            </a:endParaRPr>
           </a:p>
         </p:txBody>
       </p:sp>
     </p:spTree>
     <p:extLst>
       <p:ext uri="{BB962C8B-B14F-4D97-AF65-F5344CB8AC3E}">
-        <p14:creationId xmlns:p14="http://schemas.microsoft.com/office/powerpoint/2010/main" val="3878279200"/>
+        <p14:creationId xmlns:p14="http://schemas.microsoft.com/office/powerpoint/2010/main" val="176192586"/>
       </p:ext>
     </p:extLst>
   </p:cSld>
@@ -14323,40 +14965,316 @@
           <a:p>
             <a:r>
               <a:rPr lang="en-US" dirty="0" smtClean="0"/>
-              <a:t>Solution: Promises</a:t>
+              <a:t>Getting Started</a:t>
             </a:r>
             <a:endParaRPr lang="en-US" dirty="0"/>
+          </a:p>
+        </p:txBody>
+      </p:sp>
+      <p:sp>
+        <p:nvSpPr>
+          <p:cNvPr id="3" name="Text Placeholder 2"/>
+          <p:cNvSpPr>
+            <a:spLocks noGrp="1"/>
+          </p:cNvSpPr>
+          <p:nvPr>
+            <p:ph type="body" idx="1"/>
+          </p:nvPr>
+        </p:nvSpPr>
+        <p:spPr/>
+        <p:txBody>
+          <a:bodyPr/>
+          <a:lstStyle/>
+          <a:p>
+            <a:r>
+              <a:rPr lang="en-US" dirty="0" smtClean="0"/>
+              <a:t>Install Node</a:t>
+            </a:r>
+          </a:p>
+          <a:p>
+            <a:r>
+              <a:rPr lang="en-US" dirty="0" smtClean="0"/>
+              <a:t>Install a </a:t>
+            </a:r>
+            <a:r>
+              <a:rPr lang="en-US" dirty="0" err="1" smtClean="0"/>
+              <a:t>Git</a:t>
+            </a:r>
+            <a:r>
+              <a:rPr lang="en-US" dirty="0" smtClean="0"/>
+              <a:t> CLI</a:t>
+            </a:r>
+            <a:endParaRPr lang="en-US" dirty="0"/>
+          </a:p>
+        </p:txBody>
+      </p:sp>
+      <p:sp>
+        <p:nvSpPr>
+          <p:cNvPr id="4" name="Title 1"/>
+          <p:cNvSpPr txBox="1">
+            <a:spLocks/>
+          </p:cNvSpPr>
+          <p:nvPr/>
+        </p:nvSpPr>
+        <p:spPr bwMode="auto">
+          <a:xfrm>
+            <a:off x="3931130" y="3276464"/>
+            <a:ext cx="3623767" cy="45719"/>
+          </a:xfrm>
+          <a:prstGeom prst="rect">
+            <a:avLst/>
+          </a:prstGeom>
+          <a:noFill/>
+          <a:ln w="9525">
+            <a:noFill/>
+            <a:miter lim="800000"/>
+            <a:headEnd/>
+            <a:tailEnd/>
+          </a:ln>
+        </p:spPr>
+        <p:txBody>
+          <a:bodyPr vert="horz" wrap="square" lIns="91440" tIns="45720" rIns="91440" bIns="45720" numCol="1" rtlCol="0" anchor="ctr" anchorCtr="0" compatLnSpc="1">
+            <a:prstTxWarp prst="textNoShape">
+              <a:avLst/>
+            </a:prstTxWarp>
+          </a:bodyPr>
+          <a:lstStyle>
+            <a:lvl1pPr marL="342900" indent="-342900" algn="ctr" defTabSz="-13873163" rtl="0" eaLnBrk="1" fontAlgn="base" hangingPunct="1">
+              <a:spcBef>
+                <a:spcPct val="0"/>
+              </a:spcBef>
+              <a:spcAft>
+                <a:spcPct val="0"/>
+              </a:spcAft>
+              <a:defRPr sz="2800" b="1">
+                <a:solidFill>
+                  <a:schemeClr val="tx2"/>
+                </a:solidFill>
+                <a:latin typeface="Myriad Pro" pitchFamily="34" charset="0"/>
+                <a:ea typeface="+mj-ea"/>
+                <a:cs typeface="Segoe UI" pitchFamily="34" charset="0"/>
+              </a:defRPr>
+            </a:lvl1pPr>
+            <a:lvl2pPr marL="342900" indent="-342900" algn="ctr" defTabSz="-13873163" rtl="0" eaLnBrk="1" fontAlgn="base" hangingPunct="1">
+              <a:spcBef>
+                <a:spcPct val="0"/>
+              </a:spcBef>
+              <a:spcAft>
+                <a:spcPct val="0"/>
+              </a:spcAft>
+              <a:defRPr sz="2800" b="1">
+                <a:solidFill>
+                  <a:schemeClr val="tx2"/>
+                </a:solidFill>
+                <a:latin typeface="Myriad Pro" pitchFamily="34" charset="0"/>
+                <a:cs typeface="Segoe UI" pitchFamily="34" charset="0"/>
+              </a:defRPr>
+            </a:lvl2pPr>
+            <a:lvl3pPr marL="342900" indent="-342900" algn="ctr" defTabSz="-13873163" rtl="0" eaLnBrk="1" fontAlgn="base" hangingPunct="1">
+              <a:spcBef>
+                <a:spcPct val="0"/>
+              </a:spcBef>
+              <a:spcAft>
+                <a:spcPct val="0"/>
+              </a:spcAft>
+              <a:defRPr sz="2800" b="1">
+                <a:solidFill>
+                  <a:schemeClr val="tx2"/>
+                </a:solidFill>
+                <a:latin typeface="Myriad Pro" pitchFamily="34" charset="0"/>
+                <a:cs typeface="Segoe UI" pitchFamily="34" charset="0"/>
+              </a:defRPr>
+            </a:lvl3pPr>
+            <a:lvl4pPr marL="342900" indent="-342900" algn="ctr" defTabSz="-13873163" rtl="0" eaLnBrk="1" fontAlgn="base" hangingPunct="1">
+              <a:spcBef>
+                <a:spcPct val="0"/>
+              </a:spcBef>
+              <a:spcAft>
+                <a:spcPct val="0"/>
+              </a:spcAft>
+              <a:defRPr sz="2800" b="1">
+                <a:solidFill>
+                  <a:schemeClr val="tx2"/>
+                </a:solidFill>
+                <a:latin typeface="Myriad Pro" pitchFamily="34" charset="0"/>
+                <a:cs typeface="Segoe UI" pitchFamily="34" charset="0"/>
+              </a:defRPr>
+            </a:lvl4pPr>
+            <a:lvl5pPr marL="342900" indent="-342900" algn="ctr" defTabSz="-13873163" rtl="0" eaLnBrk="1" fontAlgn="base" hangingPunct="1">
+              <a:spcBef>
+                <a:spcPct val="0"/>
+              </a:spcBef>
+              <a:spcAft>
+                <a:spcPct val="0"/>
+              </a:spcAft>
+              <a:defRPr sz="2800" b="1">
+                <a:solidFill>
+                  <a:schemeClr val="tx2"/>
+                </a:solidFill>
+                <a:latin typeface="Myriad Pro" pitchFamily="34" charset="0"/>
+                <a:cs typeface="Segoe UI" pitchFamily="34" charset="0"/>
+              </a:defRPr>
+            </a:lvl5pPr>
+            <a:lvl6pPr marL="457200" algn="l" eaLnBrk="1" fontAlgn="base" hangingPunct="1">
+              <a:spcBef>
+                <a:spcPct val="0"/>
+              </a:spcBef>
+              <a:spcAft>
+                <a:spcPct val="0"/>
+              </a:spcAft>
+              <a:defRPr sz="2800" b="1">
+                <a:solidFill>
+                  <a:schemeClr val="tx2">
+                    <a:alpha val="100000"/>
+                  </a:schemeClr>
+                </a:solidFill>
+                <a:latin typeface="Verdana"/>
+              </a:defRPr>
+            </a:lvl6pPr>
+            <a:lvl7pPr marL="914400" algn="l" eaLnBrk="1" fontAlgn="base" hangingPunct="1">
+              <a:spcBef>
+                <a:spcPct val="0"/>
+              </a:spcBef>
+              <a:spcAft>
+                <a:spcPct val="0"/>
+              </a:spcAft>
+              <a:defRPr sz="2800" b="1">
+                <a:solidFill>
+                  <a:schemeClr val="tx2">
+                    <a:alpha val="100000"/>
+                  </a:schemeClr>
+                </a:solidFill>
+                <a:latin typeface="Verdana"/>
+              </a:defRPr>
+            </a:lvl7pPr>
+            <a:lvl8pPr marL="1371600" algn="l" eaLnBrk="1" fontAlgn="base" hangingPunct="1">
+              <a:spcBef>
+                <a:spcPct val="0"/>
+              </a:spcBef>
+              <a:spcAft>
+                <a:spcPct val="0"/>
+              </a:spcAft>
+              <a:defRPr sz="2800" b="1">
+                <a:solidFill>
+                  <a:schemeClr val="tx2">
+                    <a:alpha val="100000"/>
+                  </a:schemeClr>
+                </a:solidFill>
+                <a:latin typeface="Verdana"/>
+              </a:defRPr>
+            </a:lvl8pPr>
+            <a:lvl9pPr marL="1828800" algn="l" eaLnBrk="1" fontAlgn="base" hangingPunct="1">
+              <a:spcBef>
+                <a:spcPct val="0"/>
+              </a:spcBef>
+              <a:spcAft>
+                <a:spcPct val="0"/>
+              </a:spcAft>
+              <a:defRPr sz="2800" b="1">
+                <a:solidFill>
+                  <a:schemeClr val="tx2">
+                    <a:alpha val="100000"/>
+                  </a:schemeClr>
+                </a:solidFill>
+                <a:latin typeface="Verdana"/>
+              </a:defRPr>
+            </a:lvl9pPr>
+          </a:lstStyle>
+          <a:p>
+            <a:r>
+              <a:rPr lang="en-US" kern="0" smtClean="0"/>
+              <a:t>Getting Started</a:t>
+            </a:r>
+            <a:endParaRPr lang="en-US" kern="0" dirty="0"/>
           </a:p>
         </p:txBody>
       </p:sp>
       <p:pic>
         <p:nvPicPr>
-          <p:cNvPr id="4" name="Picture 3"/>
+          <p:cNvPr id="5" name="Picture 4" descr="https://www.supnig.com/media/pictures/nodejs-dark1.jpg"/>
           <p:cNvPicPr>
-            <a:picLocks noChangeAspect="1"/>
+            <a:picLocks noChangeAspect="1" noChangeArrowheads="1"/>
           </p:cNvPicPr>
           <p:nvPr/>
         </p:nvPicPr>
         <p:blipFill>
-          <a:blip r:embed="rId2"/>
+          <a:blip r:embed="rId2">
+            <a:extLst>
+              <a:ext uri="{28A0092B-C50C-407E-A947-70E740481C1C}">
+                <a14:useLocalDpi xmlns:a14="http://schemas.microsoft.com/office/drawing/2010/main" val="0"/>
+              </a:ext>
+            </a:extLst>
+          </a:blip>
+          <a:srcRect/>
           <a:stretch>
             <a:fillRect/>
           </a:stretch>
         </p:blipFill>
-        <p:spPr>
+        <p:spPr bwMode="auto">
           <a:xfrm>
-            <a:off x="1752600" y="1295400"/>
-            <a:ext cx="6081443" cy="4705350"/>
+            <a:off x="4480788" y="1828800"/>
+            <a:ext cx="4194175" cy="1795107"/>
           </a:xfrm>
           <a:prstGeom prst="rect">
             <a:avLst/>
           </a:prstGeom>
+          <a:noFill/>
+          <a:extLst>
+            <a:ext uri="{909E8E84-426E-40DD-AFC4-6F175D3DCCD1}">
+              <a14:hiddenFill xmlns:a14="http://schemas.microsoft.com/office/drawing/2010/main">
+                <a:solidFill>
+                  <a:srgbClr val="FFFFFF"/>
+                </a:solidFill>
+              </a14:hiddenFill>
+            </a:ext>
+          </a:extLst>
+        </p:spPr>
+      </p:pic>
+      <p:pic>
+        <p:nvPicPr>
+          <p:cNvPr id="6" name="Picture 6" descr="https://git-scm.com/images/logos/downloads/Git-Logo-2Color.png"/>
+          <p:cNvPicPr>
+            <a:picLocks noChangeAspect="1" noChangeArrowheads="1"/>
+          </p:cNvPicPr>
+          <p:nvPr/>
+        </p:nvPicPr>
+        <p:blipFill>
+          <a:blip r:embed="rId3">
+            <a:extLst>
+              <a:ext uri="{28A0092B-C50C-407E-A947-70E740481C1C}">
+                <a14:useLocalDpi xmlns:a14="http://schemas.microsoft.com/office/drawing/2010/main" val="0"/>
+              </a:ext>
+            </a:extLst>
+          </a:blip>
+          <a:srcRect/>
+          <a:stretch>
+            <a:fillRect/>
+          </a:stretch>
+        </p:blipFill>
+        <p:spPr bwMode="auto">
+          <a:xfrm>
+            <a:off x="4598972" y="3935801"/>
+            <a:ext cx="4098925" cy="1711639"/>
+          </a:xfrm>
+          <a:prstGeom prst="rect">
+            <a:avLst/>
+          </a:prstGeom>
+          <a:noFill/>
+          <a:extLst>
+            <a:ext uri="{909E8E84-426E-40DD-AFC4-6F175D3DCCD1}">
+              <a14:hiddenFill xmlns:a14="http://schemas.microsoft.com/office/drawing/2010/main">
+                <a:solidFill>
+                  <a:srgbClr val="FFFFFF"/>
+                </a:solidFill>
+              </a14:hiddenFill>
+            </a:ext>
+          </a:extLst>
         </p:spPr>
       </p:pic>
     </p:spTree>
     <p:extLst>
       <p:ext uri="{BB962C8B-B14F-4D97-AF65-F5344CB8AC3E}">
-        <p14:creationId xmlns:p14="http://schemas.microsoft.com/office/powerpoint/2010/main" val="2409497983"/>
+        <p14:creationId xmlns:p14="http://schemas.microsoft.com/office/powerpoint/2010/main" val="1947496502"/>
       </p:ext>
     </p:extLst>
   </p:cSld>
@@ -14395,29 +15313,6 @@
       </p:grpSpPr>
       <p:sp>
         <p:nvSpPr>
-          <p:cNvPr id="2" name="Title 1"/>
-          <p:cNvSpPr>
-            <a:spLocks noGrp="1"/>
-          </p:cNvSpPr>
-          <p:nvPr>
-            <p:ph type="title"/>
-          </p:nvPr>
-        </p:nvSpPr>
-        <p:spPr/>
-        <p:txBody>
-          <a:bodyPr/>
-          <a:lstStyle/>
-          <a:p>
-            <a:r>
-              <a:rPr lang="en-US" dirty="0" smtClean="0"/>
-              <a:t>Promises Chain</a:t>
-            </a:r>
-            <a:endParaRPr lang="en-US" dirty="0"/>
-          </a:p>
-        </p:txBody>
-      </p:sp>
-      <p:sp>
-        <p:nvSpPr>
           <p:cNvPr id="3" name="Text Placeholder 2"/>
           <p:cNvSpPr>
             <a:spLocks noGrp="1"/>
@@ -14431,38 +15326,114 @@
           <a:bodyPr/>
           <a:lstStyle/>
           <a:p>
+            <a:r>
+              <a:rPr lang="en-US" dirty="0" smtClean="0"/>
+              <a:t>More than a package manager</a:t>
+            </a:r>
+          </a:p>
+          <a:p>
+            <a:r>
+              <a:rPr lang="en-US" dirty="0" smtClean="0"/>
+              <a:t>Also includes a runtime</a:t>
+            </a:r>
+          </a:p>
+          <a:p>
+            <a:pPr lvl="1"/>
+            <a:r>
+              <a:rPr lang="en-US" dirty="0" smtClean="0"/>
+              <a:t>System API </a:t>
+            </a:r>
+            <a:r>
+              <a:rPr lang="en-US" dirty="0" err="1" smtClean="0"/>
+              <a:t>polyfill</a:t>
+            </a:r>
+            <a:endParaRPr lang="en-US" dirty="0" smtClean="0"/>
+          </a:p>
+          <a:p>
+            <a:pPr lvl="1"/>
+            <a:r>
+              <a:rPr lang="en-US" dirty="0" smtClean="0"/>
+              <a:t>ES6 module loader</a:t>
+            </a:r>
+          </a:p>
+          <a:p>
+            <a:pPr lvl="1"/>
+            <a:r>
+              <a:rPr lang="en-US" dirty="0" smtClean="0"/>
+              <a:t>Runtime configuration</a:t>
+            </a:r>
+            <a:endParaRPr lang="en-US" dirty="0"/>
+          </a:p>
+        </p:txBody>
+      </p:sp>
+      <p:sp>
+        <p:nvSpPr>
+          <p:cNvPr id="5" name="Title 4"/>
+          <p:cNvSpPr>
+            <a:spLocks noGrp="1"/>
+          </p:cNvSpPr>
+          <p:nvPr>
+            <p:ph type="title"/>
+          </p:nvPr>
+        </p:nvSpPr>
+        <p:spPr/>
+        <p:txBody>
+          <a:bodyPr/>
+          <a:lstStyle/>
+          <a:p>
+            <a:r>
+              <a:rPr lang="en-US" dirty="0" smtClean="0"/>
+              <a:t>Install JSPM</a:t>
+            </a:r>
             <a:endParaRPr lang="en-US" dirty="0"/>
           </a:p>
         </p:txBody>
       </p:sp>
       <p:pic>
         <p:nvPicPr>
-          <p:cNvPr id="4" name="Picture 3"/>
+          <p:cNvPr id="1032" name="Picture 8" descr="https://s3.amazonaws.com/dailyjs/images/posts/jspmio.png"/>
           <p:cNvPicPr>
-            <a:picLocks noChangeAspect="1"/>
+            <a:picLocks noChangeAspect="1" noChangeArrowheads="1"/>
           </p:cNvPicPr>
           <p:nvPr/>
         </p:nvPicPr>
         <p:blipFill>
-          <a:blip r:embed="rId2"/>
+          <a:blip r:embed="rId2">
+            <a:extLst>
+              <a:ext uri="{28A0092B-C50C-407E-A947-70E740481C1C}">
+                <a14:useLocalDpi xmlns:a14="http://schemas.microsoft.com/office/drawing/2010/main" val="0"/>
+              </a:ext>
+            </a:extLst>
+          </a:blip>
+          <a:srcRect/>
           <a:stretch>
             <a:fillRect/>
           </a:stretch>
         </p:blipFill>
-        <p:spPr>
+        <p:spPr bwMode="auto">
           <a:xfrm>
-            <a:off x="2133600" y="1371600"/>
-            <a:ext cx="5381625" cy="4465164"/>
+            <a:off x="4419600" y="2514600"/>
+            <a:ext cx="4010025" cy="1876425"/>
           </a:xfrm>
           <a:prstGeom prst="rect">
             <a:avLst/>
           </a:prstGeom>
+          <a:noFill/>
+          <a:extLst>
+            <a:ext uri="{909E8E84-426E-40DD-AFC4-6F175D3DCCD1}">
+              <a14:hiddenFill xmlns:a14="http://schemas.microsoft.com/office/drawing/2010/main">
+                <a:solidFill>
+                  <a:srgbClr val="FFFFFF"/>
+                </a:solidFill>
+              </a14:hiddenFill>
+            </a:ext>
+          </a:extLst>
         </p:spPr>
       </p:pic>
     </p:spTree>
     <p:extLst>
       <p:ext uri="{BB962C8B-B14F-4D97-AF65-F5344CB8AC3E}">
-        <p14:creationId xmlns:p14="http://schemas.microsoft.com/office/powerpoint/2010/main" val="714271279"/>
+        <p14:creationId xmlns:p14="http://schemas.microsoft.com/office/powerpoint/2010/main" val="3332805517"/>
       </p:ext>
     </p:extLst>
   </p:cSld>
@@ -14614,9 +15585,22 @@
           <a:lstStyle/>
           <a:p>
             <a:r>
-              <a:rPr lang="en-US" dirty="0"/>
-              <a:t>Problem: Modularity &amp; Scope</a:t>
-            </a:r>
+              <a:rPr lang="en-US" dirty="0" err="1"/>
+              <a:t>j</a:t>
+            </a:r>
+            <a:r>
+              <a:rPr lang="en-US" dirty="0" err="1" smtClean="0"/>
+              <a:t>spm</a:t>
+            </a:r>
+            <a:r>
+              <a:rPr lang="en-US" dirty="0" smtClean="0"/>
+              <a:t> </a:t>
+            </a:r>
+            <a:r>
+              <a:rPr lang="en-US" dirty="0" err="1" smtClean="0"/>
+              <a:t>init</a:t>
+            </a:r>
+            <a:endParaRPr lang="en-US" dirty="0"/>
           </a:p>
         </p:txBody>
       </p:sp>
@@ -14655,8 +15639,8 @@
         </p:blipFill>
         <p:spPr>
           <a:xfrm>
-            <a:off x="1600200" y="1152525"/>
-            <a:ext cx="5943600" cy="4867275"/>
+            <a:off x="319087" y="1295400"/>
+            <a:ext cx="8505825" cy="5000625"/>
           </a:xfrm>
           <a:prstGeom prst="rect">
             <a:avLst/>
@@ -14666,7 +15650,7 @@
     </p:spTree>
     <p:extLst>
       <p:ext uri="{BB962C8B-B14F-4D97-AF65-F5344CB8AC3E}">
-        <p14:creationId xmlns:p14="http://schemas.microsoft.com/office/powerpoint/2010/main" val="2898753433"/>
+        <p14:creationId xmlns:p14="http://schemas.microsoft.com/office/powerpoint/2010/main" val="1195388990"/>
       </p:ext>
     </p:extLst>
   </p:cSld>
@@ -14719,8 +15703,16 @@
           <a:lstStyle/>
           <a:p>
             <a:r>
+              <a:rPr lang="en-US" dirty="0" err="1"/>
+              <a:t>j</a:t>
+            </a:r>
+            <a:r>
+              <a:rPr lang="en-US" dirty="0" err="1" smtClean="0"/>
+              <a:t>spm</a:t>
+            </a:r>
+            <a:r>
               <a:rPr lang="en-US" dirty="0" smtClean="0"/>
-              <a:t>Problem: Modularity &amp; Scope</a:t>
+              <a:t> install</a:t>
             </a:r>
             <a:endParaRPr lang="en-US" dirty="0"/>
           </a:p>
@@ -14743,73 +15735,110 @@
           <a:p>
             <a:r>
               <a:rPr lang="en-US" dirty="0" smtClean="0"/>
-              <a:t>Possible solutions</a:t>
+              <a:t>Dependencies manages in </a:t>
+            </a:r>
+            <a:r>
+              <a:rPr lang="en-US" dirty="0" err="1" smtClean="0"/>
+              <a:t>package.json</a:t>
+            </a:r>
+            <a:endParaRPr lang="en-US" dirty="0" smtClean="0"/>
+          </a:p>
+          <a:p>
+            <a:r>
+              <a:rPr lang="en-US" dirty="0" smtClean="0"/>
+              <a:t>You’ll probably want</a:t>
             </a:r>
           </a:p>
           <a:p>
             <a:pPr lvl="1"/>
             <a:r>
+              <a:rPr lang="en-US" dirty="0" err="1" smtClean="0"/>
+              <a:t>aurelia</a:t>
+            </a:r>
+            <a:r>
               <a:rPr lang="en-US" dirty="0" smtClean="0"/>
-              <a:t>Common JS</a:t>
+              <a:t>-framework</a:t>
             </a:r>
           </a:p>
           <a:p>
             <a:pPr lvl="1"/>
             <a:r>
+              <a:rPr lang="en-US" dirty="0" err="1" smtClean="0"/>
+              <a:t>aurelia-bootstrapper</a:t>
+            </a:r>
+            <a:endParaRPr lang="en-US" dirty="0" smtClean="0"/>
+          </a:p>
+          <a:p>
+            <a:pPr lvl="1"/>
+            <a:r>
+              <a:rPr lang="en-US" dirty="0" err="1"/>
+              <a:t>a</a:t>
+            </a:r>
+            <a:r>
+              <a:rPr lang="en-US" dirty="0" err="1" smtClean="0"/>
+              <a:t>urelia</a:t>
+            </a:r>
+            <a:r>
               <a:rPr lang="en-US" dirty="0" smtClean="0"/>
-              <a:t>Asynchronous Module Definitions</a:t>
+              <a:t>-router</a:t>
             </a:r>
           </a:p>
           <a:p>
             <a:pPr lvl="1"/>
             <a:r>
+              <a:rPr lang="en-US" dirty="0" err="1"/>
+              <a:t>a</a:t>
+            </a:r>
+            <a:r>
+              <a:rPr lang="en-US" dirty="0" err="1" smtClean="0"/>
+              <a:t>urelia</a:t>
+            </a:r>
+            <a:r>
               <a:rPr lang="en-US" dirty="0" smtClean="0"/>
-              <a:t>IFFE and </a:t>
-            </a:r>
-            <a:r>
-              <a:rPr lang="en-US" dirty="0" err="1" smtClean="0"/>
-              <a:t>Globals</a:t>
-            </a:r>
-            <a:endParaRPr lang="en-US" dirty="0" smtClean="0"/>
-          </a:p>
-          <a:p>
-            <a:r>
-              <a:rPr lang="en-US" dirty="0" smtClean="0"/>
-              <a:t>Think about how current libraries are designed</a:t>
-            </a:r>
-          </a:p>
-          <a:p>
-            <a:pPr lvl="1"/>
-            <a:r>
-              <a:rPr lang="en-US" dirty="0" smtClean="0"/>
-              <a:t>jQuery -&gt; $</a:t>
-            </a:r>
-          </a:p>
-          <a:p>
-            <a:pPr lvl="1"/>
-            <a:r>
-              <a:rPr lang="en-US" dirty="0" smtClean="0"/>
-              <a:t>Angular -&gt; angular</a:t>
-            </a:r>
-          </a:p>
-          <a:p>
-            <a:pPr lvl="1"/>
-            <a:r>
-              <a:rPr lang="en-US" dirty="0" err="1" smtClean="0"/>
-              <a:t>Lodash</a:t>
-            </a:r>
-            <a:r>
-              <a:rPr lang="en-US" dirty="0" smtClean="0"/>
-              <a:t> -&gt; _</a:t>
+              <a:t>-http-client</a:t>
             </a:r>
             <a:endParaRPr lang="en-US" dirty="0"/>
           </a:p>
         </p:txBody>
       </p:sp>
+      <p:pic>
+        <p:nvPicPr>
+          <p:cNvPr id="4" name="Picture 3"/>
+          <p:cNvPicPr>
+            <a:picLocks noChangeAspect="1"/>
+          </p:cNvPicPr>
+          <p:nvPr/>
+        </p:nvPicPr>
+        <p:blipFill>
+          <a:blip r:embed="rId2"/>
+          <a:stretch>
+            <a:fillRect/>
+          </a:stretch>
+        </p:blipFill>
+        <p:spPr>
+          <a:xfrm>
+            <a:off x="3505200" y="2819400"/>
+            <a:ext cx="5505450" cy="3273511"/>
+          </a:xfrm>
+          <a:prstGeom prst="rect">
+            <a:avLst/>
+          </a:prstGeom>
+          <a:ln>
+            <a:noFill/>
+          </a:ln>
+          <a:effectLst>
+            <a:outerShdw blurRad="292100" dist="139700" dir="2700000" algn="tl" rotWithShape="0">
+              <a:srgbClr val="333333">
+                <a:alpha val="65000"/>
+              </a:srgbClr>
+            </a:outerShdw>
+          </a:effectLst>
+        </p:spPr>
+      </p:pic>
     </p:spTree>
     <p:extLst>
       <p:ext uri="{BB962C8B-B14F-4D97-AF65-F5344CB8AC3E}">
-        <p14:creationId xmlns:p14="http://schemas.microsoft.com/office/powerpoint/2010/main" val="2133708177"/>
+        <p14:creationId xmlns:p14="http://schemas.microsoft.com/office/powerpoint/2010/main" val="786394994"/>
       </p:ext>
     </p:extLst>
   </p:cSld>
@@ -14863,7 +15892,7 @@
           <a:p>
             <a:r>
               <a:rPr lang="en-US" dirty="0" smtClean="0"/>
-              <a:t>Solution: Real Modules!</a:t>
+              <a:t>Bootstrap an App</a:t>
             </a:r>
             <a:endParaRPr lang="en-US" dirty="0"/>
           </a:p>
@@ -14886,7 +15915,37 @@
           <a:p>
             <a:r>
               <a:rPr lang="en-US" dirty="0" smtClean="0"/>
-              <a:t>Think “module” not “file”</a:t>
+              <a:t>Bring in</a:t>
+            </a:r>
+          </a:p>
+          <a:p>
+            <a:pPr lvl="1"/>
+            <a:r>
+              <a:rPr lang="en-US" dirty="0" err="1" smtClean="0"/>
+              <a:t>SystemJS</a:t>
+            </a:r>
+            <a:endParaRPr lang="en-US" dirty="0" smtClean="0"/>
+          </a:p>
+          <a:p>
+            <a:pPr lvl="1"/>
+            <a:r>
+              <a:rPr lang="en-US" dirty="0" smtClean="0"/>
+              <a:t>Runtime module configuration</a:t>
+            </a:r>
+          </a:p>
+          <a:p>
+            <a:pPr lvl="1"/>
+            <a:r>
+              <a:rPr lang="en-US" dirty="0" smtClean="0"/>
+              <a:t>Aurelia </a:t>
+            </a:r>
+            <a:r>
+              <a:rPr lang="en-US" dirty="0" err="1"/>
+              <a:t>b</a:t>
+            </a:r>
+            <a:r>
+              <a:rPr lang="en-US" dirty="0" err="1" smtClean="0"/>
+              <a:t>ootstrapper</a:t>
             </a:r>
             <a:endParaRPr lang="en-US" dirty="0"/>
           </a:p>
@@ -14894,7 +15953,7 @@
       </p:sp>
       <p:pic>
         <p:nvPicPr>
-          <p:cNvPr id="4" name="Picture 3"/>
+          <p:cNvPr id="5" name="Picture 4"/>
           <p:cNvPicPr>
             <a:picLocks noChangeAspect="1"/>
           </p:cNvPicPr>
@@ -14908,18 +15967,28 @@
         </p:blipFill>
         <p:spPr>
           <a:xfrm>
-            <a:off x="1295400" y="2114550"/>
-            <a:ext cx="6553200" cy="4133850"/>
+            <a:off x="1676400" y="3429000"/>
+            <a:ext cx="5514975" cy="1885950"/>
           </a:xfrm>
           <a:prstGeom prst="rect">
             <a:avLst/>
           </a:prstGeom>
+          <a:ln>
+            <a:noFill/>
+          </a:ln>
+          <a:effectLst>
+            <a:outerShdw blurRad="292100" dist="139700" dir="2700000" algn="tl" rotWithShape="0">
+              <a:srgbClr val="333333">
+                <a:alpha val="65000"/>
+              </a:srgbClr>
+            </a:outerShdw>
+          </a:effectLst>
         </p:spPr>
       </p:pic>
     </p:spTree>
     <p:extLst>
       <p:ext uri="{BB962C8B-B14F-4D97-AF65-F5344CB8AC3E}">
-        <p14:creationId xmlns:p14="http://schemas.microsoft.com/office/powerpoint/2010/main" val="1130584943"/>
+        <p14:creationId xmlns:p14="http://schemas.microsoft.com/office/powerpoint/2010/main" val="3332950502"/>
       </p:ext>
     </p:extLst>
   </p:cSld>
@@ -14973,7 +16042,7 @@
           <a:p>
             <a:r>
               <a:rPr lang="en-US" dirty="0" smtClean="0"/>
-              <a:t>Imports</a:t>
+              <a:t>Aurelia Conventions</a:t>
             </a:r>
             <a:endParaRPr lang="en-US" dirty="0"/>
           </a:p>
@@ -15014,18 +16083,209 @@
         </p:blipFill>
         <p:spPr>
           <a:xfrm>
-            <a:off x="533400" y="1976980"/>
-            <a:ext cx="8196262" cy="3123657"/>
+            <a:off x="1905000" y="2057400"/>
+            <a:ext cx="5143500" cy="1381125"/>
           </a:xfrm>
           <a:prstGeom prst="rect">
             <a:avLst/>
           </a:prstGeom>
+          <a:ln>
+            <a:noFill/>
+          </a:ln>
+          <a:effectLst>
+            <a:outerShdw blurRad="292100" dist="139700" dir="2700000" algn="tl" rotWithShape="0">
+              <a:srgbClr val="333333">
+                <a:alpha val="65000"/>
+              </a:srgbClr>
+            </a:outerShdw>
+          </a:effectLst>
         </p:spPr>
       </p:pic>
+      <p:pic>
+        <p:nvPicPr>
+          <p:cNvPr id="5" name="Picture 4"/>
+          <p:cNvPicPr>
+            <a:picLocks noChangeAspect="1"/>
+          </p:cNvPicPr>
+          <p:nvPr/>
+        </p:nvPicPr>
+        <p:blipFill>
+          <a:blip r:embed="rId3"/>
+          <a:stretch>
+            <a:fillRect/>
+          </a:stretch>
+        </p:blipFill>
+        <p:spPr>
+          <a:xfrm>
+            <a:off x="1747837" y="4219575"/>
+            <a:ext cx="5648325" cy="1724025"/>
+          </a:xfrm>
+          <a:prstGeom prst="rect">
+            <a:avLst/>
+          </a:prstGeom>
+          <a:ln>
+            <a:noFill/>
+          </a:ln>
+          <a:effectLst>
+            <a:outerShdw blurRad="292100" dist="139700" dir="2700000" algn="tl" rotWithShape="0">
+              <a:srgbClr val="333333">
+                <a:alpha val="65000"/>
+              </a:srgbClr>
+            </a:outerShdw>
+          </a:effectLst>
+        </p:spPr>
+      </p:pic>
+      <p:sp>
+        <p:nvSpPr>
+          <p:cNvPr id="6" name="TextBox 5"/>
+          <p:cNvSpPr txBox="1"/>
+          <p:nvPr/>
+        </p:nvSpPr>
+        <p:spPr bwMode="auto">
+          <a:xfrm>
+            <a:off x="4182438" y="3334464"/>
+            <a:ext cx="588624" cy="923330"/>
+          </a:xfrm>
+          <a:prstGeom prst="rect">
+            <a:avLst/>
+          </a:prstGeom>
+          <a:noFill/>
+          <a:ln w="9525">
+            <a:noFill/>
+            <a:miter lim="800000"/>
+            <a:headEnd/>
+            <a:tailEnd/>
+          </a:ln>
+        </p:spPr>
+        <p:txBody>
+          <a:bodyPr wrap="none" rtlCol="0">
+            <a:spAutoFit/>
+          </a:bodyPr>
+          <a:lstStyle/>
+          <a:p>
+            <a:r>
+              <a:rPr lang="en-US" sz="5400" dirty="0" smtClean="0">
+                <a:solidFill>
+                  <a:srgbClr val="002060"/>
+                </a:solidFill>
+                <a:latin typeface="Tekton Pro" pitchFamily="34" charset="0"/>
+              </a:rPr>
+              <a:t>+</a:t>
+            </a:r>
+            <a:endParaRPr lang="en-US" sz="5400" dirty="0">
+              <a:solidFill>
+                <a:srgbClr val="002060"/>
+              </a:solidFill>
+              <a:latin typeface="Tekton Pro" pitchFamily="34" charset="0"/>
+            </a:endParaRPr>
+          </a:p>
+        </p:txBody>
+      </p:sp>
+      <p:sp>
+        <p:nvSpPr>
+          <p:cNvPr id="7" name="TextBox 6"/>
+          <p:cNvSpPr txBox="1"/>
+          <p:nvPr/>
+        </p:nvSpPr>
+        <p:spPr bwMode="auto">
+          <a:xfrm>
+            <a:off x="918516" y="2563296"/>
+            <a:ext cx="851515" cy="369332"/>
+          </a:xfrm>
+          <a:prstGeom prst="rect">
+            <a:avLst/>
+          </a:prstGeom>
+          <a:noFill/>
+          <a:ln w="9525">
+            <a:noFill/>
+            <a:miter lim="800000"/>
+            <a:headEnd/>
+            <a:tailEnd/>
+          </a:ln>
+        </p:spPr>
+        <p:txBody>
+          <a:bodyPr wrap="none" rtlCol="0">
+            <a:spAutoFit/>
+          </a:bodyPr>
+          <a:lstStyle/>
+          <a:p>
+            <a:r>
+              <a:rPr lang="en-US" sz="1800" dirty="0">
+                <a:solidFill>
+                  <a:srgbClr val="002060"/>
+                </a:solidFill>
+                <a:latin typeface="Tekton Pro" pitchFamily="34" charset="0"/>
+              </a:rPr>
+              <a:t>a</a:t>
+            </a:r>
+            <a:r>
+              <a:rPr lang="en-US" sz="1800" dirty="0" smtClean="0">
+                <a:solidFill>
+                  <a:srgbClr val="002060"/>
+                </a:solidFill>
+                <a:latin typeface="Tekton Pro" pitchFamily="34" charset="0"/>
+              </a:rPr>
+              <a:t>pp.js</a:t>
+            </a:r>
+            <a:endParaRPr lang="en-US" sz="1800" dirty="0">
+              <a:solidFill>
+                <a:srgbClr val="002060"/>
+              </a:solidFill>
+              <a:latin typeface="Tekton Pro" pitchFamily="34" charset="0"/>
+            </a:endParaRPr>
+          </a:p>
+        </p:txBody>
+      </p:sp>
+      <p:sp>
+        <p:nvSpPr>
+          <p:cNvPr id="8" name="TextBox 7"/>
+          <p:cNvSpPr txBox="1"/>
+          <p:nvPr/>
+        </p:nvSpPr>
+        <p:spPr bwMode="auto">
+          <a:xfrm>
+            <a:off x="529284" y="4734772"/>
+            <a:ext cx="1146469" cy="369332"/>
+          </a:xfrm>
+          <a:prstGeom prst="rect">
+            <a:avLst/>
+          </a:prstGeom>
+          <a:noFill/>
+          <a:ln w="9525">
+            <a:noFill/>
+            <a:miter lim="800000"/>
+            <a:headEnd/>
+            <a:tailEnd/>
+          </a:ln>
+        </p:spPr>
+        <p:txBody>
+          <a:bodyPr wrap="none" rtlCol="0">
+            <a:spAutoFit/>
+          </a:bodyPr>
+          <a:lstStyle/>
+          <a:p>
+            <a:r>
+              <a:rPr lang="en-US" sz="1800" dirty="0" smtClean="0">
+                <a:solidFill>
+                  <a:srgbClr val="002060"/>
+                </a:solidFill>
+                <a:latin typeface="Tekton Pro" pitchFamily="34" charset="0"/>
+              </a:rPr>
+              <a:t>app.html</a:t>
+            </a:r>
+            <a:endParaRPr lang="en-US" sz="1800" dirty="0">
+              <a:solidFill>
+                <a:srgbClr val="002060"/>
+              </a:solidFill>
+              <a:latin typeface="Tekton Pro" pitchFamily="34" charset="0"/>
+            </a:endParaRPr>
+          </a:p>
+        </p:txBody>
+      </p:sp>
     </p:spTree>
     <p:extLst>
       <p:ext uri="{BB962C8B-B14F-4D97-AF65-F5344CB8AC3E}">
-        <p14:creationId xmlns:p14="http://schemas.microsoft.com/office/powerpoint/2010/main" val="2518291001"/>
+        <p14:creationId xmlns:p14="http://schemas.microsoft.com/office/powerpoint/2010/main" val="190545030"/>
       </p:ext>
     </p:extLst>
   </p:cSld>
@@ -15079,7 +16339,7 @@
           <a:p>
             <a:r>
               <a:rPr lang="en-US" dirty="0" smtClean="0"/>
-              <a:t>Multiple Exports</a:t>
+              <a:t>Taking Control</a:t>
             </a:r>
             <a:endParaRPr lang="en-US" dirty="0"/>
           </a:p>
@@ -15100,7 +16360,15 @@
           <a:bodyPr/>
           <a:lstStyle/>
           <a:p>
-            <a:endParaRPr lang="en-US"/>
+            <a:r>
+              <a:rPr lang="en-US" dirty="0" smtClean="0"/>
+              <a:t>Specify a configure module for </a:t>
+            </a:r>
+            <a:r>
+              <a:rPr lang="en-US" dirty="0" err="1" smtClean="0"/>
+              <a:t>aurelia</a:t>
+            </a:r>
+            <a:endParaRPr lang="en-US" dirty="0"/>
           </a:p>
         </p:txBody>
       </p:sp>
@@ -15120,8 +16388,42 @@
         </p:blipFill>
         <p:spPr>
           <a:xfrm>
-            <a:off x="1752600" y="1252537"/>
-            <a:ext cx="6139229" cy="4886325"/>
+            <a:off x="420210" y="2209800"/>
+            <a:ext cx="5495925" cy="1752600"/>
+          </a:xfrm>
+          <a:prstGeom prst="rect">
+            <a:avLst/>
+          </a:prstGeom>
+          <a:ln>
+            <a:noFill/>
+          </a:ln>
+          <a:effectLst>
+            <a:outerShdw blurRad="292100" dist="139700" dir="2700000" algn="tl" rotWithShape="0">
+              <a:srgbClr val="333333">
+                <a:alpha val="65000"/>
+              </a:srgbClr>
+            </a:outerShdw>
+          </a:effectLst>
+        </p:spPr>
+      </p:pic>
+      <p:pic>
+        <p:nvPicPr>
+          <p:cNvPr id="5" name="Picture 4"/>
+          <p:cNvPicPr>
+            <a:picLocks noChangeAspect="1"/>
+          </p:cNvPicPr>
+          <p:nvPr/>
+        </p:nvPicPr>
+        <p:blipFill>
+          <a:blip r:embed="rId3"/>
+          <a:stretch>
+            <a:fillRect/>
+          </a:stretch>
+        </p:blipFill>
+        <p:spPr>
+          <a:xfrm>
+            <a:off x="3657600" y="4114800"/>
+            <a:ext cx="4886325" cy="2295525"/>
           </a:xfrm>
           <a:prstGeom prst="rect">
             <a:avLst/>
@@ -15131,7 +16433,7 @@
     </p:spTree>
     <p:extLst>
       <p:ext uri="{BB962C8B-B14F-4D97-AF65-F5344CB8AC3E}">
-        <p14:creationId xmlns:p14="http://schemas.microsoft.com/office/powerpoint/2010/main" val="4204329791"/>
+        <p14:creationId xmlns:p14="http://schemas.microsoft.com/office/powerpoint/2010/main" val="3860861330"/>
       </p:ext>
     </p:extLst>
   </p:cSld>
@@ -15185,7 +16487,7 @@
           <a:p>
             <a:r>
               <a:rPr lang="en-US" dirty="0" smtClean="0"/>
-              <a:t>Making It Work</a:t>
+              <a:t>Dependency Injection</a:t>
             </a:r>
             <a:endParaRPr lang="en-US" dirty="0"/>
           </a:p>
@@ -15206,47 +16508,28 @@
           <a:bodyPr/>
           <a:lstStyle/>
           <a:p>
-            <a:endParaRPr lang="en-US"/>
-          </a:p>
-        </p:txBody>
-      </p:sp>
-      <p:sp>
-        <p:nvSpPr>
-          <p:cNvPr id="4" name="Rectangle 3"/>
-          <p:cNvSpPr/>
-          <p:nvPr/>
-        </p:nvSpPr>
-        <p:spPr>
-          <a:xfrm>
-            <a:off x="2362200" y="990600"/>
-            <a:ext cx="4445063" cy="338554"/>
-          </a:xfrm>
-          <a:prstGeom prst="rect">
-            <a:avLst/>
-          </a:prstGeom>
-        </p:spPr>
-        <p:txBody>
-          <a:bodyPr wrap="none">
-            <a:spAutoFit/>
-          </a:bodyPr>
-          <a:lstStyle/>
-          <a:p>
-            <a:r>
-              <a:rPr lang="en-US" dirty="0">
-                <a:solidFill>
-                  <a:srgbClr val="000000"/>
-                </a:solidFill>
-                <a:latin typeface="Segoe UI" panose="020B0502040204020203" pitchFamily="34" charset="0"/>
-              </a:rPr>
-              <a:t>https://kangax.github.io/compat-table/es6/</a:t>
-            </a:r>
+            <a:r>
+              <a:rPr lang="en-US" dirty="0" smtClean="0"/>
+              <a:t>Container configured during startup</a:t>
+            </a:r>
+          </a:p>
+          <a:p>
+            <a:r>
+              <a:rPr lang="en-US" dirty="0" smtClean="0"/>
+              <a:t>Can inject using decorators</a:t>
+            </a:r>
+          </a:p>
+          <a:p>
+            <a:pPr marL="0" indent="0">
+              <a:buNone/>
+            </a:pPr>
             <a:endParaRPr lang="en-US" dirty="0"/>
           </a:p>
         </p:txBody>
       </p:sp>
       <p:pic>
         <p:nvPicPr>
-          <p:cNvPr id="5" name="Picture 4"/>
+          <p:cNvPr id="4" name="Picture 3"/>
           <p:cNvPicPr>
             <a:picLocks noChangeAspect="1"/>
           </p:cNvPicPr>
@@ -15260,18 +16543,28 @@
         </p:blipFill>
         <p:spPr>
           <a:xfrm>
-            <a:off x="785812" y="1459832"/>
-            <a:ext cx="7572375" cy="4929330"/>
+            <a:off x="1704975" y="2971800"/>
+            <a:ext cx="5734050" cy="2647950"/>
           </a:xfrm>
           <a:prstGeom prst="rect">
             <a:avLst/>
           </a:prstGeom>
+          <a:ln>
+            <a:noFill/>
+          </a:ln>
+          <a:effectLst>
+            <a:outerShdw blurRad="292100" dist="139700" dir="2700000" algn="tl" rotWithShape="0">
+              <a:srgbClr val="333333">
+                <a:alpha val="65000"/>
+              </a:srgbClr>
+            </a:outerShdw>
+          </a:effectLst>
         </p:spPr>
       </p:pic>
     </p:spTree>
     <p:extLst>
       <p:ext uri="{BB962C8B-B14F-4D97-AF65-F5344CB8AC3E}">
-        <p14:creationId xmlns:p14="http://schemas.microsoft.com/office/powerpoint/2010/main" val="1631893286"/>
+        <p14:creationId xmlns:p14="http://schemas.microsoft.com/office/powerpoint/2010/main" val="1976349191"/>
       </p:ext>
     </p:extLst>
   </p:cSld>
@@ -15325,7 +16618,11 @@
           <a:p>
             <a:r>
               <a:rPr lang="en-US" dirty="0" smtClean="0"/>
-              <a:t>Build Your JavaScript</a:t>
+              <a:t>Creating </a:t>
+            </a:r>
+            <a:r>
+              <a:rPr lang="en-US" dirty="0" smtClean="0"/>
+              <a:t>Components</a:t>
             </a:r>
             <a:endParaRPr lang="en-US" dirty="0"/>
           </a:p>
@@ -15348,42 +16645,20 @@
           <a:p>
             <a:r>
               <a:rPr lang="en-US" dirty="0" smtClean="0"/>
-              <a:t>Use with Grunt, Gulp, </a:t>
-            </a:r>
-            <a:r>
-              <a:rPr lang="en-US" dirty="0" err="1" smtClean="0"/>
-              <a:t>WebPack</a:t>
-            </a:r>
+              <a:t>Write plain JavaScript and export</a:t>
+            </a:r>
+          </a:p>
+          <a:p>
             <a:r>
               <a:rPr lang="en-US" dirty="0" smtClean="0"/>
-              <a:t>, JSPM</a:t>
-            </a:r>
-          </a:p>
-          <a:p>
-            <a:pPr lvl="1"/>
-            <a:r>
-              <a:rPr lang="en-US" dirty="0" smtClean="0"/>
-              <a:t>Many others</a:t>
-            </a:r>
-            <a:endParaRPr lang="en-US" dirty="0"/>
-          </a:p>
-          <a:p>
-            <a:pPr lvl="1"/>
-            <a:r>
-              <a:rPr lang="en-US" dirty="0"/>
-              <a:t>O</a:t>
-            </a:r>
-            <a:r>
-              <a:rPr lang="en-US" dirty="0" smtClean="0"/>
-              <a:t>r . . . directly in a browser</a:t>
-            </a:r>
-            <a:endParaRPr lang="en-US" dirty="0"/>
+              <a:t>Import or inject where needed</a:t>
+            </a:r>
           </a:p>
         </p:txBody>
       </p:sp>
       <p:pic>
         <p:nvPicPr>
-          <p:cNvPr id="5" name="Picture 4"/>
+          <p:cNvPr id="4" name="Picture 3"/>
           <p:cNvPicPr>
             <a:picLocks noChangeAspect="1"/>
           </p:cNvPicPr>
@@ -15397,52 +16672,28 @@
         </p:blipFill>
         <p:spPr>
           <a:xfrm>
-            <a:off x="990600" y="2967038"/>
-            <a:ext cx="7332777" cy="2519362"/>
+            <a:off x="2138362" y="2743200"/>
+            <a:ext cx="4867275" cy="3048000"/>
           </a:xfrm>
           <a:prstGeom prst="rect">
             <a:avLst/>
           </a:prstGeom>
+          <a:ln>
+            <a:noFill/>
+          </a:ln>
+          <a:effectLst>
+            <a:outerShdw blurRad="292100" dist="139700" dir="2700000" algn="tl" rotWithShape="0">
+              <a:srgbClr val="333333">
+                <a:alpha val="65000"/>
+              </a:srgbClr>
+            </a:outerShdw>
+          </a:effectLst>
         </p:spPr>
       </p:pic>
-      <p:sp>
-        <p:nvSpPr>
-          <p:cNvPr id="6" name="Rectangle 5"/>
-          <p:cNvSpPr/>
-          <p:nvPr/>
-        </p:nvSpPr>
-        <p:spPr>
-          <a:xfrm>
-            <a:off x="3402446" y="990600"/>
-            <a:ext cx="1931554" cy="338554"/>
-          </a:xfrm>
-          <a:prstGeom prst="rect">
-            <a:avLst/>
-          </a:prstGeom>
-        </p:spPr>
-        <p:txBody>
-          <a:bodyPr wrap="none">
-            <a:spAutoFit/>
-          </a:bodyPr>
-          <a:lstStyle/>
-          <a:p>
-            <a:r>
-              <a:rPr lang="en-US" dirty="0">
-                <a:solidFill>
-                  <a:srgbClr val="000000"/>
-                </a:solidFill>
-                <a:latin typeface="Segoe UI" panose="020B0502040204020203" pitchFamily="34" charset="0"/>
-              </a:rPr>
-              <a:t>https://babeljs.io/</a:t>
-            </a:r>
-            <a:endParaRPr lang="en-US" dirty="0"/>
-          </a:p>
-        </p:txBody>
-      </p:sp>
     </p:spTree>
     <p:extLst>
       <p:ext uri="{BB962C8B-B14F-4D97-AF65-F5344CB8AC3E}">
-        <p14:creationId xmlns:p14="http://schemas.microsoft.com/office/powerpoint/2010/main" val="1082727983"/>
+        <p14:creationId xmlns:p14="http://schemas.microsoft.com/office/powerpoint/2010/main" val="855856692"/>
       </p:ext>
     </p:extLst>
   </p:cSld>
@@ -15495,12 +16746,12 @@
           <a:lstStyle/>
           <a:p>
             <a:r>
-              <a:rPr lang="en-US" dirty="0" err="1" smtClean="0"/>
-              <a:t>Polyfill</a:t>
-            </a:r>
-            <a:r>
               <a:rPr lang="en-US" dirty="0" smtClean="0"/>
-              <a:t> Your Browser</a:t>
+              <a:t>Aurelia – Check </a:t>
+            </a:r>
+            <a:r>
+              <a:rPr lang="en-US" smtClean="0"/>
+              <a:t>It Out</a:t>
             </a:r>
             <a:endParaRPr lang="en-US" dirty="0"/>
           </a:p>
@@ -15523,40 +16774,49 @@
           <a:p>
             <a:r>
               <a:rPr lang="en-US" dirty="0" smtClean="0"/>
-              <a:t>Almost automatic with many bundling tools</a:t>
-            </a:r>
-            <a:endParaRPr lang="en-US" dirty="0"/>
-          </a:p>
-        </p:txBody>
-      </p:sp>
-      <p:pic>
-        <p:nvPicPr>
-          <p:cNvPr id="4" name="Picture 3"/>
-          <p:cNvPicPr>
-            <a:picLocks noChangeAspect="1"/>
-          </p:cNvPicPr>
-          <p:nvPr/>
-        </p:nvPicPr>
-        <p:blipFill>
-          <a:blip r:embed="rId2"/>
-          <a:stretch>
-            <a:fillRect/>
-          </a:stretch>
-        </p:blipFill>
-        <p:spPr>
-          <a:xfrm>
-            <a:off x="1066800" y="2286000"/>
-            <a:ext cx="7205662" cy="2531369"/>
-          </a:xfrm>
-          <a:prstGeom prst="rect">
-            <a:avLst/>
-          </a:prstGeom>
-        </p:spPr>
-      </p:pic>
+              <a:t>The beta is almost here!</a:t>
+            </a:r>
+          </a:p>
+          <a:p>
+            <a:r>
+              <a:rPr lang="en-US" dirty="0" smtClean="0"/>
+              <a:t> </a:t>
+            </a:r>
+            <a:r>
+              <a:rPr lang="en-US" dirty="0" smtClean="0">
+                <a:hlinkClick r:id="rId2"/>
+              </a:rPr>
+              <a:t>http</a:t>
+            </a:r>
+            <a:r>
+              <a:rPr lang="en-US" dirty="0" smtClean="0">
+                <a:hlinkClick r:id="rId2"/>
+              </a:rPr>
+              <a:t>://aurelia.io</a:t>
+            </a:r>
+            <a:endParaRPr lang="en-US" dirty="0" smtClean="0"/>
+          </a:p>
+          <a:p>
+            <a:r>
+              <a:rPr lang="en-US" dirty="0">
+                <a:hlinkClick r:id="rId3"/>
+              </a:rPr>
+              <a:t>https://</a:t>
+            </a:r>
+            <a:r>
+              <a:rPr lang="en-US" dirty="0" smtClean="0">
+                <a:hlinkClick r:id="rId3"/>
+              </a:rPr>
+              <a:t>gitter.im/Aurelia/Discuss</a:t>
+            </a:r>
+            <a:endParaRPr lang="en-US" dirty="0" smtClean="0"/>
+          </a:p>
+        </p:txBody>
+      </p:sp>
     </p:spTree>
     <p:extLst>
       <p:ext uri="{BB962C8B-B14F-4D97-AF65-F5344CB8AC3E}">
-        <p14:creationId xmlns:p14="http://schemas.microsoft.com/office/powerpoint/2010/main" val="3744934740"/>
+        <p14:creationId xmlns:p14="http://schemas.microsoft.com/office/powerpoint/2010/main" val="1975499280"/>
       </p:ext>
     </p:extLst>
   </p:cSld>
@@ -15577,150 +16837,6 @@
 </file>
 
 <file path=ppt/slides/slide48.xml><?xml version="1.0" encoding="utf-8"?>
-<p:sld xmlns:a="http://schemas.openxmlformats.org/drawingml/2006/main" xmlns:r="http://schemas.openxmlformats.org/officeDocument/2006/relationships" xmlns:p="http://schemas.openxmlformats.org/presentationml/2006/main">
-  <p:cSld>
-    <p:spTree>
-      <p:nvGrpSpPr>
-        <p:cNvPr id="1" name=""/>
-        <p:cNvGrpSpPr/>
-        <p:nvPr/>
-      </p:nvGrpSpPr>
-      <p:grpSpPr>
-        <a:xfrm>
-          <a:off x="0" y="0"/>
-          <a:ext cx="0" cy="0"/>
-          <a:chOff x="0" y="0"/>
-          <a:chExt cx="0" cy="0"/>
-        </a:xfrm>
-      </p:grpSpPr>
-      <p:sp>
-        <p:nvSpPr>
-          <p:cNvPr id="2" name="Title 1"/>
-          <p:cNvSpPr>
-            <a:spLocks noGrp="1"/>
-          </p:cNvSpPr>
-          <p:nvPr>
-            <p:ph type="title"/>
-          </p:nvPr>
-        </p:nvSpPr>
-        <p:spPr/>
-        <p:txBody>
-          <a:bodyPr/>
-          <a:lstStyle/>
-          <a:p>
-            <a:r>
-              <a:rPr lang="en-US" dirty="0" smtClean="0"/>
-              <a:t>Build Your Modules</a:t>
-            </a:r>
-            <a:endParaRPr lang="en-US" dirty="0"/>
-          </a:p>
-        </p:txBody>
-      </p:sp>
-      <p:sp>
-        <p:nvSpPr>
-          <p:cNvPr id="3" name="Text Placeholder 2"/>
-          <p:cNvSpPr>
-            <a:spLocks noGrp="1"/>
-          </p:cNvSpPr>
-          <p:nvPr>
-            <p:ph type="body" idx="1"/>
-          </p:nvPr>
-        </p:nvSpPr>
-        <p:spPr/>
-        <p:txBody>
-          <a:bodyPr/>
-          <a:lstStyle/>
-          <a:p>
-            <a:r>
-              <a:rPr lang="en-US" dirty="0" smtClean="0"/>
-              <a:t>Bundle them, too</a:t>
-            </a:r>
-            <a:endParaRPr lang="en-US" dirty="0"/>
-          </a:p>
-        </p:txBody>
-      </p:sp>
-      <p:pic>
-        <p:nvPicPr>
-          <p:cNvPr id="4" name="Picture 3"/>
-          <p:cNvPicPr>
-            <a:picLocks noChangeAspect="1"/>
-          </p:cNvPicPr>
-          <p:nvPr/>
-        </p:nvPicPr>
-        <p:blipFill>
-          <a:blip r:embed="rId2"/>
-          <a:stretch>
-            <a:fillRect/>
-          </a:stretch>
-        </p:blipFill>
-        <p:spPr>
-          <a:xfrm>
-            <a:off x="1524000" y="2667000"/>
-            <a:ext cx="6225208" cy="2921204"/>
-          </a:xfrm>
-          <a:prstGeom prst="rect">
-            <a:avLst/>
-          </a:prstGeom>
-        </p:spPr>
-      </p:pic>
-      <p:sp>
-        <p:nvSpPr>
-          <p:cNvPr id="5" name="Rectangle 4"/>
-          <p:cNvSpPr/>
-          <p:nvPr/>
-        </p:nvSpPr>
-        <p:spPr>
-          <a:xfrm>
-            <a:off x="3124200" y="1066800"/>
-            <a:ext cx="2714589" cy="338554"/>
-          </a:xfrm>
-          <a:prstGeom prst="rect">
-            <a:avLst/>
-          </a:prstGeom>
-        </p:spPr>
-        <p:txBody>
-          <a:bodyPr wrap="none">
-            <a:spAutoFit/>
-          </a:bodyPr>
-          <a:lstStyle/>
-          <a:p>
-            <a:r>
-              <a:rPr lang="en-US" dirty="0">
-                <a:solidFill>
-                  <a:srgbClr val="000000"/>
-                </a:solidFill>
-                <a:latin typeface="Segoe UI" panose="020B0502040204020203" pitchFamily="34" charset="0"/>
-              </a:rPr>
-              <a:t>http://webpack.github.io/</a:t>
-            </a:r>
-            <a:endParaRPr lang="en-US" dirty="0"/>
-          </a:p>
-        </p:txBody>
-      </p:sp>
-    </p:spTree>
-    <p:extLst>
-      <p:ext uri="{BB962C8B-B14F-4D97-AF65-F5344CB8AC3E}">
-        <p14:creationId xmlns:p14="http://schemas.microsoft.com/office/powerpoint/2010/main" val="1429225010"/>
-      </p:ext>
-    </p:extLst>
-  </p:cSld>
-  <p:clrMapOvr>
-    <a:masterClrMapping/>
-  </p:clrMapOvr>
-  <p:transition>
-    <p:fade/>
-  </p:transition>
-  <p:timing>
-    <p:tnLst>
-      <p:par>
-        <p:cTn id="1" dur="indefinite" restart="never" nodeType="tmRoot"/>
-      </p:par>
-    </p:tnLst>
-  </p:timing>
-</p:sld>
-</file>
-
-<file path=ppt/slides/slide49.xml><?xml version="1.0" encoding="utf-8"?>
 <p:sld xmlns:a="http://schemas.openxmlformats.org/drawingml/2006/main" xmlns:r="http://schemas.openxmlformats.org/officeDocument/2006/relationships" xmlns:p="http://schemas.openxmlformats.org/presentationml/2006/main">
   <p:cSld>
     <p:spTree>
@@ -17626,30 +18742,7 @@
           <a:p>
             <a:r>
               <a:rPr lang="en-US" dirty="0" smtClean="0"/>
-              <a:t>Problem</a:t>
-            </a:r>
-            <a:endParaRPr lang="en-US" dirty="0"/>
-          </a:p>
-        </p:txBody>
-      </p:sp>
-      <p:sp>
-        <p:nvSpPr>
-          <p:cNvPr id="3" name="Text Placeholder 2"/>
-          <p:cNvSpPr>
-            <a:spLocks noGrp="1"/>
-          </p:cNvSpPr>
-          <p:nvPr>
-            <p:ph type="body" idx="1"/>
-          </p:nvPr>
-        </p:nvSpPr>
-        <p:spPr/>
-        <p:txBody>
-          <a:bodyPr/>
-          <a:lstStyle/>
-          <a:p>
-            <a:r>
-              <a:rPr lang="en-US" dirty="0" smtClean="0"/>
-              <a:t>JavaScript has no block scope</a:t>
+              <a:t>Solution: String Templates</a:t>
             </a:r>
             <a:endParaRPr lang="en-US" dirty="0"/>
           </a:p>
@@ -17671,8 +18764,8 @@
         </p:blipFill>
         <p:spPr>
           <a:xfrm>
-            <a:off x="752475" y="2286000"/>
-            <a:ext cx="7172325" cy="3124200"/>
+            <a:off x="609600" y="1990725"/>
+            <a:ext cx="7543800" cy="1666875"/>
           </a:xfrm>
           <a:prstGeom prst="rect">
             <a:avLst/>
@@ -17682,7 +18775,7 @@
     </p:spTree>
     <p:extLst>
       <p:ext uri="{BB962C8B-B14F-4D97-AF65-F5344CB8AC3E}">
-        <p14:creationId xmlns:p14="http://schemas.microsoft.com/office/powerpoint/2010/main" val="1778296487"/>
+        <p14:creationId xmlns:p14="http://schemas.microsoft.com/office/powerpoint/2010/main" val="2415355079"/>
       </p:ext>
     </p:extLst>
   </p:cSld>
@@ -17695,83 +18788,7 @@
   <p:timing>
     <p:tnLst>
       <p:par>
-        <p:cTn id="1" dur="indefinite" restart="never" nodeType="tmRoot">
-          <p:childTnLst>
-            <p:seq concurrent="1" nextAc="seek">
-              <p:cTn id="2" dur="indefinite" nodeType="mainSeq">
-                <p:childTnLst>
-                  <p:par>
-                    <p:cTn id="3" fill="hold">
-                      <p:stCondLst>
-                        <p:cond delay="indefinite"/>
-                      </p:stCondLst>
-                      <p:childTnLst>
-                        <p:par>
-                          <p:cTn id="4" fill="hold">
-                            <p:stCondLst>
-                              <p:cond delay="0"/>
-                            </p:stCondLst>
-                            <p:childTnLst>
-                              <p:par>
-                                <p:cTn id="5" presetID="10" presetClass="entr" presetSubtype="0" fill="hold" nodeType="clickEffect">
-                                  <p:stCondLst>
-                                    <p:cond delay="0"/>
-                                  </p:stCondLst>
-                                  <p:childTnLst>
-                                    <p:set>
-                                      <p:cBhvr>
-                                        <p:cTn id="6" dur="1" fill="hold">
-                                          <p:stCondLst>
-                                            <p:cond delay="0"/>
-                                          </p:stCondLst>
-                                        </p:cTn>
-                                        <p:tgtEl>
-                                          <p:spTgt spid="4"/>
-                                        </p:tgtEl>
-                                        <p:attrNameLst>
-                                          <p:attrName>style.visibility</p:attrName>
-                                        </p:attrNameLst>
-                                      </p:cBhvr>
-                                      <p:to>
-                                        <p:strVal val="visible"/>
-                                      </p:to>
-                                    </p:set>
-                                    <p:animEffect transition="in" filter="fade">
-                                      <p:cBhvr>
-                                        <p:cTn id="7" dur="500"/>
-                                        <p:tgtEl>
-                                          <p:spTgt spid="4"/>
-                                        </p:tgtEl>
-                                      </p:cBhvr>
-                                    </p:animEffect>
-                                  </p:childTnLst>
-                                </p:cTn>
-                              </p:par>
-                            </p:childTnLst>
-                          </p:cTn>
-                        </p:par>
-                      </p:childTnLst>
-                    </p:cTn>
-                  </p:par>
-                </p:childTnLst>
-              </p:cTn>
-              <p:prevCondLst>
-                <p:cond evt="onPrev" delay="0">
-                  <p:tgtEl>
-                    <p:sldTgt/>
-                  </p:tgtEl>
-                </p:cond>
-              </p:prevCondLst>
-              <p:nextCondLst>
-                <p:cond evt="onNext" delay="0">
-                  <p:tgtEl>
-                    <p:sldTgt/>
-                  </p:tgtEl>
-                </p:cond>
-              </p:nextCondLst>
-            </p:seq>
-          </p:childTnLst>
-        </p:cTn>
+        <p:cTn id="1" dur="indefinite" restart="never" nodeType="tmRoot"/>
       </p:par>
     </p:tnLst>
   </p:timing>
@@ -17812,8 +18829,31 @@
           <a:p>
             <a:r>
               <a:rPr lang="en-US" dirty="0" smtClean="0"/>
-              <a:t>Solution: let</a:t>
-            </a:r>
+              <a:t>Tagged </a:t>
+            </a:r>
+            <a:r>
+              <a:rPr lang="en-US" dirty="0" smtClean="0"/>
+              <a:t>Templates</a:t>
+            </a:r>
+            <a:endParaRPr lang="en-US" dirty="0"/>
+          </a:p>
+        </p:txBody>
+      </p:sp>
+      <p:sp>
+        <p:nvSpPr>
+          <p:cNvPr id="3" name="Text Placeholder 2"/>
+          <p:cNvSpPr>
+            <a:spLocks noGrp="1"/>
+          </p:cNvSpPr>
+          <p:nvPr>
+            <p:ph type="body" idx="1"/>
+          </p:nvPr>
+        </p:nvSpPr>
+        <p:spPr/>
+        <p:txBody>
+          <a:bodyPr/>
+          <a:lstStyle/>
+          <a:p>
             <a:endParaRPr lang="en-US" dirty="0"/>
           </a:p>
         </p:txBody>
@@ -17834,32 +18874,8 @@
         </p:blipFill>
         <p:spPr>
           <a:xfrm>
-            <a:off x="533400" y="1600200"/>
-            <a:ext cx="6596158" cy="2486025"/>
-          </a:xfrm>
-          <a:prstGeom prst="rect">
-            <a:avLst/>
-          </a:prstGeom>
-        </p:spPr>
-      </p:pic>
-      <p:pic>
-        <p:nvPicPr>
-          <p:cNvPr id="5" name="Picture 4"/>
-          <p:cNvPicPr>
-            <a:picLocks noChangeAspect="1"/>
-          </p:cNvPicPr>
-          <p:nvPr/>
-        </p:nvPicPr>
-        <p:blipFill>
-          <a:blip r:embed="rId3"/>
-          <a:stretch>
-            <a:fillRect/>
-          </a:stretch>
-        </p:blipFill>
-        <p:spPr>
-          <a:xfrm>
-            <a:off x="3657600" y="4343400"/>
-            <a:ext cx="4486275" cy="1628775"/>
+            <a:off x="990600" y="1361926"/>
+            <a:ext cx="6915150" cy="4581674"/>
           </a:xfrm>
           <a:prstGeom prst="rect">
             <a:avLst/>
@@ -17869,7 +18885,7 @@
     </p:spTree>
     <p:extLst>
       <p:ext uri="{BB962C8B-B14F-4D97-AF65-F5344CB8AC3E}">
-        <p14:creationId xmlns:p14="http://schemas.microsoft.com/office/powerpoint/2010/main" val="2229719437"/>
+        <p14:creationId xmlns:p14="http://schemas.microsoft.com/office/powerpoint/2010/main" val="3659674457"/>
       </p:ext>
     </p:extLst>
   </p:cSld>
@@ -17882,83 +18898,7 @@
   <p:timing>
     <p:tnLst>
       <p:par>
-        <p:cTn id="1" dur="indefinite" restart="never" nodeType="tmRoot">
-          <p:childTnLst>
-            <p:seq concurrent="1" nextAc="seek">
-              <p:cTn id="2" dur="indefinite" nodeType="mainSeq">
-                <p:childTnLst>
-                  <p:par>
-                    <p:cTn id="3" fill="hold">
-                      <p:stCondLst>
-                        <p:cond delay="indefinite"/>
-                      </p:stCondLst>
-                      <p:childTnLst>
-                        <p:par>
-                          <p:cTn id="4" fill="hold">
-                            <p:stCondLst>
-                              <p:cond delay="0"/>
-                            </p:stCondLst>
-                            <p:childTnLst>
-                              <p:par>
-                                <p:cTn id="5" presetID="10" presetClass="entr" presetSubtype="0" fill="hold" nodeType="clickEffect">
-                                  <p:stCondLst>
-                                    <p:cond delay="0"/>
-                                  </p:stCondLst>
-                                  <p:childTnLst>
-                                    <p:set>
-                                      <p:cBhvr>
-                                        <p:cTn id="6" dur="1" fill="hold">
-                                          <p:stCondLst>
-                                            <p:cond delay="0"/>
-                                          </p:stCondLst>
-                                        </p:cTn>
-                                        <p:tgtEl>
-                                          <p:spTgt spid="5"/>
-                                        </p:tgtEl>
-                                        <p:attrNameLst>
-                                          <p:attrName>style.visibility</p:attrName>
-                                        </p:attrNameLst>
-                                      </p:cBhvr>
-                                      <p:to>
-                                        <p:strVal val="visible"/>
-                                      </p:to>
-                                    </p:set>
-                                    <p:animEffect transition="in" filter="fade">
-                                      <p:cBhvr>
-                                        <p:cTn id="7" dur="500"/>
-                                        <p:tgtEl>
-                                          <p:spTgt spid="5"/>
-                                        </p:tgtEl>
-                                      </p:cBhvr>
-                                    </p:animEffect>
-                                  </p:childTnLst>
-                                </p:cTn>
-                              </p:par>
-                            </p:childTnLst>
-                          </p:cTn>
-                        </p:par>
-                      </p:childTnLst>
-                    </p:cTn>
-                  </p:par>
-                </p:childTnLst>
-              </p:cTn>
-              <p:prevCondLst>
-                <p:cond evt="onPrev" delay="0">
-                  <p:tgtEl>
-                    <p:sldTgt/>
-                  </p:tgtEl>
-                </p:cond>
-              </p:prevCondLst>
-              <p:nextCondLst>
-                <p:cond evt="onNext" delay="0">
-                  <p:tgtEl>
-                    <p:sldTgt/>
-                  </p:tgtEl>
-                </p:cond>
-              </p:nextCondLst>
-            </p:seq>
-          </p:childTnLst>
-        </p:cTn>
+        <p:cTn id="1" dur="indefinite" restart="never" nodeType="tmRoot"/>
       </p:par>
     </p:tnLst>
   </p:timing>

--- a/assorted/evolution_of_js.pptx
+++ b/assorted/evolution_of_js.pptx
@@ -9678,11 +9678,15 @@
             </a:r>
             <a:r>
               <a:rPr lang="en-US" dirty="0" smtClean="0"/>
-              <a:t>immediate future frameworks)</a:t>
+              <a:t>coming </a:t>
             </a:r>
             <a:r>
               <a:rPr lang="en-US" dirty="0" smtClean="0"/>
-              <a:t/>
+              <a:t>frameworks</a:t>
+            </a:r>
+            <a:r>
+              <a:rPr lang="en-US" dirty="0" smtClean="0"/>
+              <a:t>)</a:t>
             </a:r>
             <a:br>
               <a:rPr lang="en-US" dirty="0" smtClean="0"/>
@@ -11209,6 +11213,13 @@
   <p:transition>
     <p:fade/>
   </p:transition>
+  <p:timing>
+    <p:tnLst>
+      <p:par>
+        <p:cTn id="1" dur="indefinite" restart="never" nodeType="tmRoot"/>
+      </p:par>
+    </p:tnLst>
+  </p:timing>
 </p:sld>
 </file>
 
@@ -15549,6 +15560,13 @@
   <p:transition>
     <p:fade/>
   </p:transition>
+  <p:timing>
+    <p:tnLst>
+      <p:par>
+        <p:cTn id="1" dur="indefinite" restart="never" nodeType="tmRoot"/>
+      </p:par>
+    </p:tnLst>
+  </p:timing>
 </p:sld>
 </file>
 
@@ -16618,11 +16636,7 @@
           <a:p>
             <a:r>
               <a:rPr lang="en-US" dirty="0" smtClean="0"/>
-              <a:t>Creating </a:t>
-            </a:r>
-            <a:r>
-              <a:rPr lang="en-US" dirty="0" smtClean="0"/>
-              <a:t>Components</a:t>
+              <a:t>Creating Components</a:t>
             </a:r>
             <a:endParaRPr lang="en-US" dirty="0"/>
           </a:p>
@@ -16786,13 +16800,7 @@
               <a:rPr lang="en-US" dirty="0" smtClean="0">
                 <a:hlinkClick r:id="rId2"/>
               </a:rPr>
-              <a:t>http</a:t>
-            </a:r>
-            <a:r>
-              <a:rPr lang="en-US" dirty="0" smtClean="0">
-                <a:hlinkClick r:id="rId2"/>
-              </a:rPr>
-              <a:t>://aurelia.io</a:t>
+              <a:t>http://aurelia.io</a:t>
             </a:r>
             <a:endParaRPr lang="en-US" dirty="0" smtClean="0"/>
           </a:p>
@@ -16918,6 +16926,13 @@
   <p:transition>
     <p:fade/>
   </p:transition>
+  <p:timing>
+    <p:tnLst>
+      <p:par>
+        <p:cTn id="1" dur="indefinite" restart="never" nodeType="tmRoot"/>
+      </p:par>
+    </p:tnLst>
+  </p:timing>
 </p:sld>
 </file>
 
@@ -17816,6 +17831,13 @@
   <p:transition>
     <p:fade/>
   </p:transition>
+  <p:timing>
+    <p:tnLst>
+      <p:par>
+        <p:cTn id="1" dur="indefinite" restart="never" nodeType="tmRoot"/>
+      </p:par>
+    </p:tnLst>
+  </p:timing>
 </p:sld>
 </file>
 
@@ -18829,11 +18851,7 @@
           <a:p>
             <a:r>
               <a:rPr lang="en-US" dirty="0" smtClean="0"/>
-              <a:t>Tagged </a:t>
-            </a:r>
-            <a:r>
-              <a:rPr lang="en-US" dirty="0" smtClean="0"/>
-              <a:t>Templates</a:t>
+              <a:t>Tagged Templates</a:t>
             </a:r>
             <a:endParaRPr lang="en-US" dirty="0"/>
           </a:p>
